--- a/大學生/空氣品質與癌症之間的關聯.pptx
+++ b/大學生/空氣品質與癌症之間的關聯.pptx
@@ -5,35 +5,34 @@
     <p:sldMasterId id="2147483661" r:id="rId1"/>
   </p:sldMasterIdLst>
   <p:notesMasterIdLst>
-    <p:notesMasterId r:id="rId28"/>
+    <p:notesMasterId r:id="rId27"/>
   </p:notesMasterIdLst>
   <p:sldIdLst>
     <p:sldId id="256" r:id="rId2"/>
     <p:sldId id="257" r:id="rId3"/>
     <p:sldId id="258" r:id="rId4"/>
-    <p:sldId id="292" r:id="rId5"/>
-    <p:sldId id="289" r:id="rId6"/>
-    <p:sldId id="288" r:id="rId7"/>
-    <p:sldId id="259" r:id="rId8"/>
-    <p:sldId id="277" r:id="rId9"/>
-    <p:sldId id="260" r:id="rId10"/>
-    <p:sldId id="261" r:id="rId11"/>
-    <p:sldId id="262" r:id="rId12"/>
-    <p:sldId id="263" r:id="rId13"/>
-    <p:sldId id="278" r:id="rId14"/>
-    <p:sldId id="279" r:id="rId15"/>
-    <p:sldId id="280" r:id="rId16"/>
-    <p:sldId id="264" r:id="rId17"/>
-    <p:sldId id="281" r:id="rId18"/>
-    <p:sldId id="290" r:id="rId19"/>
-    <p:sldId id="291" r:id="rId20"/>
-    <p:sldId id="265" r:id="rId21"/>
-    <p:sldId id="266" r:id="rId22"/>
-    <p:sldId id="282" r:id="rId23"/>
-    <p:sldId id="283" r:id="rId24"/>
-    <p:sldId id="284" r:id="rId25"/>
-    <p:sldId id="275" r:id="rId26"/>
-    <p:sldId id="276" r:id="rId27"/>
+    <p:sldId id="293" r:id="rId5"/>
+    <p:sldId id="288" r:id="rId6"/>
+    <p:sldId id="259" r:id="rId7"/>
+    <p:sldId id="277" r:id="rId8"/>
+    <p:sldId id="260" r:id="rId9"/>
+    <p:sldId id="261" r:id="rId10"/>
+    <p:sldId id="262" r:id="rId11"/>
+    <p:sldId id="263" r:id="rId12"/>
+    <p:sldId id="278" r:id="rId13"/>
+    <p:sldId id="279" r:id="rId14"/>
+    <p:sldId id="280" r:id="rId15"/>
+    <p:sldId id="264" r:id="rId16"/>
+    <p:sldId id="281" r:id="rId17"/>
+    <p:sldId id="290" r:id="rId18"/>
+    <p:sldId id="291" r:id="rId19"/>
+    <p:sldId id="265" r:id="rId20"/>
+    <p:sldId id="266" r:id="rId21"/>
+    <p:sldId id="282" r:id="rId22"/>
+    <p:sldId id="283" r:id="rId23"/>
+    <p:sldId id="284" r:id="rId24"/>
+    <p:sldId id="275" r:id="rId25"/>
+    <p:sldId id="276" r:id="rId26"/>
   </p:sldIdLst>
   <p:sldSz cx="12192000" cy="6858000"/>
   <p:notesSz cx="7559675" cy="10691813"/>
@@ -222,7 +221,7 @@
           <a:p>
             <a:fld id="{AB231EBC-3AE6-4B16-A83F-3BC455714DF2}" type="datetimeFigureOut">
               <a:rPr lang="zh-TW" altLang="en-US" smtClean="0"/>
-              <a:t>2024/6/8</a:t>
+              <a:t>2024/6/10</a:t>
             </a:fld>
             <a:endParaRPr lang="zh-TW" altLang="en-US"/>
           </a:p>
@@ -561,7 +560,7 @@
           <a:p>
             <a:fld id="{E290071D-B827-48EC-8A82-D9DC72D04BC4}" type="slidenum">
               <a:rPr lang="zh-TW" altLang="en-US" smtClean="0"/>
-              <a:t>7</a:t>
+              <a:t>6</a:t>
             </a:fld>
             <a:endParaRPr lang="zh-TW" altLang="en-US"/>
           </a:p>
@@ -2388,7 +2387,7 @@
                 </a:solidFill>
                 <a:latin typeface="Gill Sans MT"/>
               </a:rPr>
-              <a:t>6/8/2024</a:t>
+              <a:t>6/10/2024</a:t>
             </a:fld>
             <a:endParaRPr lang="en-US" sz="1050" b="0" strike="noStrike" spc="-1">
               <a:latin typeface="Times New Roman"/>
@@ -3020,416 +3019,6 @@
       </p:grpSpPr>
       <p:sp>
         <p:nvSpPr>
-          <p:cNvPr id="195" name="內容版面配置區 2_1"/>
-          <p:cNvSpPr txBox="1"/>
-          <p:nvPr/>
-        </p:nvSpPr>
-        <p:spPr>
-          <a:xfrm>
-            <a:off x="1069920" y="1251469"/>
-            <a:ext cx="10058040" cy="4050360"/>
-          </a:xfrm>
-          <a:prstGeom prst="rect">
-            <a:avLst/>
-          </a:prstGeom>
-          <a:noFill/>
-          <a:ln w="0">
-            <a:noFill/>
-          </a:ln>
-        </p:spPr>
-        <p:txBody>
-          <a:bodyPr>
-            <a:noAutofit/>
-          </a:bodyPr>
-          <a:lstStyle/>
-          <a:p>
-            <a:pPr marL="182880" indent="-182520">
-              <a:lnSpc>
-                <a:spcPct val="90000"/>
-              </a:lnSpc>
-              <a:spcBef>
-                <a:spcPts val="1199"/>
-              </a:spcBef>
-              <a:buClr>
-                <a:srgbClr val="689D9B"/>
-              </a:buClr>
-              <a:buSzPct val="85000"/>
-              <a:buFont typeface="Wingdings" charset="2"/>
-              <a:buChar char=""/>
-            </a:pPr>
-            <a:r>
-              <a:rPr lang="zh-TW" altLang="en-US" sz="2000" b="0" strike="noStrike" spc="-1" dirty="0">
-                <a:solidFill>
-                  <a:srgbClr val="000000"/>
-                </a:solidFill>
-                <a:latin typeface="Arial"/>
-              </a:rPr>
-              <a:t>全名為長短期記憶，會使用記憶來更新訊息，並控制訊息流動，使模型能夠更優化捕捉長期依賴關係。</a:t>
-            </a:r>
-            <a:endParaRPr lang="en-US" altLang="zh-TW" sz="2000" b="0" strike="noStrike" spc="-1" dirty="0">
-              <a:solidFill>
-                <a:srgbClr val="000000"/>
-              </a:solidFill>
-              <a:latin typeface="Arial"/>
-            </a:endParaRPr>
-          </a:p>
-          <a:p>
-            <a:pPr marL="182880" indent="-182520">
-              <a:lnSpc>
-                <a:spcPct val="90000"/>
-              </a:lnSpc>
-              <a:spcBef>
-                <a:spcPts val="1199"/>
-              </a:spcBef>
-              <a:buClr>
-                <a:srgbClr val="689D9B"/>
-              </a:buClr>
-              <a:buSzPct val="85000"/>
-              <a:buFont typeface="Wingdings" charset="2"/>
-              <a:buChar char=""/>
-            </a:pPr>
-            <a:endParaRPr lang="en-US" altLang="zh-TW" sz="2000" spc="-1" dirty="0">
-              <a:solidFill>
-                <a:srgbClr val="000000"/>
-              </a:solidFill>
-              <a:latin typeface="Arial"/>
-            </a:endParaRPr>
-          </a:p>
-          <a:p>
-            <a:pPr marL="182880" indent="-182520">
-              <a:lnSpc>
-                <a:spcPct val="90000"/>
-              </a:lnSpc>
-              <a:spcBef>
-                <a:spcPts val="1199"/>
-              </a:spcBef>
-              <a:buClr>
-                <a:srgbClr val="689D9B"/>
-              </a:buClr>
-              <a:buSzPct val="85000"/>
-              <a:buFont typeface="Wingdings" charset="2"/>
-              <a:buChar char=""/>
-            </a:pPr>
-            <a:r>
-              <a:rPr lang="zh-TW" sz="2000" b="0" strike="noStrike" spc="-1" dirty="0">
-                <a:solidFill>
-                  <a:srgbClr val="000000"/>
-                </a:solidFill>
-                <a:latin typeface="Arial"/>
-              </a:rPr>
-              <a:t>準確性的變化趨勢：訓練初期，模型的準確性提升速度較快，尤其是在前</a:t>
-            </a:r>
-            <a:r>
-              <a:rPr lang="en-US" sz="2000" b="0" strike="noStrike" spc="-1" dirty="0">
-                <a:solidFill>
-                  <a:srgbClr val="000000"/>
-                </a:solidFill>
-                <a:latin typeface="Arial"/>
-              </a:rPr>
-              <a:t>20</a:t>
-            </a:r>
-            <a:r>
-              <a:rPr lang="zh-TW" sz="2000" b="0" strike="noStrike" spc="-1" dirty="0">
-                <a:solidFill>
-                  <a:srgbClr val="000000"/>
-                </a:solidFill>
-                <a:latin typeface="Arial"/>
-              </a:rPr>
-              <a:t>個</a:t>
-            </a:r>
-            <a:r>
-              <a:rPr lang="en-US" sz="2000" b="0" strike="noStrike" spc="-1" dirty="0">
-                <a:solidFill>
-                  <a:srgbClr val="000000"/>
-                </a:solidFill>
-                <a:latin typeface="Arial"/>
-              </a:rPr>
-              <a:t>epoch</a:t>
-            </a:r>
-            <a:r>
-              <a:rPr lang="zh-TW" sz="2000" b="0" strike="noStrike" spc="-1" dirty="0">
-                <a:solidFill>
-                  <a:srgbClr val="000000"/>
-                </a:solidFill>
-                <a:latin typeface="Arial"/>
-              </a:rPr>
-              <a:t>之內，模型的準確性急劇提升。隨著訓練輪數的增加，模型的準確性提升速度逐漸變慢，並最終趨於平緩。</a:t>
-            </a:r>
-            <a:endParaRPr lang="en-US" sz="2000" b="0" strike="noStrike" spc="-1" dirty="0">
-              <a:solidFill>
-                <a:srgbClr val="000000"/>
-              </a:solidFill>
-              <a:latin typeface="Arial"/>
-            </a:endParaRPr>
-          </a:p>
-          <a:p>
-            <a:pPr>
-              <a:lnSpc>
-                <a:spcPct val="90000"/>
-              </a:lnSpc>
-              <a:spcBef>
-                <a:spcPts val="1199"/>
-              </a:spcBef>
-            </a:pPr>
-            <a:endParaRPr lang="en-US" sz="2000" b="0" strike="noStrike" spc="-1" dirty="0">
-              <a:solidFill>
-                <a:srgbClr val="000000"/>
-              </a:solidFill>
-              <a:latin typeface="Arial"/>
-            </a:endParaRPr>
-          </a:p>
-          <a:p>
-            <a:pPr marL="182880" indent="-182520">
-              <a:lnSpc>
-                <a:spcPct val="90000"/>
-              </a:lnSpc>
-              <a:spcBef>
-                <a:spcPts val="1199"/>
-              </a:spcBef>
-              <a:buClr>
-                <a:srgbClr val="689D9B"/>
-              </a:buClr>
-              <a:buSzPct val="85000"/>
-              <a:buFont typeface="Wingdings" charset="2"/>
-              <a:buChar char=""/>
-            </a:pPr>
-            <a:r>
-              <a:rPr lang="zh-TW" sz="2000" b="0" strike="noStrike" spc="-1" dirty="0">
-                <a:solidFill>
-                  <a:srgbClr val="000000"/>
-                </a:solidFill>
-                <a:latin typeface="Arial"/>
-              </a:rPr>
-              <a:t>訓練集和驗證集的準確性對比：訓練集的準確性始終低於驗證集的準確性，這種現象在前</a:t>
-            </a:r>
-            <a:r>
-              <a:rPr lang="en-US" sz="2000" b="0" strike="noStrike" spc="-1" dirty="0">
-                <a:solidFill>
-                  <a:srgbClr val="000000"/>
-                </a:solidFill>
-                <a:latin typeface="Arial"/>
-              </a:rPr>
-              <a:t>20</a:t>
-            </a:r>
-            <a:r>
-              <a:rPr lang="zh-TW" sz="2000" b="0" strike="noStrike" spc="-1" dirty="0">
-                <a:solidFill>
-                  <a:srgbClr val="000000"/>
-                </a:solidFill>
-                <a:latin typeface="Arial"/>
-              </a:rPr>
-              <a:t>個</a:t>
-            </a:r>
-            <a:r>
-              <a:rPr lang="en-US" sz="2000" b="0" strike="noStrike" spc="-1" dirty="0">
-                <a:solidFill>
-                  <a:srgbClr val="000000"/>
-                </a:solidFill>
-                <a:latin typeface="Arial"/>
-              </a:rPr>
-              <a:t>epoch</a:t>
-            </a:r>
-            <a:r>
-              <a:rPr lang="zh-TW" sz="2000" b="0" strike="noStrike" spc="-1" dirty="0">
-                <a:solidFill>
-                  <a:srgbClr val="000000"/>
-                </a:solidFill>
-                <a:latin typeface="Arial"/>
-              </a:rPr>
-              <a:t>尤其明顯。這可能表示模型在訓練初期容易過擬合訓練數據，從而在驗證集上表現更好。隨著訓練輪數的增加，兩條曲線逐漸趨於一致，這意味著模型逐漸達到了穩定狀態。</a:t>
-            </a:r>
-            <a:endParaRPr lang="en-US" sz="2000" b="0" strike="noStrike" spc="-1" dirty="0">
-              <a:solidFill>
-                <a:srgbClr val="000000"/>
-              </a:solidFill>
-              <a:latin typeface="Arial"/>
-            </a:endParaRPr>
-          </a:p>
-          <a:p>
-            <a:pPr>
-              <a:lnSpc>
-                <a:spcPct val="90000"/>
-              </a:lnSpc>
-              <a:spcBef>
-                <a:spcPts val="1199"/>
-              </a:spcBef>
-            </a:pPr>
-            <a:endParaRPr lang="en-US" sz="2000" b="0" strike="noStrike" spc="-1" dirty="0">
-              <a:solidFill>
-                <a:srgbClr val="000000"/>
-              </a:solidFill>
-              <a:latin typeface="Arial"/>
-            </a:endParaRPr>
-          </a:p>
-          <a:p>
-            <a:pPr marL="182880" indent="-182520">
-              <a:lnSpc>
-                <a:spcPct val="90000"/>
-              </a:lnSpc>
-              <a:spcBef>
-                <a:spcPts val="1199"/>
-              </a:spcBef>
-              <a:buClr>
-                <a:srgbClr val="689D9B"/>
-              </a:buClr>
-              <a:buSzPct val="85000"/>
-              <a:buFont typeface="Wingdings" charset="2"/>
-              <a:buChar char=""/>
-            </a:pPr>
-            <a:r>
-              <a:rPr lang="zh-TW" sz="2000" b="0" strike="noStrike" spc="-1" dirty="0">
-                <a:solidFill>
-                  <a:srgbClr val="000000"/>
-                </a:solidFill>
-                <a:latin typeface="Arial"/>
-              </a:rPr>
-              <a:t>模型的收斂性：模型的準確性曲線逐漸趨於平緩，這表示模型在經過一定數量的訓練後，學習到了數據中的模式，並且逐漸達到了其最大準確性。</a:t>
-            </a:r>
-            <a:endParaRPr lang="en-US" sz="2000" b="0" strike="noStrike" spc="-1" dirty="0">
-              <a:solidFill>
-                <a:srgbClr val="000000"/>
-              </a:solidFill>
-              <a:latin typeface="Arial"/>
-            </a:endParaRPr>
-          </a:p>
-        </p:txBody>
-      </p:sp>
-      <p:sp>
-        <p:nvSpPr>
-          <p:cNvPr id="196" name="投影片編號版面配置區 3_1"/>
-          <p:cNvSpPr txBox="1"/>
-          <p:nvPr/>
-        </p:nvSpPr>
-        <p:spPr>
-          <a:xfrm>
-            <a:off x="11311200" y="6272640"/>
-            <a:ext cx="639720" cy="364680"/>
-          </a:xfrm>
-          <a:prstGeom prst="rect">
-            <a:avLst/>
-          </a:prstGeom>
-          <a:noFill/>
-          <a:ln w="0">
-            <a:noFill/>
-          </a:ln>
-        </p:spPr>
-        <p:txBody>
-          <a:bodyPr anchor="ctr">
-            <a:noAutofit/>
-          </a:bodyPr>
-          <a:lstStyle/>
-          <a:p>
-            <a:pPr algn="ctr">
-              <a:lnSpc>
-                <a:spcPct val="100000"/>
-              </a:lnSpc>
-            </a:pPr>
-            <a:fld id="{A8DB26CF-55A9-415B-AA54-51FBE59C980F}" type="slidenum">
-              <a:rPr lang="en-US" sz="1400" b="0" strike="noStrike" spc="-1">
-                <a:solidFill>
-                  <a:srgbClr val="FFFFFF"/>
-                </a:solidFill>
-                <a:latin typeface="Arial Black"/>
-              </a:rPr>
-              <a:t>10</a:t>
-            </a:fld>
-            <a:endParaRPr lang="en-US" sz="1400" b="0" strike="noStrike" spc="-1">
-              <a:latin typeface="Times New Roman"/>
-            </a:endParaRPr>
-          </a:p>
-        </p:txBody>
-      </p:sp>
-      <p:sp>
-        <p:nvSpPr>
-          <p:cNvPr id="197" name="標題 1_2"/>
-          <p:cNvSpPr txBox="1"/>
-          <p:nvPr/>
-        </p:nvSpPr>
-        <p:spPr>
-          <a:xfrm>
-            <a:off x="2231280" y="120960"/>
-            <a:ext cx="7729200" cy="767160"/>
-          </a:xfrm>
-          <a:prstGeom prst="rect">
-            <a:avLst/>
-          </a:prstGeom>
-          <a:solidFill>
-            <a:srgbClr val="FFFFFF"/>
-          </a:solidFill>
-          <a:ln w="31680" cap="sq">
-            <a:solidFill>
-              <a:srgbClr val="404040"/>
-            </a:solidFill>
-            <a:miter/>
-          </a:ln>
-        </p:spPr>
-        <p:txBody>
-          <a:bodyPr lIns="182880" tIns="182880" rIns="182880" bIns="182880" anchor="ctr">
-            <a:noAutofit/>
-          </a:bodyPr>
-          <a:lstStyle/>
-          <a:p>
-            <a:pPr algn="ctr">
-              <a:lnSpc>
-                <a:spcPct val="90000"/>
-              </a:lnSpc>
-            </a:pPr>
-            <a:r>
-              <a:rPr lang="en-US" sz="2800" b="0" strike="noStrike" spc="199" dirty="0">
-                <a:solidFill>
-                  <a:srgbClr val="000000"/>
-                </a:solidFill>
-                <a:latin typeface="Calibri"/>
-                <a:ea typeface="新細明體"/>
-              </a:rPr>
-              <a:t>LSTM </a:t>
-            </a:r>
-            <a:r>
-              <a:rPr lang="zh-TW" sz="2800" b="0" strike="noStrike" spc="199" dirty="0">
-                <a:solidFill>
-                  <a:srgbClr val="000000"/>
-                </a:solidFill>
-                <a:latin typeface="Calibri"/>
-                <a:ea typeface="新細明體"/>
-              </a:rPr>
-              <a:t>介紹</a:t>
-            </a:r>
-            <a:endParaRPr lang="en-US" sz="2800" b="0" strike="noStrike" spc="-1" dirty="0">
-              <a:solidFill>
-                <a:srgbClr val="000000"/>
-              </a:solidFill>
-              <a:latin typeface="Arial"/>
-            </a:endParaRPr>
-          </a:p>
-        </p:txBody>
-      </p:sp>
-    </p:spTree>
-  </p:cSld>
-  <p:clrMapOvr>
-    <a:masterClrMapping/>
-  </p:clrMapOvr>
-</p:sld>
-</file>
-
-<file path=ppt/slides/slide11.xml><?xml version="1.0" encoding="utf-8"?>
-<p:sld xmlns:a="http://schemas.openxmlformats.org/drawingml/2006/main" xmlns:r="http://schemas.openxmlformats.org/officeDocument/2006/relationships" xmlns:p="http://schemas.openxmlformats.org/presentationml/2006/main">
-  <p:cSld>
-    <p:spTree>
-      <p:nvGrpSpPr>
-        <p:cNvPr id="1" name=""/>
-        <p:cNvGrpSpPr/>
-        <p:nvPr/>
-      </p:nvGrpSpPr>
-      <p:grpSpPr>
-        <a:xfrm>
-          <a:off x="0" y="0"/>
-          <a:ext cx="0" cy="0"/>
-          <a:chOff x="0" y="0"/>
-          <a:chExt cx="0" cy="0"/>
-        </a:xfrm>
-      </p:grpSpPr>
-      <p:sp>
-        <p:nvSpPr>
           <p:cNvPr id="198" name="標題 1"/>
           <p:cNvSpPr/>
           <p:nvPr/>
@@ -4809,7 +4398,7 @@
 </p:sld>
 </file>
 
-<file path=ppt/slides/slide12.xml><?xml version="1.0" encoding="utf-8"?>
+<file path=ppt/slides/slide11.xml><?xml version="1.0" encoding="utf-8"?>
 <p:sld xmlns:a="http://schemas.openxmlformats.org/drawingml/2006/main" xmlns:r="http://schemas.openxmlformats.org/officeDocument/2006/relationships" xmlns:p="http://schemas.openxmlformats.org/presentationml/2006/main">
   <p:cSld>
     <p:spTree>
@@ -5342,7 +4931,7 @@
 </p:sld>
 </file>
 
-<file path=ppt/slides/slide13.xml><?xml version="1.0" encoding="utf-8"?>
+<file path=ppt/slides/slide12.xml><?xml version="1.0" encoding="utf-8"?>
 <p:sld xmlns:a="http://schemas.openxmlformats.org/drawingml/2006/main" xmlns:r="http://schemas.openxmlformats.org/officeDocument/2006/relationships" xmlns:p="http://schemas.openxmlformats.org/presentationml/2006/main">
   <p:cSld>
     <p:spTree>
@@ -5898,7 +5487,7 @@
 </p:sld>
 </file>
 
-<file path=ppt/slides/slide14.xml><?xml version="1.0" encoding="utf-8"?>
+<file path=ppt/slides/slide13.xml><?xml version="1.0" encoding="utf-8"?>
 <p:sld xmlns:a="http://schemas.openxmlformats.org/drawingml/2006/main" xmlns:r="http://schemas.openxmlformats.org/officeDocument/2006/relationships" xmlns:p="http://schemas.openxmlformats.org/presentationml/2006/main">
   <p:cSld>
     <p:spTree>
@@ -6516,7 +6105,7 @@
 </p:sld>
 </file>
 
-<file path=ppt/slides/slide15.xml><?xml version="1.0" encoding="utf-8"?>
+<file path=ppt/slides/slide14.xml><?xml version="1.0" encoding="utf-8"?>
 <p:sld xmlns:a="http://schemas.openxmlformats.org/drawingml/2006/main" xmlns:r="http://schemas.openxmlformats.org/officeDocument/2006/relationships" xmlns:p="http://schemas.openxmlformats.org/presentationml/2006/main">
   <p:cSld>
     <p:spTree>
@@ -6927,7 +6516,7 @@
 </p:sld>
 </file>
 
-<file path=ppt/slides/slide16.xml><?xml version="1.0" encoding="utf-8"?>
+<file path=ppt/slides/slide15.xml><?xml version="1.0" encoding="utf-8"?>
 <p:sld xmlns:a="http://schemas.openxmlformats.org/drawingml/2006/main" xmlns:r="http://schemas.openxmlformats.org/officeDocument/2006/relationships" xmlns:p="http://schemas.openxmlformats.org/presentationml/2006/main">
   <p:cSld>
     <p:spTree>
@@ -7750,7 +7339,7 @@
 </p:sld>
 </file>
 
-<file path=ppt/slides/slide17.xml><?xml version="1.0" encoding="utf-8"?>
+<file path=ppt/slides/slide16.xml><?xml version="1.0" encoding="utf-8"?>
 <p:sld xmlns:a="http://schemas.openxmlformats.org/drawingml/2006/main" xmlns:r="http://schemas.openxmlformats.org/officeDocument/2006/relationships" xmlns:p="http://schemas.openxmlformats.org/presentationml/2006/main">
   <p:cSld>
     <p:spTree>
@@ -7945,7 +7534,7 @@
 </p:sld>
 </file>
 
-<file path=ppt/slides/slide18.xml><?xml version="1.0" encoding="utf-8"?>
+<file path=ppt/slides/slide17.xml><?xml version="1.0" encoding="utf-8"?>
 <p:sld xmlns:a="http://schemas.openxmlformats.org/drawingml/2006/main" xmlns:r="http://schemas.openxmlformats.org/officeDocument/2006/relationships" xmlns:p="http://schemas.openxmlformats.org/presentationml/2006/main">
   <p:cSld>
     <p:spTree>
@@ -8271,7 +7860,7 @@
         </p:blipFill>
         <p:spPr>
           <a:xfrm>
-            <a:off x="2121338" y="3922408"/>
+            <a:off x="2121339" y="3922408"/>
             <a:ext cx="3689197" cy="2935592"/>
           </a:xfrm>
           <a:prstGeom prst="rect">
@@ -8328,7 +7917,7 @@
 </p:sld>
 </file>
 
-<file path=ppt/slides/slide19.xml><?xml version="1.0" encoding="utf-8"?>
+<file path=ppt/slides/slide18.xml><?xml version="1.0" encoding="utf-8"?>
 <p:sld xmlns:a="http://schemas.openxmlformats.org/drawingml/2006/main" xmlns:r="http://schemas.openxmlformats.org/officeDocument/2006/relationships" xmlns:p="http://schemas.openxmlformats.org/presentationml/2006/main">
   <p:cSld>
     <p:spTree>
@@ -8572,6 +8161,478 @@
         <p14:creationId xmlns:p14="http://schemas.microsoft.com/office/powerpoint/2010/main" val="3077924780"/>
       </p:ext>
     </p:extLst>
+  </p:cSld>
+  <p:clrMapOvr>
+    <a:masterClrMapping/>
+  </p:clrMapOvr>
+</p:sld>
+</file>
+
+<file path=ppt/slides/slide19.xml><?xml version="1.0" encoding="utf-8"?>
+<p:sld xmlns:a="http://schemas.openxmlformats.org/drawingml/2006/main" xmlns:r="http://schemas.openxmlformats.org/officeDocument/2006/relationships" xmlns:p="http://schemas.openxmlformats.org/presentationml/2006/main">
+  <p:cSld>
+    <p:spTree>
+      <p:nvGrpSpPr>
+        <p:cNvPr id="1" name=""/>
+        <p:cNvGrpSpPr/>
+        <p:nvPr/>
+      </p:nvGrpSpPr>
+      <p:grpSpPr>
+        <a:xfrm>
+          <a:off x="0" y="0"/>
+          <a:ext cx="0" cy="0"/>
+          <a:chOff x="0" y="0"/>
+          <a:chExt cx="0" cy="0"/>
+        </a:xfrm>
+      </p:grpSpPr>
+      <p:sp>
+        <p:nvSpPr>
+          <p:cNvPr id="220" name="標題 1_3"/>
+          <p:cNvSpPr txBox="1"/>
+          <p:nvPr/>
+        </p:nvSpPr>
+        <p:spPr>
+          <a:xfrm>
+            <a:off x="2231280" y="104040"/>
+            <a:ext cx="7729200" cy="588600"/>
+          </a:xfrm>
+          <a:prstGeom prst="rect">
+            <a:avLst/>
+          </a:prstGeom>
+          <a:solidFill>
+            <a:srgbClr val="FFFFFF"/>
+          </a:solidFill>
+          <a:ln w="31680" cap="sq">
+            <a:solidFill>
+              <a:srgbClr val="404040"/>
+            </a:solidFill>
+            <a:miter/>
+          </a:ln>
+        </p:spPr>
+        <p:txBody>
+          <a:bodyPr lIns="182880" tIns="182880" rIns="182880" bIns="182880" anchor="ctr">
+            <a:normAutofit fontScale="60000" lnSpcReduction="20000"/>
+          </a:bodyPr>
+          <a:lstStyle/>
+          <a:p>
+            <a:pPr algn="ctr">
+              <a:lnSpc>
+                <a:spcPct val="100000"/>
+              </a:lnSpc>
+              <a:tabLst>
+                <a:tab pos="0" algn="l"/>
+              </a:tabLst>
+            </a:pPr>
+            <a:r>
+              <a:rPr lang="zh-TW" altLang="zh-TW" sz="2800" b="0" strike="noStrike" spc="199" dirty="0">
+                <a:solidFill>
+                  <a:srgbClr val="000000"/>
+                </a:solidFill>
+                <a:latin typeface="Calibri"/>
+                <a:ea typeface="新細明體"/>
+              </a:rPr>
+              <a:t>預測模型建立及分析</a:t>
+            </a:r>
+            <a:endParaRPr lang="en-US" sz="2800" b="0" strike="noStrike" spc="-1" dirty="0">
+              <a:solidFill>
+                <a:srgbClr val="000000"/>
+              </a:solidFill>
+              <a:latin typeface="Gill Sans MT"/>
+            </a:endParaRPr>
+          </a:p>
+        </p:txBody>
+      </p:sp>
+      <p:sp>
+        <p:nvSpPr>
+          <p:cNvPr id="221" name="文字方塊 220"/>
+          <p:cNvSpPr txBox="1"/>
+          <p:nvPr/>
+        </p:nvSpPr>
+        <p:spPr>
+          <a:xfrm>
+            <a:off x="89033" y="5999456"/>
+            <a:ext cx="9693720" cy="551603"/>
+          </a:xfrm>
+          <a:prstGeom prst="rect">
+            <a:avLst/>
+          </a:prstGeom>
+          <a:noFill/>
+          <a:ln w="0">
+            <a:noFill/>
+          </a:ln>
+        </p:spPr>
+        <p:txBody>
+          <a:bodyPr lIns="90000" tIns="45000" rIns="90000" bIns="45000">
+            <a:noAutofit/>
+          </a:bodyPr>
+          <a:lstStyle/>
+          <a:p>
+            <a:pPr>
+              <a:lnSpc>
+                <a:spcPct val="100000"/>
+              </a:lnSpc>
+            </a:pPr>
+            <a:r>
+              <a:rPr lang="zh-TW" altLang="en-US" sz="1800" b="1" strike="noStrike" spc="-1" dirty="0">
+                <a:solidFill>
+                  <a:srgbClr val="000000"/>
+                </a:solidFill>
+                <a:latin typeface="Calibri"/>
+                <a:ea typeface="新細明體"/>
+              </a:rPr>
+              <a:t>不論</a:t>
+            </a:r>
+            <a:r>
+              <a:rPr lang="en-US" altLang="zh-TW" sz="1800" b="1" strike="noStrike" spc="-1" dirty="0">
+                <a:solidFill>
+                  <a:srgbClr val="000000"/>
+                </a:solidFill>
+                <a:latin typeface="Calibri"/>
+                <a:ea typeface="新細明體"/>
+              </a:rPr>
+              <a:t>AQI</a:t>
+            </a:r>
+            <a:r>
+              <a:rPr lang="zh-TW" altLang="en-US" sz="1800" b="1" strike="noStrike" spc="-1" dirty="0">
+                <a:solidFill>
+                  <a:srgbClr val="000000"/>
+                </a:solidFill>
+                <a:latin typeface="Calibri"/>
+                <a:ea typeface="新細明體"/>
+              </a:rPr>
+              <a:t>數值如何，紅色為實際值，綠色為預測值，皆能</a:t>
+            </a:r>
+            <a:r>
+              <a:rPr lang="zh-TW" altLang="en-US" b="1" spc="-1" dirty="0">
+                <a:solidFill>
+                  <a:srgbClr val="000000"/>
+                </a:solidFill>
+                <a:latin typeface="Calibri"/>
+                <a:ea typeface="新細明體"/>
+              </a:rPr>
+              <a:t>準確</a:t>
+            </a:r>
+            <a:r>
+              <a:rPr lang="zh-TW" altLang="en-US" sz="1800" b="1" strike="noStrike" spc="-1" dirty="0">
+                <a:solidFill>
+                  <a:srgbClr val="000000"/>
+                </a:solidFill>
+                <a:latin typeface="Calibri"/>
+                <a:ea typeface="新細明體"/>
+              </a:rPr>
+              <a:t>預測</a:t>
+            </a:r>
+            <a:r>
+              <a:rPr lang="en-US" altLang="zh-TW" sz="1800" b="1" strike="noStrike" spc="-1" dirty="0">
+                <a:solidFill>
+                  <a:srgbClr val="000000"/>
+                </a:solidFill>
+                <a:latin typeface="Calibri"/>
+                <a:ea typeface="新細明體"/>
+              </a:rPr>
+              <a:t>AQI</a:t>
+            </a:r>
+            <a:r>
+              <a:rPr lang="zh-TW" altLang="en-US" sz="1800" b="1" strike="noStrike" spc="-1" dirty="0">
+                <a:solidFill>
+                  <a:srgbClr val="000000"/>
+                </a:solidFill>
+                <a:latin typeface="Calibri"/>
+                <a:ea typeface="新細明體"/>
+              </a:rPr>
+              <a:t>走勢。</a:t>
+            </a:r>
+            <a:endParaRPr lang="en-US" sz="1800" b="0" strike="noStrike" spc="-1" dirty="0">
+              <a:latin typeface="Arial"/>
+            </a:endParaRPr>
+          </a:p>
+        </p:txBody>
+      </p:sp>
+      <p:pic>
+        <p:nvPicPr>
+          <p:cNvPr id="4" name="圖片 3">
+            <a:extLst>
+              <a:ext uri="{FF2B5EF4-FFF2-40B4-BE49-F238E27FC236}">
+                <a16:creationId xmlns:a16="http://schemas.microsoft.com/office/drawing/2014/main" id="{41187316-FA21-E8AC-C07A-CC0A2ECC9945}"/>
+              </a:ext>
+            </a:extLst>
+          </p:cNvPr>
+          <p:cNvPicPr>
+            <a:picLocks noChangeAspect="1"/>
+          </p:cNvPicPr>
+          <p:nvPr/>
+        </p:nvPicPr>
+        <p:blipFill>
+          <a:blip r:embed="rId2">
+            <a:extLst>
+              <a:ext uri="{28A0092B-C50C-407E-A947-70E740481C1C}">
+                <a14:useLocalDpi xmlns:a14="http://schemas.microsoft.com/office/drawing/2010/main" val="0"/>
+              </a:ext>
+            </a:extLst>
+          </a:blip>
+          <a:stretch>
+            <a:fillRect/>
+          </a:stretch>
+        </p:blipFill>
+        <p:spPr>
+          <a:xfrm>
+            <a:off x="685080" y="1047195"/>
+            <a:ext cx="5410800" cy="2427328"/>
+          </a:xfrm>
+          <a:prstGeom prst="rect">
+            <a:avLst/>
+          </a:prstGeom>
+        </p:spPr>
+      </p:pic>
+      <p:sp>
+        <p:nvSpPr>
+          <p:cNvPr id="5" name="文字方塊 4">
+            <a:extLst>
+              <a:ext uri="{FF2B5EF4-FFF2-40B4-BE49-F238E27FC236}">
+                <a16:creationId xmlns:a16="http://schemas.microsoft.com/office/drawing/2014/main" id="{BA07941F-D92B-F7DA-CB70-B24DC4D74320}"/>
+              </a:ext>
+            </a:extLst>
+          </p:cNvPr>
+          <p:cNvSpPr txBox="1"/>
+          <p:nvPr/>
+        </p:nvSpPr>
+        <p:spPr>
+          <a:xfrm>
+            <a:off x="685080" y="1087341"/>
+            <a:ext cx="1055802" cy="369332"/>
+          </a:xfrm>
+          <a:prstGeom prst="rect">
+            <a:avLst/>
+          </a:prstGeom>
+          <a:noFill/>
+        </p:spPr>
+        <p:txBody>
+          <a:bodyPr wrap="square" rtlCol="0">
+            <a:spAutoFit/>
+          </a:bodyPr>
+          <a:lstStyle/>
+          <a:p>
+            <a:r>
+              <a:rPr lang="zh-TW" altLang="en-US" dirty="0"/>
+              <a:t>林園</a:t>
+            </a:r>
+          </a:p>
+        </p:txBody>
+      </p:sp>
+      <p:pic>
+        <p:nvPicPr>
+          <p:cNvPr id="12" name="圖片 11">
+            <a:extLst>
+              <a:ext uri="{FF2B5EF4-FFF2-40B4-BE49-F238E27FC236}">
+                <a16:creationId xmlns:a16="http://schemas.microsoft.com/office/drawing/2014/main" id="{ACC19043-98A0-6F33-9335-570CF93E03F0}"/>
+              </a:ext>
+            </a:extLst>
+          </p:cNvPr>
+          <p:cNvPicPr>
+            <a:picLocks noChangeAspect="1"/>
+          </p:cNvPicPr>
+          <p:nvPr/>
+        </p:nvPicPr>
+        <p:blipFill>
+          <a:blip r:embed="rId3">
+            <a:extLst>
+              <a:ext uri="{28A0092B-C50C-407E-A947-70E740481C1C}">
+                <a14:useLocalDpi xmlns:a14="http://schemas.microsoft.com/office/drawing/2010/main" val="0"/>
+              </a:ext>
+            </a:extLst>
+          </a:blip>
+          <a:stretch>
+            <a:fillRect/>
+          </a:stretch>
+        </p:blipFill>
+        <p:spPr>
+          <a:xfrm>
+            <a:off x="6347535" y="1047195"/>
+            <a:ext cx="5438842" cy="2443495"/>
+          </a:xfrm>
+          <a:prstGeom prst="rect">
+            <a:avLst/>
+          </a:prstGeom>
+        </p:spPr>
+      </p:pic>
+      <p:sp>
+        <p:nvSpPr>
+          <p:cNvPr id="13" name="文字方塊 12">
+            <a:extLst>
+              <a:ext uri="{FF2B5EF4-FFF2-40B4-BE49-F238E27FC236}">
+                <a16:creationId xmlns:a16="http://schemas.microsoft.com/office/drawing/2014/main" id="{D729ADB9-428B-3BCB-9EF4-804734A6E4D5}"/>
+              </a:ext>
+            </a:extLst>
+          </p:cNvPr>
+          <p:cNvSpPr txBox="1"/>
+          <p:nvPr/>
+        </p:nvSpPr>
+        <p:spPr>
+          <a:xfrm>
+            <a:off x="6447934" y="1087341"/>
+            <a:ext cx="1084082" cy="369332"/>
+          </a:xfrm>
+          <a:prstGeom prst="rect">
+            <a:avLst/>
+          </a:prstGeom>
+          <a:noFill/>
+        </p:spPr>
+        <p:txBody>
+          <a:bodyPr wrap="square" rtlCol="0">
+            <a:spAutoFit/>
+          </a:bodyPr>
+          <a:lstStyle/>
+          <a:p>
+            <a:r>
+              <a:rPr lang="zh-TW" altLang="en-US" dirty="0"/>
+              <a:t>左營</a:t>
+            </a:r>
+          </a:p>
+        </p:txBody>
+      </p:sp>
+      <p:pic>
+        <p:nvPicPr>
+          <p:cNvPr id="17" name="圖片 16">
+            <a:extLst>
+              <a:ext uri="{FF2B5EF4-FFF2-40B4-BE49-F238E27FC236}">
+                <a16:creationId xmlns:a16="http://schemas.microsoft.com/office/drawing/2014/main" id="{2111A8F8-6A66-331C-E8A4-9C1B8C8C2BFA}"/>
+              </a:ext>
+            </a:extLst>
+          </p:cNvPr>
+          <p:cNvPicPr>
+            <a:picLocks noChangeAspect="1"/>
+          </p:cNvPicPr>
+          <p:nvPr/>
+        </p:nvPicPr>
+        <p:blipFill>
+          <a:blip r:embed="rId4">
+            <a:extLst>
+              <a:ext uri="{28A0092B-C50C-407E-A947-70E740481C1C}">
+                <a14:useLocalDpi xmlns:a14="http://schemas.microsoft.com/office/drawing/2010/main" val="0"/>
+              </a:ext>
+            </a:extLst>
+          </a:blip>
+          <a:stretch>
+            <a:fillRect/>
+          </a:stretch>
+        </p:blipFill>
+        <p:spPr>
+          <a:xfrm>
+            <a:off x="685081" y="3514668"/>
+            <a:ext cx="5410800" cy="2427327"/>
+          </a:xfrm>
+          <a:prstGeom prst="rect">
+            <a:avLst/>
+          </a:prstGeom>
+        </p:spPr>
+      </p:pic>
+      <p:sp>
+        <p:nvSpPr>
+          <p:cNvPr id="18" name="文字方塊 17">
+            <a:extLst>
+              <a:ext uri="{FF2B5EF4-FFF2-40B4-BE49-F238E27FC236}">
+                <a16:creationId xmlns:a16="http://schemas.microsoft.com/office/drawing/2014/main" id="{E84FC428-5315-5733-5AC0-42A622D96D6F}"/>
+              </a:ext>
+            </a:extLst>
+          </p:cNvPr>
+          <p:cNvSpPr txBox="1"/>
+          <p:nvPr/>
+        </p:nvSpPr>
+        <p:spPr>
+          <a:xfrm>
+            <a:off x="782425" y="3530835"/>
+            <a:ext cx="1366886" cy="369332"/>
+          </a:xfrm>
+          <a:prstGeom prst="rect">
+            <a:avLst/>
+          </a:prstGeom>
+          <a:noFill/>
+        </p:spPr>
+        <p:txBody>
+          <a:bodyPr wrap="square" rtlCol="0">
+            <a:spAutoFit/>
+          </a:bodyPr>
+          <a:lstStyle/>
+          <a:p>
+            <a:r>
+              <a:rPr lang="zh-TW" altLang="en-US" dirty="0"/>
+              <a:t>關山</a:t>
+            </a:r>
+          </a:p>
+        </p:txBody>
+      </p:sp>
+      <p:pic>
+        <p:nvPicPr>
+          <p:cNvPr id="20" name="圖片 19">
+            <a:extLst>
+              <a:ext uri="{FF2B5EF4-FFF2-40B4-BE49-F238E27FC236}">
+                <a16:creationId xmlns:a16="http://schemas.microsoft.com/office/drawing/2014/main" id="{6D7F51ED-5815-6B2B-3983-0047E581C69A}"/>
+              </a:ext>
+            </a:extLst>
+          </p:cNvPr>
+          <p:cNvPicPr>
+            <a:picLocks noChangeAspect="1"/>
+          </p:cNvPicPr>
+          <p:nvPr/>
+        </p:nvPicPr>
+        <p:blipFill>
+          <a:blip r:embed="rId5">
+            <a:extLst>
+              <a:ext uri="{28A0092B-C50C-407E-A947-70E740481C1C}">
+                <a14:useLocalDpi xmlns:a14="http://schemas.microsoft.com/office/drawing/2010/main" val="0"/>
+              </a:ext>
+            </a:extLst>
+          </a:blip>
+          <a:stretch>
+            <a:fillRect/>
+          </a:stretch>
+        </p:blipFill>
+        <p:spPr>
+          <a:xfrm>
+            <a:off x="6347535" y="3506691"/>
+            <a:ext cx="5460150" cy="2492765"/>
+          </a:xfrm>
+          <a:prstGeom prst="rect">
+            <a:avLst/>
+          </a:prstGeom>
+        </p:spPr>
+      </p:pic>
+      <p:sp>
+        <p:nvSpPr>
+          <p:cNvPr id="21" name="文字方塊 20">
+            <a:extLst>
+              <a:ext uri="{FF2B5EF4-FFF2-40B4-BE49-F238E27FC236}">
+                <a16:creationId xmlns:a16="http://schemas.microsoft.com/office/drawing/2014/main" id="{AB6A7B73-222F-435A-F056-2608B6C37105}"/>
+              </a:ext>
+            </a:extLst>
+          </p:cNvPr>
+          <p:cNvSpPr txBox="1"/>
+          <p:nvPr/>
+        </p:nvSpPr>
+        <p:spPr>
+          <a:xfrm>
+            <a:off x="6447933" y="3543399"/>
+            <a:ext cx="1696825" cy="369332"/>
+          </a:xfrm>
+          <a:prstGeom prst="rect">
+            <a:avLst/>
+          </a:prstGeom>
+          <a:noFill/>
+        </p:spPr>
+        <p:txBody>
+          <a:bodyPr wrap="square" rtlCol="0">
+            <a:spAutoFit/>
+          </a:bodyPr>
+          <a:lstStyle/>
+          <a:p>
+            <a:r>
+              <a:rPr lang="zh-TW" altLang="en-US" dirty="0"/>
+              <a:t>台東</a:t>
+            </a:r>
+          </a:p>
+        </p:txBody>
+      </p:sp>
+    </p:spTree>
   </p:cSld>
   <p:clrMapOvr>
     <a:masterClrMapping/>
@@ -9228,7 +9289,70 @@
       </p:grpSpPr>
       <p:sp>
         <p:nvSpPr>
-          <p:cNvPr id="220" name="標題 1_3"/>
+          <p:cNvPr id="225" name="文字方塊 7"/>
+          <p:cNvSpPr/>
+          <p:nvPr/>
+        </p:nvSpPr>
+        <p:spPr>
+          <a:xfrm>
+            <a:off x="-1" y="6213123"/>
+            <a:ext cx="6895967" cy="367878"/>
+          </a:xfrm>
+          <a:prstGeom prst="rect">
+            <a:avLst/>
+          </a:prstGeom>
+          <a:noFill/>
+          <a:ln w="0">
+            <a:noFill/>
+          </a:ln>
+        </p:spPr>
+        <p:style>
+          <a:lnRef idx="0">
+            <a:scrgbClr r="0" g="0" b="0"/>
+          </a:lnRef>
+          <a:fillRef idx="0">
+            <a:scrgbClr r="0" g="0" b="0"/>
+          </a:fillRef>
+          <a:effectRef idx="0">
+            <a:scrgbClr r="0" g="0" b="0"/>
+          </a:effectRef>
+          <a:fontRef idx="minor"/>
+        </p:style>
+        <p:txBody>
+          <a:bodyPr wrap="square" lIns="90000" tIns="45000" rIns="90000" bIns="45000">
+            <a:spAutoFit/>
+          </a:bodyPr>
+          <a:lstStyle/>
+          <a:p>
+            <a:pPr>
+              <a:lnSpc>
+                <a:spcPct val="100000"/>
+              </a:lnSpc>
+            </a:pPr>
+            <a:r>
+              <a:rPr lang="en-US" altLang="zh-TW" sz="1800" b="0" strike="noStrike" spc="-1" dirty="0">
+                <a:solidFill>
+                  <a:srgbClr val="000000"/>
+                </a:solidFill>
+                <a:latin typeface="Gill Sans MT"/>
+              </a:rPr>
+              <a:t>https://www.hpa.gov.tw/Pages/Detail.aspx?nodeid=4576&amp;pid=16436</a:t>
+            </a:r>
+            <a:endParaRPr lang="en-US" sz="1800" b="0" strike="noStrike" spc="-1" dirty="0">
+              <a:latin typeface="Arial"/>
+            </a:endParaRPr>
+          </a:p>
+        </p:txBody>
+      </p:sp>
+      <p:sp>
+        <p:nvSpPr>
+          <p:cNvPr id="5" name="標題 1_3">
+            <a:extLst>
+              <a:ext uri="{FF2B5EF4-FFF2-40B4-BE49-F238E27FC236}">
+                <a16:creationId xmlns:a16="http://schemas.microsoft.com/office/drawing/2014/main" id="{B3CFE512-2C6C-48CD-99DD-4938DD173F2E}"/>
+              </a:ext>
+            </a:extLst>
+          </p:cNvPr>
           <p:cNvSpPr txBox="1"/>
           <p:nvPr/>
         </p:nvSpPr>
@@ -9265,14 +9389,14 @@
               </a:tabLst>
             </a:pPr>
             <a:r>
-              <a:rPr lang="zh-TW" altLang="zh-TW" sz="2800" b="0" strike="noStrike" spc="199" dirty="0">
+              <a:rPr lang="zh-TW" sz="2800" b="0" strike="noStrike" spc="199" dirty="0">
                 <a:solidFill>
                   <a:srgbClr val="000000"/>
                 </a:solidFill>
                 <a:latin typeface="Calibri"/>
                 <a:ea typeface="新細明體"/>
               </a:rPr>
-              <a:t>預測模型建立及分析</a:t>
+              <a:t>癌症與空氣品質關聯分析</a:t>
             </a:r>
             <a:endParaRPr lang="en-US" sz="2800" b="0" strike="noStrike" spc="-1" dirty="0">
               <a:solidFill>
@@ -9283,118 +9407,12 @@
           </a:p>
         </p:txBody>
       </p:sp>
-      <p:sp>
-        <p:nvSpPr>
-          <p:cNvPr id="221" name="文字方塊 220"/>
-          <p:cNvSpPr txBox="1"/>
-          <p:nvPr/>
-        </p:nvSpPr>
-        <p:spPr>
-          <a:xfrm>
-            <a:off x="89033" y="5999456"/>
-            <a:ext cx="9693720" cy="551603"/>
-          </a:xfrm>
-          <a:prstGeom prst="rect">
-            <a:avLst/>
-          </a:prstGeom>
-          <a:noFill/>
-          <a:ln w="0">
-            <a:noFill/>
-          </a:ln>
-        </p:spPr>
-        <p:txBody>
-          <a:bodyPr lIns="90000" tIns="45000" rIns="90000" bIns="45000">
-            <a:noAutofit/>
-          </a:bodyPr>
-          <a:lstStyle/>
-          <a:p>
-            <a:pPr>
-              <a:lnSpc>
-                <a:spcPct val="100000"/>
-              </a:lnSpc>
-            </a:pPr>
-            <a:r>
-              <a:rPr lang="zh-TW" altLang="en-US" sz="1800" b="1" strike="noStrike" spc="-1" dirty="0">
-                <a:solidFill>
-                  <a:srgbClr val="000000"/>
-                </a:solidFill>
-                <a:latin typeface="Calibri"/>
-                <a:ea typeface="新細明體"/>
-              </a:rPr>
-              <a:t>不論</a:t>
-            </a:r>
-            <a:r>
-              <a:rPr lang="en-US" altLang="zh-TW" sz="1800" b="1" strike="noStrike" spc="-1" dirty="0">
-                <a:solidFill>
-                  <a:srgbClr val="000000"/>
-                </a:solidFill>
-                <a:latin typeface="Calibri"/>
-                <a:ea typeface="新細明體"/>
-              </a:rPr>
-              <a:t>AQI</a:t>
-            </a:r>
-            <a:r>
-              <a:rPr lang="zh-TW" altLang="en-US" sz="1800" b="1" strike="noStrike" spc="-1" dirty="0">
-                <a:solidFill>
-                  <a:srgbClr val="000000"/>
-                </a:solidFill>
-                <a:latin typeface="Calibri"/>
-                <a:ea typeface="新細明體"/>
-              </a:rPr>
-              <a:t>數值如何，紅色為實際值，綠色為預測值，皆能</a:t>
-            </a:r>
-            <a:r>
-              <a:rPr lang="zh-TW" altLang="en-US" b="1" spc="-1" dirty="0">
-                <a:solidFill>
-                  <a:srgbClr val="000000"/>
-                </a:solidFill>
-                <a:latin typeface="Calibri"/>
-                <a:ea typeface="新細明體"/>
-              </a:rPr>
-              <a:t>準確</a:t>
-            </a:r>
-            <a:r>
-              <a:rPr lang="zh-TW" altLang="en-US" sz="1800" b="1" strike="noStrike" spc="-1" dirty="0">
-                <a:solidFill>
-                  <a:srgbClr val="000000"/>
-                </a:solidFill>
-                <a:latin typeface="Calibri"/>
-                <a:ea typeface="新細明體"/>
-              </a:rPr>
-              <a:t>預測</a:t>
-            </a:r>
-            <a:r>
-              <a:rPr lang="en-US" altLang="zh-TW" sz="1800" b="1" strike="noStrike" spc="-1" dirty="0">
-                <a:solidFill>
-                  <a:srgbClr val="000000"/>
-                </a:solidFill>
-                <a:latin typeface="Calibri"/>
-                <a:ea typeface="新細明體"/>
-              </a:rPr>
-              <a:t>AQI</a:t>
-            </a:r>
-            <a:r>
-              <a:rPr lang="zh-TW" altLang="en-US" sz="1800" b="1" strike="noStrike" spc="-1" dirty="0">
-                <a:solidFill>
-                  <a:srgbClr val="000000"/>
-                </a:solidFill>
-                <a:latin typeface="Calibri"/>
-                <a:ea typeface="新細明體"/>
-              </a:rPr>
-              <a:t>走勢。</a:t>
-            </a:r>
-            <a:endParaRPr lang="en-US" sz="1800" b="0" strike="noStrike" spc="-1" dirty="0">
-              <a:latin typeface="Arial"/>
-            </a:endParaRPr>
-          </a:p>
-        </p:txBody>
-      </p:sp>
       <p:pic>
         <p:nvPicPr>
-          <p:cNvPr id="4" name="圖片 3">
+          <p:cNvPr id="6" name="內容版面配置區 4">
             <a:extLst>
               <a:ext uri="{FF2B5EF4-FFF2-40B4-BE49-F238E27FC236}">
-                <a16:creationId xmlns:a16="http://schemas.microsoft.com/office/drawing/2014/main" id="{41187316-FA21-E8AC-C07A-CC0A2ECC9945}"/>
+                <a16:creationId xmlns:a16="http://schemas.microsoft.com/office/drawing/2014/main" id="{8F87953B-4B20-49F0-BDD0-63C025ABFBCA}"/>
               </a:ext>
             </a:extLst>
           </p:cNvPr>
@@ -9404,21 +9422,15 @@
           <p:nvPr/>
         </p:nvPicPr>
         <p:blipFill>
-          <a:blip r:embed="rId2">
-            <a:extLst>
-              <a:ext uri="{28A0092B-C50C-407E-A947-70E740481C1C}">
-                <a14:useLocalDpi xmlns:a14="http://schemas.microsoft.com/office/drawing/2010/main" val="0"/>
-              </a:ext>
-            </a:extLst>
-          </a:blip>
+          <a:blip r:embed="rId2"/>
           <a:stretch>
             <a:fillRect/>
           </a:stretch>
         </p:blipFill>
         <p:spPr>
           <a:xfrm>
-            <a:off x="685080" y="1047195"/>
-            <a:ext cx="5410800" cy="2427328"/>
+            <a:off x="244982" y="1556093"/>
+            <a:ext cx="5377138" cy="3974937"/>
           </a:xfrm>
           <a:prstGeom prst="rect">
             <a:avLst/>
@@ -9427,249 +9439,217 @@
       </p:pic>
       <p:sp>
         <p:nvSpPr>
-          <p:cNvPr id="5" name="文字方塊 4">
+          <p:cNvPr id="2" name="箭號: 向右 1">
             <a:extLst>
               <a:ext uri="{FF2B5EF4-FFF2-40B4-BE49-F238E27FC236}">
-                <a16:creationId xmlns:a16="http://schemas.microsoft.com/office/drawing/2014/main" id="{BA07941F-D92B-F7DA-CB70-B24DC4D74320}"/>
+                <a16:creationId xmlns:a16="http://schemas.microsoft.com/office/drawing/2014/main" id="{4460E2A9-5558-43FE-9780-1604E1B5A09F}"/>
               </a:ext>
             </a:extLst>
           </p:cNvPr>
-          <p:cNvSpPr txBox="1"/>
+          <p:cNvSpPr/>
           <p:nvPr/>
         </p:nvSpPr>
         <p:spPr>
           <a:xfrm>
-            <a:off x="685080" y="1087341"/>
-            <a:ext cx="1055802" cy="369332"/>
+            <a:off x="5719482" y="3307977"/>
+            <a:ext cx="995082" cy="735105"/>
+          </a:xfrm>
+          <a:prstGeom prst="rightArrow">
+            <a:avLst/>
+          </a:prstGeom>
+        </p:spPr>
+        <p:style>
+          <a:lnRef idx="2">
+            <a:schemeClr val="accent1">
+              <a:shade val="50000"/>
+            </a:schemeClr>
+          </a:lnRef>
+          <a:fillRef idx="1">
+            <a:schemeClr val="accent1"/>
+          </a:fillRef>
+          <a:effectRef idx="0">
+            <a:schemeClr val="accent1"/>
+          </a:effectRef>
+          <a:fontRef idx="minor">
+            <a:schemeClr val="lt1"/>
+          </a:fontRef>
+        </p:style>
+        <p:txBody>
+          <a:bodyPr rtlCol="0" anchor="ctr"/>
+          <a:lstStyle/>
+          <a:p>
+            <a:pPr algn="ctr"/>
+            <a:endParaRPr lang="zh-TW" altLang="en-US"/>
+          </a:p>
+        </p:txBody>
+      </p:sp>
+      <p:sp>
+        <p:nvSpPr>
+          <p:cNvPr id="11" name="文字方塊 7">
+            <a:extLst>
+              <a:ext uri="{FF2B5EF4-FFF2-40B4-BE49-F238E27FC236}">
+                <a16:creationId xmlns:a16="http://schemas.microsoft.com/office/drawing/2014/main" id="{81EEE403-D681-48F7-A20A-B0A84E2EB654}"/>
+              </a:ext>
+            </a:extLst>
+          </p:cNvPr>
+          <p:cNvSpPr/>
+          <p:nvPr/>
+        </p:nvSpPr>
+        <p:spPr>
+          <a:xfrm>
+            <a:off x="6895966" y="3214591"/>
+            <a:ext cx="4650575" cy="921876"/>
           </a:xfrm>
           <a:prstGeom prst="rect">
             <a:avLst/>
           </a:prstGeom>
           <a:noFill/>
-        </p:spPr>
+          <a:ln w="0">
+            <a:noFill/>
+          </a:ln>
+        </p:spPr>
+        <p:style>
+          <a:lnRef idx="0">
+            <a:scrgbClr r="0" g="0" b="0"/>
+          </a:lnRef>
+          <a:fillRef idx="0">
+            <a:scrgbClr r="0" g="0" b="0"/>
+          </a:fillRef>
+          <a:effectRef idx="0">
+            <a:scrgbClr r="0" g="0" b="0"/>
+          </a:effectRef>
+          <a:fontRef idx="minor"/>
+        </p:style>
         <p:txBody>
-          <a:bodyPr wrap="square" rtlCol="0">
+          <a:bodyPr wrap="square" lIns="90000" tIns="45000" rIns="90000" bIns="45000">
             <a:spAutoFit/>
           </a:bodyPr>
           <a:lstStyle/>
           <a:p>
-            <a:r>
-              <a:rPr lang="zh-TW" altLang="en-US" dirty="0"/>
-              <a:t>林園</a:t>
-            </a:r>
-          </a:p>
-        </p:txBody>
-      </p:sp>
-      <p:pic>
-        <p:nvPicPr>
-          <p:cNvPr id="12" name="圖片 11">
-            <a:extLst>
-              <a:ext uri="{FF2B5EF4-FFF2-40B4-BE49-F238E27FC236}">
-                <a16:creationId xmlns:a16="http://schemas.microsoft.com/office/drawing/2014/main" id="{ACC19043-98A0-6F33-9335-570CF93E03F0}"/>
-              </a:ext>
-            </a:extLst>
-          </p:cNvPr>
-          <p:cNvPicPr>
-            <a:picLocks noChangeAspect="1"/>
-          </p:cNvPicPr>
-          <p:nvPr/>
-        </p:nvPicPr>
-        <p:blipFill>
-          <a:blip r:embed="rId3">
-            <a:extLst>
-              <a:ext uri="{28A0092B-C50C-407E-A947-70E740481C1C}">
-                <a14:useLocalDpi xmlns:a14="http://schemas.microsoft.com/office/drawing/2010/main" val="0"/>
-              </a:ext>
-            </a:extLst>
-          </a:blip>
-          <a:stretch>
-            <a:fillRect/>
-          </a:stretch>
-        </p:blipFill>
-        <p:spPr>
-          <a:xfrm>
-            <a:off x="6347535" y="1047195"/>
-            <a:ext cx="5438842" cy="2443495"/>
-          </a:xfrm>
-          <a:prstGeom prst="rect">
-            <a:avLst/>
-          </a:prstGeom>
-        </p:spPr>
-      </p:pic>
-      <p:sp>
-        <p:nvSpPr>
-          <p:cNvPr id="13" name="文字方塊 12">
-            <a:extLst>
-              <a:ext uri="{FF2B5EF4-FFF2-40B4-BE49-F238E27FC236}">
-                <a16:creationId xmlns:a16="http://schemas.microsoft.com/office/drawing/2014/main" id="{D729ADB9-428B-3BCB-9EF4-804734A6E4D5}"/>
-              </a:ext>
-            </a:extLst>
-          </p:cNvPr>
-          <p:cNvSpPr txBox="1"/>
-          <p:nvPr/>
-        </p:nvSpPr>
-        <p:spPr>
-          <a:xfrm>
-            <a:off x="6447934" y="1087341"/>
-            <a:ext cx="1084082" cy="369332"/>
-          </a:xfrm>
-          <a:prstGeom prst="rect">
-            <a:avLst/>
-          </a:prstGeom>
-          <a:noFill/>
-        </p:spPr>
-        <p:txBody>
-          <a:bodyPr wrap="square" rtlCol="0">
-            <a:spAutoFit/>
-          </a:bodyPr>
-          <a:lstStyle/>
-          <a:p>
-            <a:r>
-              <a:rPr lang="zh-TW" altLang="en-US" dirty="0"/>
-              <a:t>左營</a:t>
-            </a:r>
-          </a:p>
-        </p:txBody>
-      </p:sp>
-      <p:pic>
-        <p:nvPicPr>
-          <p:cNvPr id="17" name="圖片 16">
-            <a:extLst>
-              <a:ext uri="{FF2B5EF4-FFF2-40B4-BE49-F238E27FC236}">
-                <a16:creationId xmlns:a16="http://schemas.microsoft.com/office/drawing/2014/main" id="{2111A8F8-6A66-331C-E8A4-9C1B8C8C2BFA}"/>
-              </a:ext>
-            </a:extLst>
-          </p:cNvPr>
-          <p:cNvPicPr>
-            <a:picLocks noChangeAspect="1"/>
-          </p:cNvPicPr>
-          <p:nvPr/>
-        </p:nvPicPr>
-        <p:blipFill>
-          <a:blip r:embed="rId4">
-            <a:extLst>
-              <a:ext uri="{28A0092B-C50C-407E-A947-70E740481C1C}">
-                <a14:useLocalDpi xmlns:a14="http://schemas.microsoft.com/office/drawing/2010/main" val="0"/>
-              </a:ext>
-            </a:extLst>
-          </a:blip>
-          <a:stretch>
-            <a:fillRect/>
-          </a:stretch>
-        </p:blipFill>
-        <p:spPr>
-          <a:xfrm>
-            <a:off x="685081" y="3514668"/>
-            <a:ext cx="5410800" cy="2427327"/>
-          </a:xfrm>
-          <a:prstGeom prst="rect">
-            <a:avLst/>
-          </a:prstGeom>
-        </p:spPr>
-      </p:pic>
-      <p:sp>
-        <p:nvSpPr>
-          <p:cNvPr id="18" name="文字方塊 17">
-            <a:extLst>
-              <a:ext uri="{FF2B5EF4-FFF2-40B4-BE49-F238E27FC236}">
-                <a16:creationId xmlns:a16="http://schemas.microsoft.com/office/drawing/2014/main" id="{E84FC428-5315-5733-5AC0-42A622D96D6F}"/>
-              </a:ext>
-            </a:extLst>
-          </p:cNvPr>
-          <p:cNvSpPr txBox="1"/>
-          <p:nvPr/>
-        </p:nvSpPr>
-        <p:spPr>
-          <a:xfrm>
-            <a:off x="782425" y="3530835"/>
-            <a:ext cx="1366886" cy="369332"/>
-          </a:xfrm>
-          <a:prstGeom prst="rect">
-            <a:avLst/>
-          </a:prstGeom>
-          <a:noFill/>
-        </p:spPr>
-        <p:txBody>
-          <a:bodyPr wrap="square" rtlCol="0">
-            <a:spAutoFit/>
-          </a:bodyPr>
-          <a:lstStyle/>
-          <a:p>
-            <a:r>
-              <a:rPr lang="zh-TW" altLang="en-US" dirty="0"/>
-              <a:t>關山</a:t>
-            </a:r>
-          </a:p>
-        </p:txBody>
-      </p:sp>
-      <p:pic>
-        <p:nvPicPr>
-          <p:cNvPr id="20" name="圖片 19">
-            <a:extLst>
-              <a:ext uri="{FF2B5EF4-FFF2-40B4-BE49-F238E27FC236}">
-                <a16:creationId xmlns:a16="http://schemas.microsoft.com/office/drawing/2014/main" id="{6D7F51ED-5815-6B2B-3983-0047E581C69A}"/>
-              </a:ext>
-            </a:extLst>
-          </p:cNvPr>
-          <p:cNvPicPr>
-            <a:picLocks noChangeAspect="1"/>
-          </p:cNvPicPr>
-          <p:nvPr/>
-        </p:nvPicPr>
-        <p:blipFill>
-          <a:blip r:embed="rId5">
-            <a:extLst>
-              <a:ext uri="{28A0092B-C50C-407E-A947-70E740481C1C}">
-                <a14:useLocalDpi xmlns:a14="http://schemas.microsoft.com/office/drawing/2010/main" val="0"/>
-              </a:ext>
-            </a:extLst>
-          </a:blip>
-          <a:stretch>
-            <a:fillRect/>
-          </a:stretch>
-        </p:blipFill>
-        <p:spPr>
-          <a:xfrm>
-            <a:off x="6347535" y="3506691"/>
-            <a:ext cx="5460150" cy="2492765"/>
-          </a:xfrm>
-          <a:prstGeom prst="rect">
-            <a:avLst/>
-          </a:prstGeom>
-        </p:spPr>
-      </p:pic>
-      <p:sp>
-        <p:nvSpPr>
-          <p:cNvPr id="21" name="文字方塊 20">
-            <a:extLst>
-              <a:ext uri="{FF2B5EF4-FFF2-40B4-BE49-F238E27FC236}">
-                <a16:creationId xmlns:a16="http://schemas.microsoft.com/office/drawing/2014/main" id="{AB6A7B73-222F-435A-F056-2608B6C37105}"/>
-              </a:ext>
-            </a:extLst>
-          </p:cNvPr>
-          <p:cNvSpPr txBox="1"/>
-          <p:nvPr/>
-        </p:nvSpPr>
-        <p:spPr>
-          <a:xfrm>
-            <a:off x="6447933" y="3543399"/>
-            <a:ext cx="1696825" cy="369332"/>
-          </a:xfrm>
-          <a:prstGeom prst="rect">
-            <a:avLst/>
-          </a:prstGeom>
-          <a:noFill/>
-        </p:spPr>
-        <p:txBody>
-          <a:bodyPr wrap="square" rtlCol="0">
-            <a:spAutoFit/>
-          </a:bodyPr>
-          <a:lstStyle/>
-          <a:p>
-            <a:r>
-              <a:rPr lang="zh-TW" altLang="en-US" dirty="0"/>
-              <a:t>台東</a:t>
-            </a:r>
+            <a:pPr>
+              <a:lnSpc>
+                <a:spcPct val="100000"/>
+              </a:lnSpc>
+            </a:pPr>
+            <a:r>
+              <a:rPr lang="zh-TW" altLang="en-US" spc="-1" dirty="0">
+                <a:solidFill>
+                  <a:srgbClr val="000000"/>
+                </a:solidFill>
+                <a:latin typeface="Gill Sans MT"/>
+              </a:rPr>
+              <a:t>預計以這份資料產出以下</a:t>
+            </a:r>
+            <a:endParaRPr lang="en-US" altLang="zh-TW" spc="-1" dirty="0">
+              <a:solidFill>
+                <a:srgbClr val="000000"/>
+              </a:solidFill>
+              <a:latin typeface="Gill Sans MT"/>
+            </a:endParaRPr>
+          </a:p>
+          <a:p>
+            <a:pPr>
+              <a:lnSpc>
+                <a:spcPct val="100000"/>
+              </a:lnSpc>
+            </a:pPr>
+            <a:r>
+              <a:rPr lang="en-US" altLang="zh-TW" sz="1800" b="0" strike="noStrike" spc="-1" dirty="0">
+                <a:solidFill>
+                  <a:srgbClr val="000000"/>
+                </a:solidFill>
+                <a:latin typeface="Gill Sans MT"/>
+              </a:rPr>
+              <a:t>1.</a:t>
+            </a:r>
+            <a:r>
+              <a:rPr lang="zh-TW" altLang="en-US" sz="1800" b="0" strike="noStrike" spc="-1" dirty="0">
+                <a:solidFill>
+                  <a:srgbClr val="000000"/>
+                </a:solidFill>
+                <a:latin typeface="Gill Sans MT"/>
+              </a:rPr>
+              <a:t> 以</a:t>
+            </a:r>
+            <a:r>
+              <a:rPr lang="en-US" altLang="zh-TW" sz="1800" b="0" strike="noStrike" spc="-1" dirty="0">
+                <a:solidFill>
+                  <a:srgbClr val="000000"/>
+                </a:solidFill>
+                <a:latin typeface="Gill Sans MT"/>
+              </a:rPr>
+              <a:t>107</a:t>
+            </a:r>
+            <a:r>
+              <a:rPr lang="zh-TW" altLang="en-US" sz="1800" b="0" strike="noStrike" spc="-1" dirty="0">
+                <a:solidFill>
+                  <a:srgbClr val="000000"/>
+                </a:solidFill>
+                <a:latin typeface="Gill Sans MT"/>
+              </a:rPr>
+              <a:t>年為例，不同區域其罹癌人數分布</a:t>
+            </a:r>
+            <a:endParaRPr lang="en-US" altLang="zh-TW" sz="1800" b="0" strike="noStrike" spc="-1" dirty="0">
+              <a:solidFill>
+                <a:srgbClr val="000000"/>
+              </a:solidFill>
+              <a:latin typeface="Gill Sans MT"/>
+            </a:endParaRPr>
+          </a:p>
+          <a:p>
+            <a:pPr>
+              <a:lnSpc>
+                <a:spcPct val="100000"/>
+              </a:lnSpc>
+            </a:pPr>
+            <a:r>
+              <a:rPr lang="en-US" altLang="zh-TW" spc="-1" dirty="0">
+                <a:solidFill>
+                  <a:srgbClr val="000000"/>
+                </a:solidFill>
+                <a:latin typeface="Gill Sans MT"/>
+              </a:rPr>
+              <a:t>2.</a:t>
+            </a:r>
+            <a:r>
+              <a:rPr lang="zh-TW" altLang="en-US" spc="-1" dirty="0">
+                <a:solidFill>
+                  <a:srgbClr val="000000"/>
+                </a:solidFill>
+                <a:latin typeface="Gill Sans MT"/>
+              </a:rPr>
+              <a:t> 以時間為</a:t>
+            </a:r>
+            <a:r>
+              <a:rPr lang="en-US" altLang="zh-TW" spc="-1" dirty="0">
+                <a:solidFill>
+                  <a:srgbClr val="000000"/>
+                </a:solidFill>
+                <a:latin typeface="Gill Sans MT"/>
+              </a:rPr>
+              <a:t>X</a:t>
+            </a:r>
+            <a:r>
+              <a:rPr lang="zh-TW" altLang="en-US" spc="-1" dirty="0">
+                <a:solidFill>
+                  <a:srgbClr val="000000"/>
+                </a:solidFill>
+                <a:latin typeface="Gill Sans MT"/>
+              </a:rPr>
+              <a:t>軸，繪製</a:t>
+            </a:r>
+            <a:r>
+              <a:rPr lang="zh-TW" altLang="en-US" sz="1800" b="0" strike="noStrike" spc="-1" dirty="0">
+                <a:solidFill>
+                  <a:srgbClr val="000000"/>
+                </a:solidFill>
+                <a:latin typeface="Gill Sans MT"/>
+              </a:rPr>
+              <a:t>罹癌人數變化</a:t>
+            </a:r>
+            <a:endParaRPr lang="en-US" sz="1800" b="0" strike="noStrike" spc="-1" dirty="0">
+              <a:latin typeface="Arial"/>
+            </a:endParaRPr>
           </a:p>
         </p:txBody>
       </p:sp>
@@ -9700,63 +9680,6 @@
       </p:grpSpPr>
       <p:sp>
         <p:nvSpPr>
-          <p:cNvPr id="225" name="文字方塊 7"/>
-          <p:cNvSpPr/>
-          <p:nvPr/>
-        </p:nvSpPr>
-        <p:spPr>
-          <a:xfrm>
-            <a:off x="-1" y="6213123"/>
-            <a:ext cx="6895967" cy="367878"/>
-          </a:xfrm>
-          <a:prstGeom prst="rect">
-            <a:avLst/>
-          </a:prstGeom>
-          <a:noFill/>
-          <a:ln w="0">
-            <a:noFill/>
-          </a:ln>
-        </p:spPr>
-        <p:style>
-          <a:lnRef idx="0">
-            <a:scrgbClr r="0" g="0" b="0"/>
-          </a:lnRef>
-          <a:fillRef idx="0">
-            <a:scrgbClr r="0" g="0" b="0"/>
-          </a:fillRef>
-          <a:effectRef idx="0">
-            <a:scrgbClr r="0" g="0" b="0"/>
-          </a:effectRef>
-          <a:fontRef idx="minor"/>
-        </p:style>
-        <p:txBody>
-          <a:bodyPr wrap="square" lIns="90000" tIns="45000" rIns="90000" bIns="45000">
-            <a:spAutoFit/>
-          </a:bodyPr>
-          <a:lstStyle/>
-          <a:p>
-            <a:pPr>
-              <a:lnSpc>
-                <a:spcPct val="100000"/>
-              </a:lnSpc>
-            </a:pPr>
-            <a:r>
-              <a:rPr lang="en-US" altLang="zh-TW" sz="1800" b="0" strike="noStrike" spc="-1" dirty="0">
-                <a:solidFill>
-                  <a:srgbClr val="000000"/>
-                </a:solidFill>
-                <a:latin typeface="Gill Sans MT"/>
-              </a:rPr>
-              <a:t>https://www.hpa.gov.tw/Pages/Detail.aspx?nodeid=4576&amp;pid=16436</a:t>
-            </a:r>
-            <a:endParaRPr lang="en-US" sz="1800" b="0" strike="noStrike" spc="-1" dirty="0">
-              <a:latin typeface="Arial"/>
-            </a:endParaRPr>
-          </a:p>
-        </p:txBody>
-      </p:sp>
-      <p:sp>
-        <p:nvSpPr>
           <p:cNvPr id="5" name="標題 1_3">
             <a:extLst>
               <a:ext uri="{FF2B5EF4-FFF2-40B4-BE49-F238E27FC236}">
@@ -9840,340 +9763,6 @@
         </p:blipFill>
         <p:spPr>
           <a:xfrm>
-            <a:off x="244982" y="1556093"/>
-            <a:ext cx="5377138" cy="3974937"/>
-          </a:xfrm>
-          <a:prstGeom prst="rect">
-            <a:avLst/>
-          </a:prstGeom>
-        </p:spPr>
-      </p:pic>
-      <p:sp>
-        <p:nvSpPr>
-          <p:cNvPr id="2" name="箭號: 向右 1">
-            <a:extLst>
-              <a:ext uri="{FF2B5EF4-FFF2-40B4-BE49-F238E27FC236}">
-                <a16:creationId xmlns:a16="http://schemas.microsoft.com/office/drawing/2014/main" id="{4460E2A9-5558-43FE-9780-1604E1B5A09F}"/>
-              </a:ext>
-            </a:extLst>
-          </p:cNvPr>
-          <p:cNvSpPr/>
-          <p:nvPr/>
-        </p:nvSpPr>
-        <p:spPr>
-          <a:xfrm>
-            <a:off x="5719482" y="3307977"/>
-            <a:ext cx="995082" cy="735105"/>
-          </a:xfrm>
-          <a:prstGeom prst="rightArrow">
-            <a:avLst/>
-          </a:prstGeom>
-        </p:spPr>
-        <p:style>
-          <a:lnRef idx="2">
-            <a:schemeClr val="accent1">
-              <a:shade val="50000"/>
-            </a:schemeClr>
-          </a:lnRef>
-          <a:fillRef idx="1">
-            <a:schemeClr val="accent1"/>
-          </a:fillRef>
-          <a:effectRef idx="0">
-            <a:schemeClr val="accent1"/>
-          </a:effectRef>
-          <a:fontRef idx="minor">
-            <a:schemeClr val="lt1"/>
-          </a:fontRef>
-        </p:style>
-        <p:txBody>
-          <a:bodyPr rtlCol="0" anchor="ctr"/>
-          <a:lstStyle/>
-          <a:p>
-            <a:pPr algn="ctr"/>
-            <a:endParaRPr lang="zh-TW" altLang="en-US"/>
-          </a:p>
-        </p:txBody>
-      </p:sp>
-      <p:sp>
-        <p:nvSpPr>
-          <p:cNvPr id="11" name="文字方塊 7">
-            <a:extLst>
-              <a:ext uri="{FF2B5EF4-FFF2-40B4-BE49-F238E27FC236}">
-                <a16:creationId xmlns:a16="http://schemas.microsoft.com/office/drawing/2014/main" id="{81EEE403-D681-48F7-A20A-B0A84E2EB654}"/>
-              </a:ext>
-            </a:extLst>
-          </p:cNvPr>
-          <p:cNvSpPr/>
-          <p:nvPr/>
-        </p:nvSpPr>
-        <p:spPr>
-          <a:xfrm>
-            <a:off x="6895966" y="3214591"/>
-            <a:ext cx="4650575" cy="921876"/>
-          </a:xfrm>
-          <a:prstGeom prst="rect">
-            <a:avLst/>
-          </a:prstGeom>
-          <a:noFill/>
-          <a:ln w="0">
-            <a:noFill/>
-          </a:ln>
-        </p:spPr>
-        <p:style>
-          <a:lnRef idx="0">
-            <a:scrgbClr r="0" g="0" b="0"/>
-          </a:lnRef>
-          <a:fillRef idx="0">
-            <a:scrgbClr r="0" g="0" b="0"/>
-          </a:fillRef>
-          <a:effectRef idx="0">
-            <a:scrgbClr r="0" g="0" b="0"/>
-          </a:effectRef>
-          <a:fontRef idx="minor"/>
-        </p:style>
-        <p:txBody>
-          <a:bodyPr wrap="square" lIns="90000" tIns="45000" rIns="90000" bIns="45000">
-            <a:spAutoFit/>
-          </a:bodyPr>
-          <a:lstStyle/>
-          <a:p>
-            <a:pPr>
-              <a:lnSpc>
-                <a:spcPct val="100000"/>
-              </a:lnSpc>
-            </a:pPr>
-            <a:r>
-              <a:rPr lang="zh-TW" altLang="en-US" spc="-1" dirty="0">
-                <a:solidFill>
-                  <a:srgbClr val="000000"/>
-                </a:solidFill>
-                <a:latin typeface="Gill Sans MT"/>
-              </a:rPr>
-              <a:t>預計以這份資料產出以下</a:t>
-            </a:r>
-            <a:endParaRPr lang="en-US" altLang="zh-TW" spc="-1" dirty="0">
-              <a:solidFill>
-                <a:srgbClr val="000000"/>
-              </a:solidFill>
-              <a:latin typeface="Gill Sans MT"/>
-            </a:endParaRPr>
-          </a:p>
-          <a:p>
-            <a:pPr>
-              <a:lnSpc>
-                <a:spcPct val="100000"/>
-              </a:lnSpc>
-            </a:pPr>
-            <a:r>
-              <a:rPr lang="en-US" altLang="zh-TW" sz="1800" b="0" strike="noStrike" spc="-1" dirty="0">
-                <a:solidFill>
-                  <a:srgbClr val="000000"/>
-                </a:solidFill>
-                <a:latin typeface="Gill Sans MT"/>
-              </a:rPr>
-              <a:t>1.</a:t>
-            </a:r>
-            <a:r>
-              <a:rPr lang="zh-TW" altLang="en-US" sz="1800" b="0" strike="noStrike" spc="-1" dirty="0">
-                <a:solidFill>
-                  <a:srgbClr val="000000"/>
-                </a:solidFill>
-                <a:latin typeface="Gill Sans MT"/>
-              </a:rPr>
-              <a:t> 以</a:t>
-            </a:r>
-            <a:r>
-              <a:rPr lang="en-US" altLang="zh-TW" sz="1800" b="0" strike="noStrike" spc="-1" dirty="0">
-                <a:solidFill>
-                  <a:srgbClr val="000000"/>
-                </a:solidFill>
-                <a:latin typeface="Gill Sans MT"/>
-              </a:rPr>
-              <a:t>107</a:t>
-            </a:r>
-            <a:r>
-              <a:rPr lang="zh-TW" altLang="en-US" sz="1800" b="0" strike="noStrike" spc="-1" dirty="0">
-                <a:solidFill>
-                  <a:srgbClr val="000000"/>
-                </a:solidFill>
-                <a:latin typeface="Gill Sans MT"/>
-              </a:rPr>
-              <a:t>年為例，不同區域其罹癌人數分布</a:t>
-            </a:r>
-            <a:endParaRPr lang="en-US" altLang="zh-TW" sz="1800" b="0" strike="noStrike" spc="-1" dirty="0">
-              <a:solidFill>
-                <a:srgbClr val="000000"/>
-              </a:solidFill>
-              <a:latin typeface="Gill Sans MT"/>
-            </a:endParaRPr>
-          </a:p>
-          <a:p>
-            <a:pPr>
-              <a:lnSpc>
-                <a:spcPct val="100000"/>
-              </a:lnSpc>
-            </a:pPr>
-            <a:r>
-              <a:rPr lang="en-US" altLang="zh-TW" spc="-1" dirty="0">
-                <a:solidFill>
-                  <a:srgbClr val="000000"/>
-                </a:solidFill>
-                <a:latin typeface="Gill Sans MT"/>
-              </a:rPr>
-              <a:t>2.</a:t>
-            </a:r>
-            <a:r>
-              <a:rPr lang="zh-TW" altLang="en-US" spc="-1" dirty="0">
-                <a:solidFill>
-                  <a:srgbClr val="000000"/>
-                </a:solidFill>
-                <a:latin typeface="Gill Sans MT"/>
-              </a:rPr>
-              <a:t> 以時間為</a:t>
-            </a:r>
-            <a:r>
-              <a:rPr lang="en-US" altLang="zh-TW" spc="-1" dirty="0">
-                <a:solidFill>
-                  <a:srgbClr val="000000"/>
-                </a:solidFill>
-                <a:latin typeface="Gill Sans MT"/>
-              </a:rPr>
-              <a:t>X</a:t>
-            </a:r>
-            <a:r>
-              <a:rPr lang="zh-TW" altLang="en-US" spc="-1" dirty="0">
-                <a:solidFill>
-                  <a:srgbClr val="000000"/>
-                </a:solidFill>
-                <a:latin typeface="Gill Sans MT"/>
-              </a:rPr>
-              <a:t>軸，繪製</a:t>
-            </a:r>
-            <a:r>
-              <a:rPr lang="zh-TW" altLang="en-US" sz="1800" b="0" strike="noStrike" spc="-1" dirty="0">
-                <a:solidFill>
-                  <a:srgbClr val="000000"/>
-                </a:solidFill>
-                <a:latin typeface="Gill Sans MT"/>
-              </a:rPr>
-              <a:t>罹癌人數變化</a:t>
-            </a:r>
-            <a:endParaRPr lang="en-US" sz="1800" b="0" strike="noStrike" spc="-1" dirty="0">
-              <a:latin typeface="Arial"/>
-            </a:endParaRPr>
-          </a:p>
-        </p:txBody>
-      </p:sp>
-    </p:spTree>
-  </p:cSld>
-  <p:clrMapOvr>
-    <a:masterClrMapping/>
-  </p:clrMapOvr>
-</p:sld>
-</file>
-
-<file path=ppt/slides/slide22.xml><?xml version="1.0" encoding="utf-8"?>
-<p:sld xmlns:a="http://schemas.openxmlformats.org/drawingml/2006/main" xmlns:r="http://schemas.openxmlformats.org/officeDocument/2006/relationships" xmlns:p="http://schemas.openxmlformats.org/presentationml/2006/main">
-  <p:cSld>
-    <p:spTree>
-      <p:nvGrpSpPr>
-        <p:cNvPr id="1" name=""/>
-        <p:cNvGrpSpPr/>
-        <p:nvPr/>
-      </p:nvGrpSpPr>
-      <p:grpSpPr>
-        <a:xfrm>
-          <a:off x="0" y="0"/>
-          <a:ext cx="0" cy="0"/>
-          <a:chOff x="0" y="0"/>
-          <a:chExt cx="0" cy="0"/>
-        </a:xfrm>
-      </p:grpSpPr>
-      <p:sp>
-        <p:nvSpPr>
-          <p:cNvPr id="5" name="標題 1_3">
-            <a:extLst>
-              <a:ext uri="{FF2B5EF4-FFF2-40B4-BE49-F238E27FC236}">
-                <a16:creationId xmlns:a16="http://schemas.microsoft.com/office/drawing/2014/main" id="{B3CFE512-2C6C-48CD-99DD-4938DD173F2E}"/>
-              </a:ext>
-            </a:extLst>
-          </p:cNvPr>
-          <p:cNvSpPr txBox="1"/>
-          <p:nvPr/>
-        </p:nvSpPr>
-        <p:spPr>
-          <a:xfrm>
-            <a:off x="2231280" y="104040"/>
-            <a:ext cx="7729200" cy="588600"/>
-          </a:xfrm>
-          <a:prstGeom prst="rect">
-            <a:avLst/>
-          </a:prstGeom>
-          <a:solidFill>
-            <a:srgbClr val="FFFFFF"/>
-          </a:solidFill>
-          <a:ln w="31680" cap="sq">
-            <a:solidFill>
-              <a:srgbClr val="404040"/>
-            </a:solidFill>
-            <a:miter/>
-          </a:ln>
-        </p:spPr>
-        <p:txBody>
-          <a:bodyPr lIns="182880" tIns="182880" rIns="182880" bIns="182880" anchor="ctr">
-            <a:normAutofit fontScale="60000" lnSpcReduction="20000"/>
-          </a:bodyPr>
-          <a:lstStyle/>
-          <a:p>
-            <a:pPr algn="ctr">
-              <a:lnSpc>
-                <a:spcPct val="100000"/>
-              </a:lnSpc>
-              <a:tabLst>
-                <a:tab pos="0" algn="l"/>
-              </a:tabLst>
-            </a:pPr>
-            <a:r>
-              <a:rPr lang="zh-TW" sz="2800" b="0" strike="noStrike" spc="199" dirty="0">
-                <a:solidFill>
-                  <a:srgbClr val="000000"/>
-                </a:solidFill>
-                <a:latin typeface="Calibri"/>
-                <a:ea typeface="新細明體"/>
-              </a:rPr>
-              <a:t>癌症與空氣品質關聯分析</a:t>
-            </a:r>
-            <a:endParaRPr lang="en-US" sz="2800" b="0" strike="noStrike" spc="-1" dirty="0">
-              <a:solidFill>
-                <a:srgbClr val="000000"/>
-              </a:solidFill>
-              <a:latin typeface="Gill Sans MT"/>
-            </a:endParaRPr>
-          </a:p>
-        </p:txBody>
-      </p:sp>
-      <p:pic>
-        <p:nvPicPr>
-          <p:cNvPr id="6" name="內容版面配置區 4">
-            <a:extLst>
-              <a:ext uri="{FF2B5EF4-FFF2-40B4-BE49-F238E27FC236}">
-                <a16:creationId xmlns:a16="http://schemas.microsoft.com/office/drawing/2014/main" id="{8F87953B-4B20-49F0-BDD0-63C025ABFBCA}"/>
-              </a:ext>
-            </a:extLst>
-          </p:cNvPr>
-          <p:cNvPicPr>
-            <a:picLocks noChangeAspect="1"/>
-          </p:cNvPicPr>
-          <p:nvPr/>
-        </p:nvPicPr>
-        <p:blipFill>
-          <a:blip r:embed="rId2"/>
-          <a:stretch>
-            <a:fillRect/>
-          </a:stretch>
-        </p:blipFill>
-        <p:spPr>
-          <a:xfrm>
             <a:off x="244982" y="1556094"/>
             <a:ext cx="2528318" cy="1869006"/>
           </a:xfrm>
@@ -10585,7 +10174,7 @@
 </p:sld>
 </file>
 
-<file path=ppt/slides/slide23.xml><?xml version="1.0" encoding="utf-8"?>
+<file path=ppt/slides/slide22.xml><?xml version="1.0" encoding="utf-8"?>
 <p:sld xmlns:a="http://schemas.openxmlformats.org/drawingml/2006/main" xmlns:r="http://schemas.openxmlformats.org/officeDocument/2006/relationships" xmlns:p="http://schemas.openxmlformats.org/presentationml/2006/main">
   <p:cSld>
     <p:spTree>
@@ -11478,7 +11067,7 @@
 </p:sld>
 </file>
 
-<file path=ppt/slides/slide24.xml><?xml version="1.0" encoding="utf-8"?>
+<file path=ppt/slides/slide23.xml><?xml version="1.0" encoding="utf-8"?>
 <p:sld xmlns:a="http://schemas.openxmlformats.org/drawingml/2006/main" xmlns:r="http://schemas.openxmlformats.org/officeDocument/2006/relationships" xmlns:p="http://schemas.openxmlformats.org/presentationml/2006/main">
   <p:cSld>
     <p:spTree>
@@ -12475,7 +12064,7 @@
 </p:sld>
 </file>
 
-<file path=ppt/slides/slide25.xml><?xml version="1.0" encoding="utf-8"?>
+<file path=ppt/slides/slide24.xml><?xml version="1.0" encoding="utf-8"?>
 <p:sld xmlns:a="http://schemas.openxmlformats.org/drawingml/2006/main" xmlns:r="http://schemas.openxmlformats.org/officeDocument/2006/relationships" xmlns:p="http://schemas.openxmlformats.org/presentationml/2006/main">
   <p:cSld>
     <p:spTree>
@@ -13237,7 +12826,7 @@
 </p:sld>
 </file>
 
-<file path=ppt/slides/slide26.xml><?xml version="1.0" encoding="utf-8"?>
+<file path=ppt/slides/slide25.xml><?xml version="1.0" encoding="utf-8"?>
 <p:sld xmlns:a="http://schemas.openxmlformats.org/drawingml/2006/main" xmlns:r="http://schemas.openxmlformats.org/officeDocument/2006/relationships" xmlns:p="http://schemas.openxmlformats.org/presentationml/2006/main">
   <p:cSld>
     <p:spTree>
@@ -15017,7 +14606,7 @@
           <p:cNvPr id="4" name="標題 1">
             <a:extLst>
               <a:ext uri="{FF2B5EF4-FFF2-40B4-BE49-F238E27FC236}">
-                <a16:creationId xmlns:a16="http://schemas.microsoft.com/office/drawing/2014/main" id="{83B7C81D-00E1-8F8C-885E-DA8734F502CA}"/>
+                <a16:creationId xmlns:a16="http://schemas.microsoft.com/office/drawing/2014/main" id="{8D18C358-C213-5EB1-6537-15108ADF0CF0}"/>
               </a:ext>
             </a:extLst>
           </p:cNvPr>
@@ -15030,8 +14619,8 @@
         </p:nvSpPr>
         <p:spPr>
           <a:xfrm>
-            <a:off x="2061597" y="616008"/>
-            <a:ext cx="7729200" cy="1188360"/>
+            <a:off x="2231280" y="390165"/>
+            <a:ext cx="7727950" cy="1187450"/>
           </a:xfrm>
           <a:prstGeom prst="rect">
             <a:avLst/>
@@ -15088,654 +14677,117 @@
       </p:sp>
       <p:sp>
         <p:nvSpPr>
-          <p:cNvPr id="3" name="文字版面配置區 2">
+          <p:cNvPr id="2" name="文字方塊 1">
             <a:extLst>
               <a:ext uri="{FF2B5EF4-FFF2-40B4-BE49-F238E27FC236}">
-                <a16:creationId xmlns:a16="http://schemas.microsoft.com/office/drawing/2014/main" id="{F92A1BCB-5F0B-5917-3B85-419FB468AA3A}"/>
+                <a16:creationId xmlns:a16="http://schemas.microsoft.com/office/drawing/2014/main" id="{965FE6A1-1CBB-D4E9-D81E-4E958694DC3C}"/>
               </a:ext>
             </a:extLst>
           </p:cNvPr>
-          <p:cNvSpPr>
-            <a:spLocks noGrp="1"/>
-          </p:cNvSpPr>
-          <p:nvPr>
-            <p:ph type="body"/>
-          </p:nvPr>
+          <p:cNvSpPr txBox="1"/>
+          <p:nvPr/>
         </p:nvSpPr>
         <p:spPr>
           <a:xfrm>
-            <a:off x="2061597" y="2421264"/>
-            <a:ext cx="7729200" cy="3101760"/>
-          </a:xfrm>
+            <a:off x="2153836" y="1736229"/>
+            <a:ext cx="7805394" cy="1754326"/>
+          </a:xfrm>
+          <a:prstGeom prst="rect">
+            <a:avLst/>
+          </a:prstGeom>
+          <a:noFill/>
         </p:spPr>
         <p:txBody>
-          <a:bodyPr/>
-          <a:lstStyle/>
-          <a:p>
-            <a:pPr marL="0" marR="0" lvl="0" indent="0" algn="l" defTabSz="914400" rtl="0" eaLnBrk="1" fontAlgn="auto" latinLnBrk="0" hangingPunct="1">
-              <a:lnSpc>
-                <a:spcPct val="90000"/>
-              </a:lnSpc>
-              <a:spcBef>
-                <a:spcPct val="0"/>
-              </a:spcBef>
-              <a:spcAft>
-                <a:spcPts val="0"/>
-              </a:spcAft>
-              <a:buClrTx/>
-              <a:buSzTx/>
-              <a:buFontTx/>
-              <a:buNone/>
-              <a:tabLst/>
-              <a:defRPr/>
-            </a:pPr>
-            <a:r>
-              <a:rPr kumimoji="0" lang="zh-TW" altLang="en-US" sz="2800" b="0" i="0" u="none" strike="noStrike" kern="1200" cap="none" spc="0" normalizeH="0" baseline="0" noProof="0" dirty="0">
-                <a:ln>
-                  <a:noFill/>
-                </a:ln>
-                <a:solidFill>
-                  <a:prstClr val="black"/>
-                </a:solidFill>
-                <a:effectLst/>
-                <a:uLnTx/>
-                <a:uFillTx/>
-                <a:latin typeface="Arial"/>
-                <a:cs typeface="DejaVu Sans"/>
-              </a:rPr>
-              <a:t>台灣的空氣品質指標（</a:t>
-            </a:r>
-            <a:r>
-              <a:rPr kumimoji="0" lang="en-US" altLang="zh-TW" sz="2800" b="0" i="0" u="none" strike="noStrike" kern="1200" cap="none" spc="0" normalizeH="0" baseline="0" noProof="0" dirty="0">
-                <a:ln>
-                  <a:noFill/>
-                </a:ln>
-                <a:solidFill>
-                  <a:prstClr val="black"/>
-                </a:solidFill>
-                <a:effectLst/>
-                <a:uLnTx/>
-                <a:uFillTx/>
-                <a:latin typeface="Arial"/>
-                <a:ea typeface="DejaVu Sans"/>
-                <a:cs typeface="DejaVu Sans"/>
-              </a:rPr>
-              <a:t>AQI, Air Quality Index</a:t>
-            </a:r>
-            <a:r>
-              <a:rPr kumimoji="0" lang="zh-TW" altLang="en-US" sz="2800" b="0" i="0" u="none" strike="noStrike" kern="1200" cap="none" spc="0" normalizeH="0" baseline="0" noProof="0" dirty="0">
-                <a:ln>
-                  <a:noFill/>
-                </a:ln>
-                <a:solidFill>
-                  <a:prstClr val="black"/>
-                </a:solidFill>
-                <a:effectLst/>
-                <a:uLnTx/>
-                <a:uFillTx/>
-                <a:latin typeface="Arial"/>
-                <a:cs typeface="DejaVu Sans"/>
-              </a:rPr>
-              <a:t>）是根據多項空氣污染物濃度來計算的，主要包括</a:t>
-            </a:r>
-            <a:r>
-              <a:rPr kumimoji="0" lang="en-US" altLang="zh-TW" sz="2800" b="0" i="0" u="none" strike="noStrike" kern="1200" cap="none" spc="0" normalizeH="0" baseline="0" noProof="0" dirty="0">
-                <a:ln>
-                  <a:noFill/>
-                </a:ln>
-                <a:solidFill>
-                  <a:prstClr val="black"/>
-                </a:solidFill>
-                <a:effectLst/>
-                <a:uLnTx/>
-                <a:uFillTx/>
-                <a:latin typeface="Arial"/>
-                <a:ea typeface="DejaVu Sans"/>
-                <a:cs typeface="DejaVu Sans"/>
-              </a:rPr>
-              <a:t>PM2.5</a:t>
-            </a:r>
-            <a:r>
-              <a:rPr kumimoji="0" lang="zh-TW" altLang="en-US" sz="2800" b="0" i="0" u="none" strike="noStrike" kern="1200" cap="none" spc="0" normalizeH="0" baseline="0" noProof="0" dirty="0">
-                <a:ln>
-                  <a:noFill/>
-                </a:ln>
-                <a:solidFill>
-                  <a:prstClr val="black"/>
-                </a:solidFill>
-                <a:effectLst/>
-                <a:uLnTx/>
-                <a:uFillTx/>
-                <a:latin typeface="Arial"/>
-                <a:cs typeface="DejaVu Sans"/>
-              </a:rPr>
-              <a:t>、</a:t>
-            </a:r>
-            <a:r>
-              <a:rPr kumimoji="0" lang="en-US" altLang="zh-TW" sz="2800" b="0" i="0" u="none" strike="noStrike" kern="1200" cap="none" spc="0" normalizeH="0" baseline="0" noProof="0" dirty="0">
-                <a:ln>
-                  <a:noFill/>
-                </a:ln>
-                <a:solidFill>
-                  <a:prstClr val="black"/>
-                </a:solidFill>
-                <a:effectLst/>
-                <a:uLnTx/>
-                <a:uFillTx/>
-                <a:latin typeface="Arial"/>
-                <a:ea typeface="DejaVu Sans"/>
-                <a:cs typeface="DejaVu Sans"/>
-              </a:rPr>
-              <a:t>PM10</a:t>
-            </a:r>
-            <a:r>
-              <a:rPr kumimoji="0" lang="zh-TW" altLang="en-US" sz="2800" b="0" i="0" u="none" strike="noStrike" kern="1200" cap="none" spc="0" normalizeH="0" baseline="0" noProof="0" dirty="0">
-                <a:ln>
-                  <a:noFill/>
-                </a:ln>
-                <a:solidFill>
-                  <a:prstClr val="black"/>
-                </a:solidFill>
-                <a:effectLst/>
-                <a:uLnTx/>
-                <a:uFillTx/>
-                <a:latin typeface="Arial"/>
-                <a:cs typeface="DejaVu Sans"/>
-              </a:rPr>
-              <a:t>、臭氧（</a:t>
-            </a:r>
-            <a:r>
-              <a:rPr kumimoji="0" lang="en-US" altLang="zh-TW" sz="2800" b="0" i="0" u="none" strike="noStrike" kern="1200" cap="none" spc="0" normalizeH="0" baseline="0" noProof="0" dirty="0">
-                <a:ln>
-                  <a:noFill/>
-                </a:ln>
-                <a:solidFill>
-                  <a:prstClr val="black"/>
-                </a:solidFill>
-                <a:effectLst/>
-                <a:uLnTx/>
-                <a:uFillTx/>
-                <a:latin typeface="Arial"/>
-                <a:ea typeface="DejaVu Sans"/>
-                <a:cs typeface="DejaVu Sans"/>
-              </a:rPr>
-              <a:t>O3</a:t>
-            </a:r>
-            <a:r>
-              <a:rPr kumimoji="0" lang="zh-TW" altLang="en-US" sz="2800" b="0" i="0" u="none" strike="noStrike" kern="1200" cap="none" spc="0" normalizeH="0" baseline="0" noProof="0" dirty="0">
-                <a:ln>
-                  <a:noFill/>
-                </a:ln>
-                <a:solidFill>
-                  <a:prstClr val="black"/>
-                </a:solidFill>
-                <a:effectLst/>
-                <a:uLnTx/>
-                <a:uFillTx/>
-                <a:latin typeface="Arial"/>
-                <a:cs typeface="DejaVu Sans"/>
-              </a:rPr>
-              <a:t>）、二氧化硫（</a:t>
-            </a:r>
-            <a:r>
-              <a:rPr kumimoji="0" lang="en-US" altLang="zh-TW" sz="2800" b="0" i="0" u="none" strike="noStrike" kern="1200" cap="none" spc="0" normalizeH="0" baseline="0" noProof="0" dirty="0">
-                <a:ln>
-                  <a:noFill/>
-                </a:ln>
-                <a:solidFill>
-                  <a:prstClr val="black"/>
-                </a:solidFill>
-                <a:effectLst/>
-                <a:uLnTx/>
-                <a:uFillTx/>
-                <a:latin typeface="Arial"/>
-                <a:ea typeface="DejaVu Sans"/>
-                <a:cs typeface="DejaVu Sans"/>
-              </a:rPr>
-              <a:t>SO2</a:t>
-            </a:r>
-            <a:r>
-              <a:rPr kumimoji="0" lang="zh-TW" altLang="en-US" sz="2800" b="0" i="0" u="none" strike="noStrike" kern="1200" cap="none" spc="0" normalizeH="0" baseline="0" noProof="0" dirty="0">
-                <a:ln>
-                  <a:noFill/>
-                </a:ln>
-                <a:solidFill>
-                  <a:prstClr val="black"/>
-                </a:solidFill>
-                <a:effectLst/>
-                <a:uLnTx/>
-                <a:uFillTx/>
-                <a:latin typeface="Arial"/>
-                <a:cs typeface="DejaVu Sans"/>
-              </a:rPr>
-              <a:t>）、二氧化氮（</a:t>
-            </a:r>
-            <a:r>
-              <a:rPr kumimoji="0" lang="en-US" altLang="zh-TW" sz="2800" b="0" i="0" u="none" strike="noStrike" kern="1200" cap="none" spc="0" normalizeH="0" baseline="0" noProof="0" dirty="0">
-                <a:ln>
-                  <a:noFill/>
-                </a:ln>
-                <a:solidFill>
-                  <a:prstClr val="black"/>
-                </a:solidFill>
-                <a:effectLst/>
-                <a:uLnTx/>
-                <a:uFillTx/>
-                <a:latin typeface="Arial"/>
-                <a:ea typeface="DejaVu Sans"/>
-                <a:cs typeface="DejaVu Sans"/>
-              </a:rPr>
-              <a:t>NO2</a:t>
-            </a:r>
-            <a:r>
-              <a:rPr kumimoji="0" lang="zh-TW" altLang="en-US" sz="2800" b="0" i="0" u="none" strike="noStrike" kern="1200" cap="none" spc="0" normalizeH="0" baseline="0" noProof="0" dirty="0">
-                <a:ln>
-                  <a:noFill/>
-                </a:ln>
-                <a:solidFill>
-                  <a:prstClr val="black"/>
-                </a:solidFill>
-                <a:effectLst/>
-                <a:uLnTx/>
-                <a:uFillTx/>
-                <a:latin typeface="Arial"/>
-                <a:cs typeface="DejaVu Sans"/>
-              </a:rPr>
-              <a:t>）和一氧化碳（</a:t>
-            </a:r>
-            <a:r>
-              <a:rPr kumimoji="0" lang="en-US" altLang="zh-TW" sz="2800" b="0" i="0" u="none" strike="noStrike" kern="1200" cap="none" spc="0" normalizeH="0" baseline="0" noProof="0" dirty="0">
-                <a:ln>
-                  <a:noFill/>
-                </a:ln>
-                <a:solidFill>
-                  <a:prstClr val="black"/>
-                </a:solidFill>
-                <a:effectLst/>
-                <a:uLnTx/>
-                <a:uFillTx/>
-                <a:latin typeface="Arial"/>
-                <a:ea typeface="DejaVu Sans"/>
-                <a:cs typeface="DejaVu Sans"/>
-              </a:rPr>
-              <a:t>CO</a:t>
-            </a:r>
-            <a:r>
-              <a:rPr kumimoji="0" lang="zh-TW" altLang="en-US" sz="2800" b="0" i="0" u="none" strike="noStrike" kern="1200" cap="none" spc="0" normalizeH="0" baseline="0" noProof="0" dirty="0">
-                <a:ln>
-                  <a:noFill/>
-                </a:ln>
-                <a:solidFill>
-                  <a:prstClr val="black"/>
-                </a:solidFill>
-                <a:effectLst/>
-                <a:uLnTx/>
-                <a:uFillTx/>
-                <a:latin typeface="Arial"/>
-                <a:cs typeface="DejaVu Sans"/>
-              </a:rPr>
-              <a:t>）。每個污染物都有一個對應的數據範圍，而這些數據合成後形成</a:t>
-            </a:r>
-            <a:r>
-              <a:rPr kumimoji="0" lang="en-US" altLang="zh-TW" sz="2800" b="0" i="0" u="none" strike="noStrike" kern="1200" cap="none" spc="0" normalizeH="0" baseline="0" noProof="0" dirty="0">
-                <a:ln>
-                  <a:noFill/>
-                </a:ln>
-                <a:solidFill>
-                  <a:prstClr val="black"/>
-                </a:solidFill>
-                <a:effectLst/>
-                <a:uLnTx/>
-                <a:uFillTx/>
-                <a:latin typeface="Arial"/>
-                <a:ea typeface="DejaVu Sans"/>
-                <a:cs typeface="DejaVu Sans"/>
-              </a:rPr>
-              <a:t>AQI</a:t>
-            </a:r>
-            <a:r>
-              <a:rPr kumimoji="0" lang="zh-TW" altLang="en-US" sz="2800" b="0" i="0" u="none" strike="noStrike" kern="1200" cap="none" spc="0" normalizeH="0" baseline="0" noProof="0" dirty="0">
-                <a:ln>
-                  <a:noFill/>
-                </a:ln>
-                <a:solidFill>
-                  <a:prstClr val="black"/>
-                </a:solidFill>
-                <a:effectLst/>
-                <a:uLnTx/>
-                <a:uFillTx/>
-                <a:latin typeface="Arial"/>
-                <a:cs typeface="DejaVu Sans"/>
-              </a:rPr>
-              <a:t>。具體的計算公式和方法如下：</a:t>
-            </a:r>
-            <a:endParaRPr kumimoji="0" lang="en-US" altLang="zh-TW" sz="2800" b="0" i="0" u="none" strike="noStrike" kern="1200" cap="none" spc="0" normalizeH="0" baseline="0" noProof="0" dirty="0">
-              <a:ln>
-                <a:noFill/>
-              </a:ln>
-              <a:solidFill>
-                <a:prstClr val="black"/>
-              </a:solidFill>
-              <a:effectLst/>
-              <a:uLnTx/>
-              <a:uFillTx/>
-              <a:latin typeface="Arial"/>
-              <a:ea typeface="DejaVu Sans"/>
-              <a:cs typeface="DejaVu Sans"/>
-            </a:endParaRPr>
-          </a:p>
-          <a:p>
-            <a:endParaRPr lang="zh-TW" altLang="en-US" dirty="0"/>
-          </a:p>
-        </p:txBody>
-      </p:sp>
-    </p:spTree>
-    <p:extLst>
-      <p:ext uri="{BB962C8B-B14F-4D97-AF65-F5344CB8AC3E}">
-        <p14:creationId xmlns:p14="http://schemas.microsoft.com/office/powerpoint/2010/main" val="782981273"/>
-      </p:ext>
-    </p:extLst>
-  </p:cSld>
-  <p:clrMapOvr>
-    <a:masterClrMapping/>
-  </p:clrMapOvr>
-</p:sld>
-</file>
-
-<file path=ppt/slides/slide5.xml><?xml version="1.0" encoding="utf-8"?>
-<p:sld xmlns:a="http://schemas.openxmlformats.org/drawingml/2006/main" xmlns:r="http://schemas.openxmlformats.org/officeDocument/2006/relationships" xmlns:p="http://schemas.openxmlformats.org/presentationml/2006/main">
-  <p:cSld>
-    <p:spTree>
-      <p:nvGrpSpPr>
-        <p:cNvPr id="1" name=""/>
-        <p:cNvGrpSpPr/>
-        <p:nvPr/>
-      </p:nvGrpSpPr>
-      <p:grpSpPr>
-        <a:xfrm>
-          <a:off x="0" y="0"/>
-          <a:ext cx="0" cy="0"/>
-          <a:chOff x="0" y="0"/>
-          <a:chExt cx="0" cy="0"/>
-        </a:xfrm>
-      </p:grpSpPr>
-      <p:sp>
-        <p:nvSpPr>
-          <p:cNvPr id="3" name="文字版面配置區 2">
-            <a:extLst>
-              <a:ext uri="{FF2B5EF4-FFF2-40B4-BE49-F238E27FC236}">
-                <a16:creationId xmlns:a16="http://schemas.microsoft.com/office/drawing/2014/main" id="{0B7A59BC-DCD6-B71B-4CC7-3EE3DE3F7B6C}"/>
-              </a:ext>
-            </a:extLst>
-          </p:cNvPr>
-          <p:cNvSpPr>
-            <a:spLocks noGrp="1"/>
-          </p:cNvSpPr>
-          <p:nvPr>
-            <p:ph type="body"/>
-          </p:nvPr>
-        </p:nvSpPr>
-        <p:spPr>
-          <a:xfrm>
-            <a:off x="2232025" y="2308141"/>
-            <a:ext cx="7729200" cy="4337755"/>
-          </a:xfrm>
-        </p:spPr>
-        <p:txBody>
-          <a:bodyPr>
-            <a:normAutofit/>
+          <a:bodyPr wrap="square" rtlCol="0">
+            <a:spAutoFit/>
           </a:bodyPr>
           <a:lstStyle/>
           <a:p>
-            <a:pPr marL="0" indent="0">
-              <a:buNone/>
-            </a:pPr>
-            <a:r>
-              <a:rPr lang="zh-TW" altLang="en-US" sz="2400" dirty="0"/>
-              <a:t>確定子指標（</a:t>
-            </a:r>
-            <a:r>
-              <a:rPr lang="en-US" altLang="zh-TW" sz="2400" dirty="0"/>
-              <a:t>Sub-index</a:t>
-            </a:r>
-            <a:r>
-              <a:rPr lang="zh-TW" altLang="en-US" sz="2400" dirty="0"/>
-              <a:t>）：每個污染物的濃度對應一個子指標，這個子指標可以用以下公式來計算：</a:t>
-            </a:r>
-            <a:endParaRPr lang="en-US" altLang="zh-TW" sz="2400" dirty="0"/>
-          </a:p>
-          <a:p>
-            <a:pPr marL="0" indent="0">
-              <a:buNone/>
-            </a:pPr>
-            <a:endParaRPr lang="en-US" altLang="zh-TW" sz="2400" dirty="0"/>
-          </a:p>
-          <a:p>
-            <a:pPr marL="0" indent="0">
-              <a:buNone/>
-            </a:pPr>
-            <a:endParaRPr lang="en-US" altLang="zh-TW" sz="2400" dirty="0"/>
-          </a:p>
-          <a:p>
-            <a:pPr marL="0" indent="0">
-              <a:buNone/>
-            </a:pPr>
-            <a:endParaRPr lang="en-US" altLang="zh-TW" sz="2400" dirty="0"/>
-          </a:p>
-          <a:p>
-            <a:endParaRPr lang="en-US" altLang="zh-TW" sz="2400" dirty="0"/>
-          </a:p>
-          <a:p>
-            <a:endParaRPr lang="en-US" altLang="zh-TW" sz="2400" dirty="0"/>
-          </a:p>
-          <a:p>
-            <a:endParaRPr lang="en-US" altLang="zh-TW" sz="2400" dirty="0"/>
-          </a:p>
-          <a:p>
-            <a:r>
-              <a:rPr lang="en-US" altLang="zh-TW" sz="2000" dirty="0"/>
-              <a:t>I</a:t>
-            </a:r>
-            <a:r>
-              <a:rPr lang="en-US" altLang="zh-TW" sz="1600" dirty="0"/>
-              <a:t>p</a:t>
-            </a:r>
-            <a:r>
-              <a:rPr lang="en-US" altLang="zh-TW" sz="2000" dirty="0"/>
-              <a:t>​  </a:t>
-            </a:r>
-            <a:r>
-              <a:rPr lang="zh-TW" altLang="en-US" sz="2000" dirty="0"/>
-              <a:t>是污染物 </a:t>
-            </a:r>
-            <a:r>
-              <a:rPr lang="en-US" altLang="zh-TW" sz="2000" dirty="0"/>
-              <a:t>p </a:t>
-            </a:r>
-            <a:r>
-              <a:rPr lang="zh-TW" altLang="en-US" sz="2000" dirty="0"/>
-              <a:t>的子指標。</a:t>
-            </a:r>
-            <a:endParaRPr lang="en-US" altLang="zh-TW" sz="2000" dirty="0"/>
-          </a:p>
-          <a:p>
-            <a:r>
-              <a:rPr lang="en-US" altLang="zh-TW" sz="2000" dirty="0"/>
-              <a:t>C </a:t>
-            </a:r>
-            <a:r>
-              <a:rPr lang="en-US" altLang="zh-TW" sz="1600" dirty="0"/>
-              <a:t>p​  </a:t>
-            </a:r>
-            <a:r>
-              <a:rPr lang="zh-TW" altLang="en-US" sz="2000" dirty="0"/>
-              <a:t>是污染物 </a:t>
-            </a:r>
-            <a:r>
-              <a:rPr lang="en-US" altLang="zh-TW" sz="2000" dirty="0"/>
-              <a:t>p </a:t>
-            </a:r>
-            <a:r>
-              <a:rPr lang="zh-TW" altLang="en-US" sz="2000" dirty="0"/>
-              <a:t>的濃度。</a:t>
-            </a:r>
-            <a:endParaRPr lang="en-US" altLang="zh-TW" sz="2000" dirty="0"/>
-          </a:p>
-          <a:p>
-            <a:r>
-              <a:rPr lang="en-US" altLang="zh-TW" sz="2000" dirty="0"/>
-              <a:t>BP </a:t>
-            </a:r>
-            <a:r>
-              <a:rPr lang="en-US" altLang="zh-TW" sz="1400" dirty="0"/>
-              <a:t>HI​</a:t>
-            </a:r>
-            <a:r>
-              <a:rPr lang="en-US" altLang="zh-TW" sz="1800" dirty="0"/>
-              <a:t>  </a:t>
-            </a:r>
-            <a:r>
-              <a:rPr lang="zh-TW" altLang="en-US" sz="2000" dirty="0"/>
-              <a:t>和 </a:t>
-            </a:r>
-            <a:r>
-              <a:rPr lang="en-US" altLang="zh-TW" sz="2000" dirty="0"/>
-              <a:t>BP</a:t>
-            </a:r>
-            <a:r>
-              <a:rPr lang="zh-TW" altLang="en-US" sz="1400" dirty="0"/>
-              <a:t>𝐿𝑂</a:t>
-            </a:r>
-            <a:r>
-              <a:rPr lang="zh-TW" altLang="en-US" sz="2000" dirty="0"/>
-              <a:t>是污染物濃度對應的高低標準值。</a:t>
-            </a:r>
-            <a:endParaRPr lang="en-US" altLang="zh-TW" sz="2000" dirty="0"/>
-          </a:p>
-          <a:p>
-            <a:r>
-              <a:rPr lang="en-US" altLang="zh-TW" sz="2000" dirty="0"/>
-              <a:t>I</a:t>
-            </a:r>
-            <a:r>
-              <a:rPr lang="en-US" altLang="zh-TW" sz="1400" dirty="0"/>
-              <a:t>HI</a:t>
-            </a:r>
-            <a:r>
-              <a:rPr lang="en-US" altLang="zh-TW" sz="2000" dirty="0"/>
-              <a:t>​ </a:t>
-            </a:r>
-            <a:r>
-              <a:rPr lang="zh-TW" altLang="en-US" sz="2000" dirty="0"/>
-              <a:t>和 </a:t>
-            </a:r>
-            <a:r>
-              <a:rPr lang="en-US" altLang="zh-TW" sz="2000" dirty="0"/>
-              <a:t>I</a:t>
-            </a:r>
-            <a:r>
-              <a:rPr lang="en-US" altLang="zh-TW" sz="1400" dirty="0"/>
-              <a:t>LO </a:t>
-            </a:r>
-            <a:r>
-              <a:rPr lang="en-US" altLang="zh-TW" sz="2000" dirty="0"/>
-              <a:t>​ </a:t>
-            </a:r>
-            <a:r>
-              <a:rPr lang="zh-TW" altLang="en-US" sz="2000" dirty="0"/>
-              <a:t>是對應的高低</a:t>
-            </a:r>
-            <a:r>
-              <a:rPr lang="en-US" altLang="zh-TW" sz="2000" dirty="0"/>
+            <a:r>
+              <a:rPr lang="zh-TW" altLang="en-US" dirty="0"/>
+              <a:t>台灣的空氣品質指標（</a:t>
+            </a:r>
+            <a:r>
+              <a:rPr lang="en-US" altLang="zh-TW" dirty="0"/>
+              <a:t>AQI, Air Quality Index</a:t>
+            </a:r>
+            <a:r>
+              <a:rPr lang="zh-TW" altLang="en-US" dirty="0"/>
+              <a:t>）是根據多種污染物的濃度來計算的，主要包括</a:t>
+            </a:r>
+            <a:r>
+              <a:rPr lang="en-US" altLang="zh-TW" dirty="0"/>
+              <a:t>PM2.5</a:t>
+            </a:r>
+            <a:r>
+              <a:rPr lang="zh-TW" altLang="en-US" dirty="0"/>
+              <a:t>、</a:t>
+            </a:r>
+            <a:r>
+              <a:rPr lang="en-US" altLang="zh-TW" dirty="0"/>
+              <a:t>PM10</a:t>
+            </a:r>
+            <a:r>
+              <a:rPr lang="zh-TW" altLang="en-US" dirty="0"/>
+              <a:t>、臭氧（</a:t>
+            </a:r>
+            <a:r>
+              <a:rPr lang="en-US" altLang="zh-TW" dirty="0"/>
+              <a:t>O3</a:t>
+            </a:r>
+            <a:r>
+              <a:rPr lang="zh-TW" altLang="en-US" dirty="0"/>
+              <a:t>）、二氧化硫（</a:t>
+            </a:r>
+            <a:r>
+              <a:rPr lang="en-US" altLang="zh-TW" dirty="0"/>
+              <a:t>SO2</a:t>
+            </a:r>
+            <a:r>
+              <a:rPr lang="zh-TW" altLang="en-US" dirty="0"/>
+              <a:t>）、一氧化碳（</a:t>
+            </a:r>
+            <a:r>
+              <a:rPr lang="en-US" altLang="zh-TW" dirty="0"/>
+              <a:t>CO</a:t>
+            </a:r>
+            <a:r>
+              <a:rPr lang="zh-TW" altLang="en-US" dirty="0"/>
+              <a:t>）、和二氧化氮（</a:t>
+            </a:r>
+            <a:r>
+              <a:rPr lang="en-US" altLang="zh-TW" dirty="0"/>
+              <a:t>NO2</a:t>
+            </a:r>
+            <a:r>
+              <a:rPr lang="zh-TW" altLang="en-US" dirty="0"/>
+              <a:t>）。計算公式主要是將每個污染物的濃度轉換為一個標準化的子指標（</a:t>
+            </a:r>
+            <a:r>
+              <a:rPr lang="en-US" altLang="zh-TW" dirty="0"/>
+              <a:t>Sub-Index</a:t>
+            </a:r>
+            <a:r>
+              <a:rPr lang="zh-TW" altLang="en-US" dirty="0"/>
+              <a:t>），然後取這些子指標中的最大值作為最終的</a:t>
+            </a:r>
+            <a:r>
+              <a:rPr lang="en-US" altLang="zh-TW" dirty="0"/>
               <a:t>AQI</a:t>
             </a:r>
             <a:r>
-              <a:rPr lang="zh-TW" altLang="en-US" sz="2000" dirty="0"/>
-              <a:t>標準值。</a:t>
-            </a:r>
-          </a:p>
-        </p:txBody>
-      </p:sp>
-      <p:sp>
-        <p:nvSpPr>
-          <p:cNvPr id="4" name="標題 1">
-            <a:extLst>
-              <a:ext uri="{FF2B5EF4-FFF2-40B4-BE49-F238E27FC236}">
-                <a16:creationId xmlns:a16="http://schemas.microsoft.com/office/drawing/2014/main" id="{3744BF17-3389-4616-CBA5-9D7C9DCFCFF4}"/>
-              </a:ext>
-            </a:extLst>
-          </p:cNvPr>
-          <p:cNvSpPr txBox="1">
-            <a:spLocks noGrp="1"/>
-          </p:cNvSpPr>
-          <p:nvPr>
-            <p:ph type="title"/>
-          </p:nvPr>
-        </p:nvSpPr>
-        <p:spPr>
-          <a:xfrm>
-            <a:off x="2232025" y="965200"/>
-            <a:ext cx="7727950" cy="1187450"/>
-          </a:xfrm>
-          <a:prstGeom prst="rect">
-            <a:avLst/>
-          </a:prstGeom>
-          <a:solidFill>
-            <a:srgbClr val="FFFFFF"/>
-          </a:solidFill>
-          <a:ln w="31680" cap="sq">
-            <a:solidFill>
-              <a:srgbClr val="404040"/>
-            </a:solidFill>
-            <a:miter/>
-          </a:ln>
-        </p:spPr>
-        <p:txBody>
-          <a:bodyPr lIns="182880" tIns="182880" rIns="182880" bIns="182880" anchor="ctr">
-            <a:noAutofit/>
-          </a:bodyPr>
-          <a:lstStyle/>
-          <a:p>
-            <a:pPr algn="ctr">
-              <a:lnSpc>
-                <a:spcPct val="90000"/>
-              </a:lnSpc>
-            </a:pPr>
-            <a:r>
-              <a:rPr lang="en-US" altLang="zh-TW" sz="2800" b="0" strike="noStrike" spc="199" dirty="0">
-                <a:solidFill>
-                  <a:srgbClr val="000000"/>
-                </a:solidFill>
-                <a:latin typeface="Calibri"/>
-                <a:ea typeface="新細明體"/>
-              </a:rPr>
-              <a:t>AQI</a:t>
-            </a:r>
-            <a:r>
-              <a:rPr lang="zh-TW" altLang="en-US" sz="2800" b="0" strike="noStrike" spc="199" dirty="0">
-                <a:solidFill>
-                  <a:srgbClr val="000000"/>
-                </a:solidFill>
-                <a:latin typeface="Calibri"/>
-                <a:ea typeface="新細明體"/>
-              </a:rPr>
-              <a:t> 算法介紹</a:t>
-            </a:r>
-            <a:endParaRPr lang="en-US" sz="2800" b="0" strike="noStrike" spc="-1" dirty="0">
-              <a:solidFill>
-                <a:srgbClr val="000000"/>
-              </a:solidFill>
-              <a:latin typeface="Gill Sans MT"/>
-            </a:endParaRPr>
+              <a:rPr lang="zh-TW" altLang="en-US" dirty="0"/>
+              <a:t>值，每個污染物有其對應的子指標計算公式。子指標的計算公式如下：</a:t>
+            </a:r>
           </a:p>
         </p:txBody>
       </p:sp>
       <p:pic>
         <p:nvPicPr>
-          <p:cNvPr id="6" name="圖片 5">
+          <p:cNvPr id="8" name="圖片 7">
             <a:extLst>
               <a:ext uri="{FF2B5EF4-FFF2-40B4-BE49-F238E27FC236}">
-                <a16:creationId xmlns:a16="http://schemas.microsoft.com/office/drawing/2014/main" id="{C2475492-6DED-4718-1CDD-0769770470FA}"/>
+                <a16:creationId xmlns:a16="http://schemas.microsoft.com/office/drawing/2014/main" id="{2BC36C8E-7E35-7084-A460-8714DC0A1240}"/>
               </a:ext>
             </a:extLst>
           </p:cNvPr>
@@ -15758,18 +14810,89 @@
         </p:blipFill>
         <p:spPr>
           <a:xfrm>
-            <a:off x="2777529" y="3598683"/>
-            <a:ext cx="5942494" cy="1189703"/>
+            <a:off x="2015711" y="3490555"/>
+            <a:ext cx="8159088" cy="1207056"/>
           </a:xfrm>
           <a:prstGeom prst="rect">
             <a:avLst/>
           </a:prstGeom>
         </p:spPr>
       </p:pic>
+      <p:pic>
+        <p:nvPicPr>
+          <p:cNvPr id="10" name="圖片 9">
+            <a:extLst>
+              <a:ext uri="{FF2B5EF4-FFF2-40B4-BE49-F238E27FC236}">
+                <a16:creationId xmlns:a16="http://schemas.microsoft.com/office/drawing/2014/main" id="{91492C7F-72FE-9F60-3227-56EE0FA034FD}"/>
+              </a:ext>
+            </a:extLst>
+          </p:cNvPr>
+          <p:cNvPicPr>
+            <a:picLocks noChangeAspect="1"/>
+          </p:cNvPicPr>
+          <p:nvPr/>
+        </p:nvPicPr>
+        <p:blipFill>
+          <a:blip r:embed="rId3">
+            <a:extLst>
+              <a:ext uri="{28A0092B-C50C-407E-A947-70E740481C1C}">
+                <a14:useLocalDpi xmlns:a14="http://schemas.microsoft.com/office/drawing/2010/main" val="0"/>
+              </a:ext>
+            </a:extLst>
+          </a:blip>
+          <a:stretch>
+            <a:fillRect/>
+          </a:stretch>
+        </p:blipFill>
+        <p:spPr>
+          <a:xfrm>
+            <a:off x="3674827" y="4699913"/>
+            <a:ext cx="5997073" cy="2158087"/>
+          </a:xfrm>
+          <a:prstGeom prst="rect">
+            <a:avLst/>
+          </a:prstGeom>
+        </p:spPr>
+      </p:pic>
+      <p:sp>
+        <p:nvSpPr>
+          <p:cNvPr id="11" name="文字方塊 10">
+            <a:extLst>
+              <a:ext uri="{FF2B5EF4-FFF2-40B4-BE49-F238E27FC236}">
+                <a16:creationId xmlns:a16="http://schemas.microsoft.com/office/drawing/2014/main" id="{794EABD1-B099-5459-E6AB-259FDE1EB101}"/>
+              </a:ext>
+            </a:extLst>
+          </p:cNvPr>
+          <p:cNvSpPr txBox="1"/>
+          <p:nvPr/>
+        </p:nvSpPr>
+        <p:spPr>
+          <a:xfrm>
+            <a:off x="1272619" y="4967926"/>
+            <a:ext cx="1989055" cy="923330"/>
+          </a:xfrm>
+          <a:prstGeom prst="rect">
+            <a:avLst/>
+          </a:prstGeom>
+          <a:noFill/>
+        </p:spPr>
+        <p:txBody>
+          <a:bodyPr wrap="square" rtlCol="0">
+            <a:spAutoFit/>
+          </a:bodyPr>
+          <a:lstStyle/>
+          <a:p>
+            <a:r>
+              <a:rPr lang="zh-TW" altLang="en-US" dirty="0"/>
+              <a:t>右方解釋公式中各個代號代表什麼意思</a:t>
+            </a:r>
+          </a:p>
+        </p:txBody>
+      </p:sp>
     </p:spTree>
     <p:extLst>
       <p:ext uri="{BB962C8B-B14F-4D97-AF65-F5344CB8AC3E}">
-        <p14:creationId xmlns:p14="http://schemas.microsoft.com/office/powerpoint/2010/main" val="4153074552"/>
+        <p14:creationId xmlns:p14="http://schemas.microsoft.com/office/powerpoint/2010/main" val="3702860114"/>
       </p:ext>
     </p:extLst>
   </p:cSld>
@@ -15779,7 +14902,7 @@
 </p:sld>
 </file>
 
-<file path=ppt/slides/slide6.xml><?xml version="1.0" encoding="utf-8"?>
+<file path=ppt/slides/slide5.xml><?xml version="1.0" encoding="utf-8"?>
 <p:sld xmlns:a="http://schemas.openxmlformats.org/drawingml/2006/main" xmlns:r="http://schemas.openxmlformats.org/officeDocument/2006/relationships" xmlns:p="http://schemas.openxmlformats.org/presentationml/2006/main">
   <p:cSld>
     <p:spTree>
@@ -15925,10 +15048,10 @@
       </p:sp>
       <p:pic>
         <p:nvPicPr>
-          <p:cNvPr id="6" name="圖片 5">
+          <p:cNvPr id="5" name="圖片 4">
             <a:extLst>
               <a:ext uri="{FF2B5EF4-FFF2-40B4-BE49-F238E27FC236}">
-                <a16:creationId xmlns:a16="http://schemas.microsoft.com/office/drawing/2014/main" id="{72B0BA3B-A46C-BC5F-2C84-0EC54D4B845E}"/>
+                <a16:creationId xmlns:a16="http://schemas.microsoft.com/office/drawing/2014/main" id="{231799C8-2BE5-3DFF-29AB-199693F60DEB}"/>
               </a:ext>
             </a:extLst>
           </p:cNvPr>
@@ -15951,8 +15074,8 @@
         </p:blipFill>
         <p:spPr>
           <a:xfrm>
-            <a:off x="2080452" y="3996065"/>
-            <a:ext cx="7713025" cy="858737"/>
+            <a:off x="1741087" y="3731681"/>
+            <a:ext cx="8139680" cy="1254268"/>
           </a:xfrm>
           <a:prstGeom prst="rect">
             <a:avLst/>
@@ -15969,6 +15092,443 @@
   <p:clrMapOvr>
     <a:masterClrMapping/>
   </p:clrMapOvr>
+</p:sld>
+</file>
+
+<file path=ppt/slides/slide6.xml><?xml version="1.0" encoding="utf-8"?>
+<p:sld xmlns:a="http://schemas.openxmlformats.org/drawingml/2006/main" xmlns:r="http://schemas.openxmlformats.org/officeDocument/2006/relationships" xmlns:p="http://schemas.openxmlformats.org/presentationml/2006/main">
+  <p:cSld>
+    <p:spTree>
+      <p:nvGrpSpPr>
+        <p:cNvPr id="1" name=""/>
+        <p:cNvGrpSpPr/>
+        <p:nvPr/>
+      </p:nvGrpSpPr>
+      <p:grpSpPr>
+        <a:xfrm>
+          <a:off x="0" y="0"/>
+          <a:ext cx="0" cy="0"/>
+          <a:chOff x="0" y="0"/>
+          <a:chExt cx="0" cy="0"/>
+        </a:xfrm>
+      </p:grpSpPr>
+      <p:sp>
+        <p:nvSpPr>
+          <p:cNvPr id="176" name="標題 1"/>
+          <p:cNvSpPr txBox="1"/>
+          <p:nvPr/>
+        </p:nvSpPr>
+        <p:spPr>
+          <a:xfrm>
+            <a:off x="2231280" y="120600"/>
+            <a:ext cx="7729200" cy="767160"/>
+          </a:xfrm>
+          <a:prstGeom prst="rect">
+            <a:avLst/>
+          </a:prstGeom>
+          <a:solidFill>
+            <a:srgbClr val="FFFFFF"/>
+          </a:solidFill>
+          <a:ln w="31680" cap="sq">
+            <a:solidFill>
+              <a:srgbClr val="404040"/>
+            </a:solidFill>
+            <a:miter/>
+          </a:ln>
+        </p:spPr>
+        <p:txBody>
+          <a:bodyPr lIns="182880" tIns="182880" rIns="182880" bIns="182880" anchor="ctr">
+            <a:noAutofit/>
+          </a:bodyPr>
+          <a:lstStyle/>
+          <a:p>
+            <a:pPr algn="ctr">
+              <a:lnSpc>
+                <a:spcPct val="90000"/>
+              </a:lnSpc>
+            </a:pPr>
+            <a:r>
+              <a:rPr lang="en-US" altLang="zh-TW" sz="2800" b="0" strike="noStrike" spc="199" dirty="0">
+                <a:solidFill>
+                  <a:srgbClr val="000000"/>
+                </a:solidFill>
+                <a:latin typeface="Calibri"/>
+                <a:ea typeface="新細明體"/>
+              </a:rPr>
+              <a:t>AQI</a:t>
+            </a:r>
+            <a:r>
+              <a:rPr lang="zh-TW" altLang="en-US" sz="2800" b="0" strike="noStrike" spc="199" dirty="0">
+                <a:solidFill>
+                  <a:srgbClr val="000000"/>
+                </a:solidFill>
+                <a:latin typeface="Calibri"/>
+                <a:ea typeface="新細明體"/>
+              </a:rPr>
+              <a:t> 算法介紹</a:t>
+            </a:r>
+            <a:endParaRPr lang="en-US" sz="2800" b="0" strike="noStrike" spc="-1" dirty="0">
+              <a:solidFill>
+                <a:srgbClr val="000000"/>
+              </a:solidFill>
+              <a:latin typeface="Gill Sans MT"/>
+            </a:endParaRPr>
+          </a:p>
+        </p:txBody>
+      </p:sp>
+      <p:sp>
+        <p:nvSpPr>
+          <p:cNvPr id="18" name="標題 1">
+            <a:extLst>
+              <a:ext uri="{FF2B5EF4-FFF2-40B4-BE49-F238E27FC236}">
+                <a16:creationId xmlns:a16="http://schemas.microsoft.com/office/drawing/2014/main" id="{EB9E4428-6C69-49E6-947A-07478126B13D}"/>
+              </a:ext>
+            </a:extLst>
+          </p:cNvPr>
+          <p:cNvSpPr txBox="1"/>
+          <p:nvPr/>
+        </p:nvSpPr>
+        <p:spPr>
+          <a:xfrm>
+            <a:off x="3559945" y="1328784"/>
+            <a:ext cx="1020932" cy="437872"/>
+          </a:xfrm>
+          <a:prstGeom prst="rect">
+            <a:avLst/>
+          </a:prstGeom>
+          <a:solidFill>
+            <a:srgbClr val="FFFFFF"/>
+          </a:solidFill>
+          <a:ln w="31680" cap="sq">
+            <a:solidFill>
+              <a:srgbClr val="404040"/>
+            </a:solidFill>
+            <a:miter/>
+          </a:ln>
+        </p:spPr>
+        <p:txBody>
+          <a:bodyPr lIns="182880" tIns="182880" rIns="182880" bIns="182880" anchor="ctr">
+            <a:noAutofit/>
+          </a:bodyPr>
+          <a:lstStyle/>
+          <a:p>
+            <a:pPr algn="ctr">
+              <a:lnSpc>
+                <a:spcPct val="90000"/>
+              </a:lnSpc>
+            </a:pPr>
+            <a:r>
+              <a:rPr lang="zh-TW" altLang="en-US" sz="1400" b="0" strike="noStrike" cap="all" spc="199" dirty="0">
+                <a:solidFill>
+                  <a:srgbClr val="262626"/>
+                </a:solidFill>
+                <a:latin typeface="Gill Sans MT"/>
+              </a:rPr>
+              <a:t>測</a:t>
+            </a:r>
+            <a:r>
+              <a:rPr lang="zh-TW" altLang="en-US" sz="1400" b="0" cap="all" spc="199" dirty="0">
+                <a:solidFill>
+                  <a:srgbClr val="262626"/>
+                </a:solidFill>
+                <a:latin typeface="Gill Sans MT"/>
+              </a:rPr>
+              <a:t>汙</a:t>
+            </a:r>
+            <a:r>
+              <a:rPr lang="zh-TW" altLang="en-US" sz="1400" b="0" strike="noStrike" cap="all" spc="199" dirty="0">
+                <a:solidFill>
+                  <a:srgbClr val="262626"/>
+                </a:solidFill>
+                <a:latin typeface="Gill Sans MT"/>
+              </a:rPr>
+              <a:t>染物濃度</a:t>
+            </a:r>
+            <a:endParaRPr lang="en-US" sz="1400" b="0" strike="noStrike" spc="-1" dirty="0">
+              <a:solidFill>
+                <a:srgbClr val="000000"/>
+              </a:solidFill>
+              <a:latin typeface="Gill Sans MT"/>
+            </a:endParaRPr>
+          </a:p>
+        </p:txBody>
+      </p:sp>
+      <p:sp>
+        <p:nvSpPr>
+          <p:cNvPr id="19" name="直線單箭頭接點 17">
+            <a:extLst>
+              <a:ext uri="{FF2B5EF4-FFF2-40B4-BE49-F238E27FC236}">
+                <a16:creationId xmlns:a16="http://schemas.microsoft.com/office/drawing/2014/main" id="{24ECC1EA-19E7-4C44-BC33-14CDCD6B2724}"/>
+              </a:ext>
+            </a:extLst>
+          </p:cNvPr>
+          <p:cNvSpPr/>
+          <p:nvPr/>
+        </p:nvSpPr>
+        <p:spPr>
+          <a:xfrm>
+            <a:off x="4725904" y="1576278"/>
+            <a:ext cx="503043" cy="0"/>
+          </a:xfrm>
+          <a:custGeom>
+            <a:avLst/>
+            <a:gdLst/>
+            <a:ahLst/>
+            <a:cxnLst/>
+            <a:rect l="l" t="t" r="r" b="b"/>
+            <a:pathLst>
+              <a:path w="21600" h="21600">
+                <a:moveTo>
+                  <a:pt x="0" y="0"/>
+                </a:moveTo>
+                <a:lnTo>
+                  <a:pt x="21600" y="21600"/>
+                </a:lnTo>
+              </a:path>
+            </a:pathLst>
+          </a:custGeom>
+          <a:noFill/>
+          <a:ln>
+            <a:solidFill>
+              <a:srgbClr val="000000"/>
+            </a:solidFill>
+            <a:round/>
+            <a:tailEnd type="triangle" w="med" len="med"/>
+          </a:ln>
+        </p:spPr>
+        <p:style>
+          <a:lnRef idx="3">
+            <a:schemeClr val="dk1"/>
+          </a:lnRef>
+          <a:fillRef idx="0">
+            <a:schemeClr val="dk1"/>
+          </a:fillRef>
+          <a:effectRef idx="2">
+            <a:schemeClr val="dk1"/>
+          </a:effectRef>
+          <a:fontRef idx="minor"/>
+        </p:style>
+      </p:sp>
+      <p:sp>
+        <p:nvSpPr>
+          <p:cNvPr id="20" name="標題 1">
+            <a:extLst>
+              <a:ext uri="{FF2B5EF4-FFF2-40B4-BE49-F238E27FC236}">
+                <a16:creationId xmlns:a16="http://schemas.microsoft.com/office/drawing/2014/main" id="{3EB6C58E-82E5-46EB-8FF3-4209A3A2436C}"/>
+              </a:ext>
+            </a:extLst>
+          </p:cNvPr>
+          <p:cNvSpPr txBox="1"/>
+          <p:nvPr/>
+        </p:nvSpPr>
+        <p:spPr>
+          <a:xfrm>
+            <a:off x="5344191" y="1328784"/>
+            <a:ext cx="1287427" cy="437872"/>
+          </a:xfrm>
+          <a:prstGeom prst="rect">
+            <a:avLst/>
+          </a:prstGeom>
+          <a:solidFill>
+            <a:srgbClr val="FFFFFF"/>
+          </a:solidFill>
+          <a:ln w="31680" cap="sq">
+            <a:solidFill>
+              <a:srgbClr val="404040"/>
+            </a:solidFill>
+            <a:miter/>
+          </a:ln>
+        </p:spPr>
+        <p:txBody>
+          <a:bodyPr lIns="182880" tIns="182880" rIns="182880" bIns="182880" anchor="ctr">
+            <a:noAutofit/>
+          </a:bodyPr>
+          <a:lstStyle/>
+          <a:p>
+            <a:pPr algn="ctr">
+              <a:lnSpc>
+                <a:spcPct val="90000"/>
+              </a:lnSpc>
+            </a:pPr>
+            <a:r>
+              <a:rPr lang="zh-TW" altLang="en-US" sz="1400" b="0" strike="noStrike" cap="all" spc="199" dirty="0">
+                <a:solidFill>
+                  <a:srgbClr val="262626"/>
+                </a:solidFill>
+                <a:latin typeface="Gill Sans MT"/>
+              </a:rPr>
+              <a:t>轉成指標</a:t>
+            </a:r>
+            <a:endParaRPr lang="en-US" sz="1400" b="0" strike="noStrike" spc="-1" dirty="0">
+              <a:solidFill>
+                <a:srgbClr val="000000"/>
+              </a:solidFill>
+              <a:latin typeface="Gill Sans MT"/>
+            </a:endParaRPr>
+          </a:p>
+        </p:txBody>
+      </p:sp>
+      <p:sp>
+        <p:nvSpPr>
+          <p:cNvPr id="21" name="直線單箭頭接點 17">
+            <a:extLst>
+              <a:ext uri="{FF2B5EF4-FFF2-40B4-BE49-F238E27FC236}">
+                <a16:creationId xmlns:a16="http://schemas.microsoft.com/office/drawing/2014/main" id="{DBBEBD5A-716C-4609-B989-49D065C60D3D}"/>
+              </a:ext>
+            </a:extLst>
+          </p:cNvPr>
+          <p:cNvSpPr/>
+          <p:nvPr/>
+        </p:nvSpPr>
+        <p:spPr>
+          <a:xfrm>
+            <a:off x="6794401" y="1576278"/>
+            <a:ext cx="503043" cy="0"/>
+          </a:xfrm>
+          <a:custGeom>
+            <a:avLst/>
+            <a:gdLst/>
+            <a:ahLst/>
+            <a:cxnLst/>
+            <a:rect l="l" t="t" r="r" b="b"/>
+            <a:pathLst>
+              <a:path w="21600" h="21600">
+                <a:moveTo>
+                  <a:pt x="0" y="0"/>
+                </a:moveTo>
+                <a:lnTo>
+                  <a:pt x="21600" y="21600"/>
+                </a:lnTo>
+              </a:path>
+            </a:pathLst>
+          </a:custGeom>
+          <a:noFill/>
+          <a:ln>
+            <a:solidFill>
+              <a:srgbClr val="000000"/>
+            </a:solidFill>
+            <a:round/>
+            <a:tailEnd type="triangle" w="med" len="med"/>
+          </a:ln>
+        </p:spPr>
+        <p:style>
+          <a:lnRef idx="3">
+            <a:schemeClr val="dk1"/>
+          </a:lnRef>
+          <a:fillRef idx="0">
+            <a:schemeClr val="dk1"/>
+          </a:fillRef>
+          <a:effectRef idx="2">
+            <a:schemeClr val="dk1"/>
+          </a:effectRef>
+          <a:fontRef idx="minor"/>
+        </p:style>
+      </p:sp>
+      <p:sp>
+        <p:nvSpPr>
+          <p:cNvPr id="22" name="標題 1">
+            <a:extLst>
+              <a:ext uri="{FF2B5EF4-FFF2-40B4-BE49-F238E27FC236}">
+                <a16:creationId xmlns:a16="http://schemas.microsoft.com/office/drawing/2014/main" id="{C9EC782B-F481-4BCC-B3F1-8FD149CA4E51}"/>
+              </a:ext>
+            </a:extLst>
+          </p:cNvPr>
+          <p:cNvSpPr txBox="1"/>
+          <p:nvPr/>
+        </p:nvSpPr>
+        <p:spPr>
+          <a:xfrm>
+            <a:off x="7394932" y="1328784"/>
+            <a:ext cx="1287427" cy="437872"/>
+          </a:xfrm>
+          <a:prstGeom prst="rect">
+            <a:avLst/>
+          </a:prstGeom>
+          <a:solidFill>
+            <a:srgbClr val="FFFFFF"/>
+          </a:solidFill>
+          <a:ln w="31680" cap="sq">
+            <a:solidFill>
+              <a:srgbClr val="404040"/>
+            </a:solidFill>
+            <a:miter/>
+          </a:ln>
+        </p:spPr>
+        <p:txBody>
+          <a:bodyPr lIns="182880" tIns="182880" rIns="182880" bIns="182880" anchor="ctr">
+            <a:noAutofit/>
+          </a:bodyPr>
+          <a:lstStyle/>
+          <a:p>
+            <a:pPr algn="ctr">
+              <a:lnSpc>
+                <a:spcPct val="90000"/>
+              </a:lnSpc>
+            </a:pPr>
+            <a:r>
+              <a:rPr lang="zh-TW" altLang="en-US" sz="1400" b="0" strike="noStrike" cap="all" spc="199" dirty="0">
+                <a:solidFill>
+                  <a:srgbClr val="262626"/>
+                </a:solidFill>
+                <a:latin typeface="Gill Sans MT"/>
+              </a:rPr>
+              <a:t>取最大值當</a:t>
+            </a:r>
+            <a:r>
+              <a:rPr lang="en-US" altLang="zh-TW" sz="1400" b="0" strike="noStrike" cap="all" spc="199" dirty="0">
+                <a:solidFill>
+                  <a:srgbClr val="262626"/>
+                </a:solidFill>
+                <a:latin typeface="Gill Sans MT"/>
+              </a:rPr>
+              <a:t>AQI</a:t>
+            </a:r>
+            <a:endParaRPr lang="en-US" sz="1400" b="0" strike="noStrike" spc="-1" dirty="0">
+              <a:solidFill>
+                <a:srgbClr val="000000"/>
+              </a:solidFill>
+              <a:latin typeface="Gill Sans MT"/>
+            </a:endParaRPr>
+          </a:p>
+        </p:txBody>
+      </p:sp>
+      <p:pic>
+        <p:nvPicPr>
+          <p:cNvPr id="3" name="圖片 2">
+            <a:extLst>
+              <a:ext uri="{FF2B5EF4-FFF2-40B4-BE49-F238E27FC236}">
+                <a16:creationId xmlns:a16="http://schemas.microsoft.com/office/drawing/2014/main" id="{C961F1EA-A27C-4057-B76C-E1F3F241B0B4}"/>
+              </a:ext>
+            </a:extLst>
+          </p:cNvPr>
+          <p:cNvPicPr>
+            <a:picLocks noChangeAspect="1"/>
+          </p:cNvPicPr>
+          <p:nvPr/>
+        </p:nvPicPr>
+        <p:blipFill rotWithShape="1">
+          <a:blip r:embed="rId3"/>
+          <a:srcRect l="14127" t="10485" r="15582" b="6408"/>
+          <a:stretch/>
+        </p:blipFill>
+        <p:spPr>
+          <a:xfrm>
+            <a:off x="2439892" y="1899493"/>
+            <a:ext cx="7312215" cy="4863027"/>
+          </a:xfrm>
+          <a:prstGeom prst="rect">
+            <a:avLst/>
+          </a:prstGeom>
+        </p:spPr>
+      </p:pic>
+    </p:spTree>
+  </p:cSld>
+  <p:clrMapOvr>
+    <a:masterClrMapping/>
+  </p:clrMapOvr>
+  <p:transition spd="slow">
+    <p:wipe/>
+  </p:transition>
 </p:sld>
 </file>
 
@@ -16025,26 +15585,16 @@
               </a:lnSpc>
             </a:pPr>
             <a:r>
-              <a:rPr lang="en-US" altLang="zh-TW" sz="2800" b="0" strike="noStrike" spc="199" dirty="0">
+              <a:rPr lang="en-US" sz="2800" b="0" strike="noStrike" spc="199">
                 <a:solidFill>
                   <a:srgbClr val="000000"/>
                 </a:solidFill>
                 <a:latin typeface="Calibri"/>
                 <a:ea typeface="新細明體"/>
               </a:rPr>
-              <a:t>AQI</a:t>
-            </a:r>
-            <a:r>
-              <a:rPr lang="zh-TW" altLang="en-US" sz="2800" b="0" strike="noStrike" spc="199" dirty="0">
-                <a:solidFill>
-                  <a:srgbClr val="000000"/>
-                </a:solidFill>
-                <a:latin typeface="Calibri"/>
-                <a:ea typeface="新細明體"/>
-              </a:rPr>
-              <a:t> 算法介紹</a:t>
-            </a:r>
-            <a:endParaRPr lang="en-US" sz="2800" b="0" strike="noStrike" spc="-1" dirty="0">
+              <a:t>Kafka</a:t>
+            </a:r>
+            <a:endParaRPr lang="en-US" sz="2800" b="0" strike="noStrike" spc="-1">
               <a:solidFill>
                 <a:srgbClr val="000000"/>
               </a:solidFill>
@@ -16055,97 +15605,409 @@
       </p:sp>
       <p:sp>
         <p:nvSpPr>
-          <p:cNvPr id="18" name="標題 1">
-            <a:extLst>
-              <a:ext uri="{FF2B5EF4-FFF2-40B4-BE49-F238E27FC236}">
-                <a16:creationId xmlns:a16="http://schemas.microsoft.com/office/drawing/2014/main" id="{EB9E4428-6C69-49E6-947A-07478126B13D}"/>
-              </a:ext>
-            </a:extLst>
-          </p:cNvPr>
-          <p:cNvSpPr txBox="1"/>
+          <p:cNvPr id="177" name="文字方塊 4"/>
+          <p:cNvSpPr/>
           <p:nvPr/>
         </p:nvSpPr>
         <p:spPr>
           <a:xfrm>
-            <a:off x="3559945" y="1328784"/>
-            <a:ext cx="1020932" cy="437872"/>
+            <a:off x="3047400" y="993600"/>
+            <a:ext cx="6096960" cy="364680"/>
           </a:xfrm>
           <a:prstGeom prst="rect">
             <a:avLst/>
           </a:prstGeom>
-          <a:solidFill>
-            <a:srgbClr val="FFFFFF"/>
-          </a:solidFill>
-          <a:ln w="31680" cap="sq">
-            <a:solidFill>
-              <a:srgbClr val="404040"/>
-            </a:solidFill>
-            <a:miter/>
+          <a:noFill/>
+          <a:ln w="0">
+            <a:noFill/>
           </a:ln>
         </p:spPr>
+        <p:style>
+          <a:lnRef idx="0">
+            <a:scrgbClr r="0" g="0" b="0"/>
+          </a:lnRef>
+          <a:fillRef idx="0">
+            <a:scrgbClr r="0" g="0" b="0"/>
+          </a:fillRef>
+          <a:effectRef idx="0">
+            <a:scrgbClr r="0" g="0" b="0"/>
+          </a:effectRef>
+          <a:fontRef idx="minor"/>
+        </p:style>
         <p:txBody>
-          <a:bodyPr lIns="182880" tIns="182880" rIns="182880" bIns="182880" anchor="ctr">
-            <a:noAutofit/>
+          <a:bodyPr lIns="90000" tIns="45000" rIns="90000" bIns="45000">
+            <a:spAutoFit/>
           </a:bodyPr>
           <a:lstStyle/>
           <a:p>
-            <a:pPr algn="ctr">
+            <a:pPr>
               <a:lnSpc>
-                <a:spcPct val="90000"/>
+                <a:spcPct val="100000"/>
               </a:lnSpc>
             </a:pPr>
             <a:r>
-              <a:rPr lang="zh-TW" altLang="en-US" sz="1400" b="0" strike="noStrike" cap="all" spc="199" dirty="0">
-                <a:solidFill>
-                  <a:srgbClr val="262626"/>
-                </a:solidFill>
-                <a:latin typeface="Gill Sans MT"/>
-              </a:rPr>
-              <a:t>測</a:t>
-            </a:r>
-            <a:r>
-              <a:rPr lang="zh-TW" altLang="en-US" sz="1400" b="0" cap="all" spc="199" dirty="0">
-                <a:solidFill>
-                  <a:srgbClr val="262626"/>
-                </a:solidFill>
-                <a:latin typeface="Gill Sans MT"/>
-              </a:rPr>
-              <a:t>汙</a:t>
-            </a:r>
-            <a:r>
-              <a:rPr lang="zh-TW" altLang="en-US" sz="1400" b="0" strike="noStrike" cap="all" spc="199" dirty="0">
-                <a:solidFill>
-                  <a:srgbClr val="262626"/>
-                </a:solidFill>
-                <a:latin typeface="Gill Sans MT"/>
-              </a:rPr>
-              <a:t>染物濃度</a:t>
-            </a:r>
-            <a:endParaRPr lang="en-US" sz="1400" b="0" strike="noStrike" spc="-1" dirty="0">
-              <a:solidFill>
-                <a:srgbClr val="000000"/>
-              </a:solidFill>
-              <a:latin typeface="Gill Sans MT"/>
+              <a:rPr lang="en-US" sz="1800" b="0" strike="noStrike" spc="-1">
+                <a:solidFill>
+                  <a:srgbClr val="000000"/>
+                </a:solidFill>
+                <a:latin typeface="Calibri"/>
+                <a:ea typeface="新細明體"/>
+              </a:rPr>
+              <a:t>Kafka</a:t>
+            </a:r>
+            <a:r>
+              <a:rPr lang="zh-TW" sz="1800" b="0" strike="noStrike" spc="-1">
+                <a:solidFill>
+                  <a:srgbClr val="000000"/>
+                </a:solidFill>
+                <a:latin typeface="Calibri"/>
+                <a:ea typeface="新細明體"/>
+              </a:rPr>
+              <a:t>是一種開源的分散式串流處理平台和訊息佇列系統</a:t>
+            </a:r>
+            <a:endParaRPr lang="en-US" sz="1800" b="0" strike="noStrike" spc="-1">
+              <a:latin typeface="Arial"/>
             </a:endParaRPr>
           </a:p>
         </p:txBody>
       </p:sp>
       <p:sp>
         <p:nvSpPr>
-          <p:cNvPr id="19" name="直線單箭頭接點 17">
-            <a:extLst>
-              <a:ext uri="{FF2B5EF4-FFF2-40B4-BE49-F238E27FC236}">
-                <a16:creationId xmlns:a16="http://schemas.microsoft.com/office/drawing/2014/main" id="{24ECC1EA-19E7-4C44-BC33-14CDCD6B2724}"/>
-              </a:ext>
-            </a:extLst>
-          </p:cNvPr>
+          <p:cNvPr id="178" name="橢圓 6"/>
           <p:cNvSpPr/>
           <p:nvPr/>
         </p:nvSpPr>
         <p:spPr>
           <a:xfrm>
-            <a:off x="4725904" y="1576278"/>
-            <a:ext cx="503043" cy="0"/>
+            <a:off x="87840" y="2004480"/>
+            <a:ext cx="1670040" cy="922680"/>
+          </a:xfrm>
+          <a:prstGeom prst="ellipse">
+            <a:avLst/>
+          </a:prstGeom>
+          <a:solidFill>
+            <a:srgbClr val="FF0000"/>
+          </a:solidFill>
+          <a:ln>
+            <a:solidFill>
+              <a:srgbClr val="6B470C"/>
+            </a:solidFill>
+            <a:round/>
+          </a:ln>
+        </p:spPr>
+        <p:style>
+          <a:lnRef idx="2">
+            <a:schemeClr val="accent1">
+              <a:shade val="15000"/>
+            </a:schemeClr>
+          </a:lnRef>
+          <a:fillRef idx="1">
+            <a:schemeClr val="accent1"/>
+          </a:fillRef>
+          <a:effectRef idx="0">
+            <a:schemeClr val="accent1"/>
+          </a:effectRef>
+          <a:fontRef idx="minor"/>
+        </p:style>
+        <p:txBody>
+          <a:bodyPr lIns="90000" tIns="45000" rIns="90000" bIns="45000" anchor="ctr">
+            <a:noAutofit/>
+          </a:bodyPr>
+          <a:lstStyle/>
+          <a:p>
+            <a:pPr algn="ctr">
+              <a:lnSpc>
+                <a:spcPct val="100000"/>
+              </a:lnSpc>
+            </a:pPr>
+            <a:r>
+              <a:rPr lang="en-US" sz="1800" b="0" strike="noStrike" spc="-1" dirty="0">
+                <a:solidFill>
+                  <a:srgbClr val="FFFFFF"/>
+                </a:solidFill>
+                <a:latin typeface="Gill Sans MT"/>
+              </a:rPr>
+              <a:t>Producer 0</a:t>
+            </a:r>
+            <a:endParaRPr lang="en-US" sz="1800" b="0" strike="noStrike" spc="-1" dirty="0">
+              <a:latin typeface="Arial"/>
+            </a:endParaRPr>
+          </a:p>
+        </p:txBody>
+      </p:sp>
+      <p:sp>
+        <p:nvSpPr>
+          <p:cNvPr id="179" name="橢圓 7"/>
+          <p:cNvSpPr/>
+          <p:nvPr/>
+        </p:nvSpPr>
+        <p:spPr>
+          <a:xfrm>
+            <a:off x="87840" y="4645440"/>
+            <a:ext cx="1670040" cy="922680"/>
+          </a:xfrm>
+          <a:prstGeom prst="ellipse">
+            <a:avLst/>
+          </a:prstGeom>
+          <a:solidFill>
+            <a:srgbClr val="00B0F0"/>
+          </a:solidFill>
+          <a:ln>
+            <a:solidFill>
+              <a:srgbClr val="6B470C"/>
+            </a:solidFill>
+            <a:round/>
+          </a:ln>
+        </p:spPr>
+        <p:style>
+          <a:lnRef idx="2">
+            <a:schemeClr val="accent1">
+              <a:shade val="15000"/>
+            </a:schemeClr>
+          </a:lnRef>
+          <a:fillRef idx="1">
+            <a:schemeClr val="accent1"/>
+          </a:fillRef>
+          <a:effectRef idx="0">
+            <a:schemeClr val="accent1"/>
+          </a:effectRef>
+          <a:fontRef idx="minor"/>
+        </p:style>
+        <p:txBody>
+          <a:bodyPr lIns="90000" tIns="45000" rIns="90000" bIns="45000" anchor="ctr">
+            <a:noAutofit/>
+          </a:bodyPr>
+          <a:lstStyle/>
+          <a:p>
+            <a:pPr algn="ctr">
+              <a:lnSpc>
+                <a:spcPct val="100000"/>
+              </a:lnSpc>
+            </a:pPr>
+            <a:r>
+              <a:rPr lang="en-US" sz="1800" b="0" strike="noStrike" spc="-1" dirty="0">
+                <a:solidFill>
+                  <a:srgbClr val="FFFFFF"/>
+                </a:solidFill>
+                <a:latin typeface="Gill Sans MT"/>
+              </a:rPr>
+              <a:t>Producer 1</a:t>
+            </a:r>
+            <a:endParaRPr lang="en-US" sz="1800" b="0" strike="noStrike" spc="-1" dirty="0">
+              <a:latin typeface="Arial"/>
+            </a:endParaRPr>
+          </a:p>
+        </p:txBody>
+      </p:sp>
+      <p:sp>
+        <p:nvSpPr>
+          <p:cNvPr id="180" name="矩形 10"/>
+          <p:cNvSpPr/>
+          <p:nvPr/>
+        </p:nvSpPr>
+        <p:spPr>
+          <a:xfrm>
+            <a:off x="2673000" y="3344400"/>
+            <a:ext cx="1977840" cy="917640"/>
+          </a:xfrm>
+          <a:prstGeom prst="rect">
+            <a:avLst/>
+          </a:prstGeom>
+          <a:solidFill>
+            <a:schemeClr val="tx2">
+              <a:lumMod val="60000"/>
+              <a:lumOff val="40000"/>
+            </a:schemeClr>
+          </a:solidFill>
+          <a:ln>
+            <a:solidFill>
+              <a:srgbClr val="6B470C"/>
+            </a:solidFill>
+            <a:round/>
+          </a:ln>
+        </p:spPr>
+        <p:style>
+          <a:lnRef idx="2">
+            <a:schemeClr val="accent1">
+              <a:shade val="15000"/>
+            </a:schemeClr>
+          </a:lnRef>
+          <a:fillRef idx="1">
+            <a:schemeClr val="accent1"/>
+          </a:fillRef>
+          <a:effectRef idx="0">
+            <a:schemeClr val="accent1"/>
+          </a:effectRef>
+          <a:fontRef idx="minor"/>
+        </p:style>
+        <p:txBody>
+          <a:bodyPr lIns="90000" tIns="45000" rIns="90000" bIns="45000" anchor="ctr">
+            <a:noAutofit/>
+          </a:bodyPr>
+          <a:lstStyle/>
+          <a:p>
+            <a:pPr algn="ctr">
+              <a:lnSpc>
+                <a:spcPct val="100000"/>
+              </a:lnSpc>
+            </a:pPr>
+            <a:r>
+              <a:rPr lang="en-US" sz="1800" b="0" strike="noStrike" spc="-1" dirty="0">
+                <a:solidFill>
+                  <a:srgbClr val="FFFFFF"/>
+                </a:solidFill>
+                <a:latin typeface="標楷體"/>
+                <a:ea typeface="標楷體"/>
+              </a:rPr>
+              <a:t>Kafka cluster</a:t>
+            </a:r>
+            <a:endParaRPr lang="en-US" sz="1800" b="0" strike="noStrike" spc="-1" dirty="0">
+              <a:latin typeface="Arial"/>
+            </a:endParaRPr>
+          </a:p>
+        </p:txBody>
+      </p:sp>
+      <p:sp>
+        <p:nvSpPr>
+          <p:cNvPr id="181" name="橢圓 13"/>
+          <p:cNvSpPr/>
+          <p:nvPr/>
+        </p:nvSpPr>
+        <p:spPr>
+          <a:xfrm>
+            <a:off x="5178600" y="2016360"/>
+            <a:ext cx="1834200" cy="922680"/>
+          </a:xfrm>
+          <a:prstGeom prst="ellipse">
+            <a:avLst/>
+          </a:prstGeom>
+          <a:solidFill>
+            <a:srgbClr val="00B050"/>
+          </a:solidFill>
+          <a:ln>
+            <a:solidFill>
+              <a:srgbClr val="6B470C"/>
+            </a:solidFill>
+            <a:round/>
+          </a:ln>
+        </p:spPr>
+        <p:style>
+          <a:lnRef idx="2">
+            <a:schemeClr val="accent1">
+              <a:shade val="15000"/>
+            </a:schemeClr>
+          </a:lnRef>
+          <a:fillRef idx="1">
+            <a:schemeClr val="accent1"/>
+          </a:fillRef>
+          <a:effectRef idx="0">
+            <a:schemeClr val="accent1"/>
+          </a:effectRef>
+          <a:fontRef idx="minor"/>
+        </p:style>
+        <p:txBody>
+          <a:bodyPr lIns="90000" tIns="45000" rIns="90000" bIns="45000" anchor="ctr">
+            <a:noAutofit/>
+          </a:bodyPr>
+          <a:lstStyle/>
+          <a:p>
+            <a:pPr algn="ctr">
+              <a:lnSpc>
+                <a:spcPct val="100000"/>
+              </a:lnSpc>
+            </a:pPr>
+            <a:r>
+              <a:rPr lang="en-US" sz="1800" b="0" strike="noStrike" spc="-1" dirty="0">
+                <a:solidFill>
+                  <a:srgbClr val="FFFFFF"/>
+                </a:solidFill>
+                <a:latin typeface="Gill Sans MT"/>
+              </a:rPr>
+              <a:t>Consumer 0</a:t>
+            </a:r>
+            <a:endParaRPr lang="en-US" sz="1800" b="0" strike="noStrike" spc="-1" dirty="0">
+              <a:latin typeface="Arial"/>
+            </a:endParaRPr>
+          </a:p>
+        </p:txBody>
+      </p:sp>
+      <p:sp>
+        <p:nvSpPr>
+          <p:cNvPr id="182" name="橢圓 14"/>
+          <p:cNvSpPr/>
+          <p:nvPr/>
+        </p:nvSpPr>
+        <p:spPr>
+          <a:xfrm>
+            <a:off x="5178600" y="4648320"/>
+            <a:ext cx="1834200" cy="922680"/>
+          </a:xfrm>
+          <a:prstGeom prst="ellipse">
+            <a:avLst/>
+          </a:prstGeom>
+          <a:solidFill>
+            <a:schemeClr val="accent3">
+              <a:lumMod val="60000"/>
+              <a:lumOff val="40000"/>
+            </a:schemeClr>
+          </a:solidFill>
+          <a:ln>
+            <a:solidFill>
+              <a:srgbClr val="6B470C"/>
+            </a:solidFill>
+            <a:round/>
+          </a:ln>
+        </p:spPr>
+        <p:style>
+          <a:lnRef idx="2">
+            <a:schemeClr val="accent1">
+              <a:shade val="15000"/>
+            </a:schemeClr>
+          </a:lnRef>
+          <a:fillRef idx="1">
+            <a:schemeClr val="accent1"/>
+          </a:fillRef>
+          <a:effectRef idx="0">
+            <a:schemeClr val="accent1"/>
+          </a:effectRef>
+          <a:fontRef idx="minor"/>
+        </p:style>
+        <p:txBody>
+          <a:bodyPr lIns="90000" tIns="45000" rIns="90000" bIns="45000" anchor="ctr">
+            <a:noAutofit/>
+          </a:bodyPr>
+          <a:lstStyle/>
+          <a:p>
+            <a:pPr algn="ctr">
+              <a:lnSpc>
+                <a:spcPct val="100000"/>
+              </a:lnSpc>
+            </a:pPr>
+            <a:r>
+              <a:rPr lang="en-US" sz="1800" b="0" strike="noStrike" spc="-1" dirty="0">
+                <a:solidFill>
+                  <a:srgbClr val="FFFFFF"/>
+                </a:solidFill>
+                <a:latin typeface="Gill Sans MT"/>
+              </a:rPr>
+              <a:t>Consumer 1</a:t>
+            </a:r>
+            <a:endParaRPr lang="en-US" sz="1800" b="0" strike="noStrike" spc="-1" dirty="0">
+              <a:latin typeface="Arial"/>
+            </a:endParaRPr>
+          </a:p>
+        </p:txBody>
+      </p:sp>
+      <p:sp>
+        <p:nvSpPr>
+          <p:cNvPr id="183" name="直線單箭頭接點 17"/>
+          <p:cNvSpPr/>
+          <p:nvPr/>
+        </p:nvSpPr>
+        <p:spPr>
+          <a:xfrm>
+            <a:off x="1513800" y="2792520"/>
+            <a:ext cx="1158840" cy="766440"/>
           </a:xfrm>
           <a:custGeom>
             <a:avLst/>
@@ -16188,79 +16050,14 @@
       </p:sp>
       <p:sp>
         <p:nvSpPr>
-          <p:cNvPr id="20" name="標題 1">
-            <a:extLst>
-              <a:ext uri="{FF2B5EF4-FFF2-40B4-BE49-F238E27FC236}">
-                <a16:creationId xmlns:a16="http://schemas.microsoft.com/office/drawing/2014/main" id="{3EB6C58E-82E5-46EB-8FF3-4209A3A2436C}"/>
-              </a:ext>
-            </a:extLst>
-          </p:cNvPr>
-          <p:cNvSpPr txBox="1"/>
-          <p:nvPr/>
-        </p:nvSpPr>
-        <p:spPr>
-          <a:xfrm>
-            <a:off x="5344191" y="1328784"/>
-            <a:ext cx="1287427" cy="437872"/>
-          </a:xfrm>
-          <a:prstGeom prst="rect">
-            <a:avLst/>
-          </a:prstGeom>
-          <a:solidFill>
-            <a:srgbClr val="FFFFFF"/>
-          </a:solidFill>
-          <a:ln w="31680" cap="sq">
-            <a:solidFill>
-              <a:srgbClr val="404040"/>
-            </a:solidFill>
-            <a:miter/>
-          </a:ln>
-        </p:spPr>
-        <p:txBody>
-          <a:bodyPr lIns="182880" tIns="182880" rIns="182880" bIns="182880" anchor="ctr">
-            <a:noAutofit/>
-          </a:bodyPr>
-          <a:lstStyle/>
-          <a:p>
-            <a:pPr algn="ctr">
-              <a:lnSpc>
-                <a:spcPct val="90000"/>
-              </a:lnSpc>
-            </a:pPr>
-            <a:r>
-              <a:rPr lang="zh-TW" altLang="en-US" sz="1400" b="0" strike="noStrike" cap="all" spc="199" dirty="0">
-                <a:solidFill>
-                  <a:srgbClr val="262626"/>
-                </a:solidFill>
-                <a:latin typeface="Gill Sans MT"/>
-              </a:rPr>
-              <a:t>轉成指標</a:t>
-            </a:r>
-            <a:endParaRPr lang="en-US" sz="1400" b="0" strike="noStrike" spc="-1" dirty="0">
-              <a:solidFill>
-                <a:srgbClr val="000000"/>
-              </a:solidFill>
-              <a:latin typeface="Gill Sans MT"/>
-            </a:endParaRPr>
-          </a:p>
-        </p:txBody>
-      </p:sp>
-      <p:sp>
-        <p:nvSpPr>
-          <p:cNvPr id="21" name="直線單箭頭接點 17">
-            <a:extLst>
-              <a:ext uri="{FF2B5EF4-FFF2-40B4-BE49-F238E27FC236}">
-                <a16:creationId xmlns:a16="http://schemas.microsoft.com/office/drawing/2014/main" id="{DBBEBD5A-716C-4609-B989-49D065C60D3D}"/>
-              </a:ext>
-            </a:extLst>
-          </p:cNvPr>
+          <p:cNvPr id="184" name="直線單箭頭接點 19"/>
           <p:cNvSpPr/>
           <p:nvPr/>
         </p:nvSpPr>
         <p:spPr>
-          <a:xfrm>
-            <a:off x="6794401" y="1576278"/>
-            <a:ext cx="503043" cy="0"/>
+          <a:xfrm flipV="1">
+            <a:off x="1513800" y="4012560"/>
+            <a:ext cx="1158840" cy="766440"/>
           </a:xfrm>
           <a:custGeom>
             <a:avLst/>
@@ -16303,102 +16100,635 @@
       </p:sp>
       <p:sp>
         <p:nvSpPr>
-          <p:cNvPr id="22" name="標題 1">
-            <a:extLst>
-              <a:ext uri="{FF2B5EF4-FFF2-40B4-BE49-F238E27FC236}">
-                <a16:creationId xmlns:a16="http://schemas.microsoft.com/office/drawing/2014/main" id="{C9EC782B-F481-4BCC-B3F1-8FD149CA4E51}"/>
-              </a:ext>
-            </a:extLst>
-          </p:cNvPr>
-          <p:cNvSpPr txBox="1"/>
+          <p:cNvPr id="185" name="直線單箭頭接點 22"/>
+          <p:cNvSpPr/>
           <p:nvPr/>
         </p:nvSpPr>
         <p:spPr>
-          <a:xfrm>
-            <a:off x="7394932" y="1328784"/>
-            <a:ext cx="1287427" cy="437872"/>
-          </a:xfrm>
-          <a:prstGeom prst="rect">
-            <a:avLst/>
+          <a:xfrm flipV="1">
+            <a:off x="4651200" y="2804040"/>
+            <a:ext cx="795960" cy="754560"/>
+          </a:xfrm>
+          <a:custGeom>
+            <a:avLst/>
+            <a:gdLst/>
+            <a:ahLst/>
+            <a:cxnLst/>
+            <a:rect l="l" t="t" r="r" b="b"/>
+            <a:pathLst>
+              <a:path w="21600" h="21600">
+                <a:moveTo>
+                  <a:pt x="0" y="0"/>
+                </a:moveTo>
+                <a:lnTo>
+                  <a:pt x="21600" y="21600"/>
+                </a:lnTo>
+              </a:path>
+            </a:pathLst>
+          </a:custGeom>
+          <a:noFill/>
+          <a:ln>
+            <a:solidFill>
+              <a:srgbClr val="A0988C"/>
+            </a:solidFill>
+            <a:round/>
+            <a:tailEnd type="triangle" w="med" len="med"/>
+          </a:ln>
+        </p:spPr>
+        <p:style>
+          <a:lnRef idx="3">
+            <a:schemeClr val="accent6"/>
+          </a:lnRef>
+          <a:fillRef idx="0">
+            <a:schemeClr val="accent6"/>
+          </a:fillRef>
+          <a:effectRef idx="2">
+            <a:schemeClr val="accent6"/>
+          </a:effectRef>
+          <a:fontRef idx="minor"/>
+        </p:style>
+      </p:sp>
+      <p:sp>
+        <p:nvSpPr>
+          <p:cNvPr id="186" name="直線單箭頭接點 25"/>
+          <p:cNvSpPr/>
+          <p:nvPr/>
+        </p:nvSpPr>
+        <p:spPr>
+          <a:xfrm>
+            <a:off x="4651200" y="4028400"/>
+            <a:ext cx="795960" cy="754560"/>
+          </a:xfrm>
+          <a:custGeom>
+            <a:avLst/>
+            <a:gdLst/>
+            <a:ahLst/>
+            <a:cxnLst/>
+            <a:rect l="l" t="t" r="r" b="b"/>
+            <a:pathLst>
+              <a:path w="21600" h="21600">
+                <a:moveTo>
+                  <a:pt x="0" y="0"/>
+                </a:moveTo>
+                <a:lnTo>
+                  <a:pt x="21600" y="21600"/>
+                </a:lnTo>
+              </a:path>
+            </a:pathLst>
+          </a:custGeom>
+          <a:noFill/>
+          <a:ln>
+            <a:solidFill>
+              <a:srgbClr val="A0988C"/>
+            </a:solidFill>
+            <a:round/>
+            <a:tailEnd type="triangle" w="med" len="med"/>
+          </a:ln>
+        </p:spPr>
+        <p:style>
+          <a:lnRef idx="3">
+            <a:schemeClr val="accent6"/>
+          </a:lnRef>
+          <a:fillRef idx="0">
+            <a:schemeClr val="accent6"/>
+          </a:fillRef>
+          <a:effectRef idx="2">
+            <a:schemeClr val="accent6"/>
+          </a:effectRef>
+          <a:fontRef idx="minor"/>
+        </p:style>
+      </p:sp>
+      <p:sp>
+        <p:nvSpPr>
+          <p:cNvPr id="187" name="矩形: 圓角 29"/>
+          <p:cNvSpPr/>
+          <p:nvPr/>
+        </p:nvSpPr>
+        <p:spPr>
+          <a:xfrm>
+            <a:off x="2733863" y="5970600"/>
+            <a:ext cx="1834200" cy="766440"/>
+          </a:xfrm>
+          <a:prstGeom prst="roundRect">
+            <a:avLst>
+              <a:gd name="adj" fmla="val 16667"/>
+            </a:avLst>
           </a:prstGeom>
           <a:solidFill>
-            <a:srgbClr val="FFFFFF"/>
+            <a:schemeClr val="accent1">
+              <a:lumMod val="60000"/>
+              <a:lumOff val="40000"/>
+            </a:schemeClr>
           </a:solidFill>
-          <a:ln w="31680" cap="sq">
+          <a:ln>
             <a:solidFill>
-              <a:srgbClr val="404040"/>
+              <a:srgbClr val="6B470C"/>
             </a:solidFill>
-            <a:miter/>
+            <a:round/>
           </a:ln>
         </p:spPr>
+        <p:style>
+          <a:lnRef idx="2">
+            <a:schemeClr val="accent1">
+              <a:shade val="15000"/>
+            </a:schemeClr>
+          </a:lnRef>
+          <a:fillRef idx="1">
+            <a:schemeClr val="accent1"/>
+          </a:fillRef>
+          <a:effectRef idx="0">
+            <a:schemeClr val="accent1"/>
+          </a:effectRef>
+          <a:fontRef idx="minor"/>
+        </p:style>
         <p:txBody>
-          <a:bodyPr lIns="182880" tIns="182880" rIns="182880" bIns="182880" anchor="ctr">
+          <a:bodyPr lIns="90000" tIns="45000" rIns="90000" bIns="45000" anchor="ctr">
             <a:noAutofit/>
           </a:bodyPr>
           <a:lstStyle/>
           <a:p>
             <a:pPr algn="ctr">
               <a:lnSpc>
-                <a:spcPct val="90000"/>
+                <a:spcPct val="100000"/>
               </a:lnSpc>
             </a:pPr>
             <a:r>
-              <a:rPr lang="zh-TW" altLang="en-US" sz="1400" b="0" strike="noStrike" cap="all" spc="199" dirty="0">
-                <a:solidFill>
-                  <a:srgbClr val="262626"/>
+              <a:rPr lang="en-US" sz="1800" b="0" strike="noStrike" spc="-1">
+                <a:solidFill>
+                  <a:srgbClr val="FFFFFF"/>
                 </a:solidFill>
                 <a:latin typeface="Gill Sans MT"/>
               </a:rPr>
-              <a:t>取最大值當</a:t>
-            </a:r>
-            <a:r>
-              <a:rPr lang="en-US" altLang="zh-TW" sz="1400" b="0" strike="noStrike" cap="all" spc="199" dirty="0">
-                <a:solidFill>
-                  <a:srgbClr val="262626"/>
-                </a:solidFill>
-                <a:latin typeface="Gill Sans MT"/>
-              </a:rPr>
-              <a:t>AQI</a:t>
-            </a:r>
-            <a:endParaRPr lang="en-US" sz="1400" b="0" strike="noStrike" spc="-1" dirty="0">
-              <a:solidFill>
-                <a:srgbClr val="000000"/>
-              </a:solidFill>
-              <a:latin typeface="Gill Sans MT"/>
+              <a:t>Zookeeper0</a:t>
+            </a:r>
+            <a:endParaRPr lang="en-US" sz="1800" b="0" strike="noStrike" spc="-1">
+              <a:latin typeface="Arial"/>
             </a:endParaRPr>
           </a:p>
         </p:txBody>
       </p:sp>
-      <p:pic>
-        <p:nvPicPr>
-          <p:cNvPr id="3" name="圖片 2">
-            <a:extLst>
-              <a:ext uri="{FF2B5EF4-FFF2-40B4-BE49-F238E27FC236}">
-                <a16:creationId xmlns:a16="http://schemas.microsoft.com/office/drawing/2014/main" id="{C961F1EA-A27C-4057-B76C-E1F3F241B0B4}"/>
-              </a:ext>
-            </a:extLst>
-          </p:cNvPr>
-          <p:cNvPicPr>
-            <a:picLocks noChangeAspect="1"/>
-          </p:cNvPicPr>
+      <p:sp>
+        <p:nvSpPr>
+          <p:cNvPr id="189" name="直線單箭頭接點 33"/>
+          <p:cNvSpPr/>
           <p:nvPr/>
-        </p:nvPicPr>
-        <p:blipFill rotWithShape="1">
-          <a:blip r:embed="rId3"/>
-          <a:srcRect l="14127" t="10485" r="15582" b="6408"/>
-          <a:stretch/>
-        </p:blipFill>
-        <p:spPr>
-          <a:xfrm>
-            <a:off x="2439892" y="1899493"/>
-            <a:ext cx="7312215" cy="4863027"/>
+        </p:nvSpPr>
+        <p:spPr>
+          <a:xfrm flipH="1">
+            <a:off x="3650963" y="4262400"/>
+            <a:ext cx="0" cy="1707480"/>
+          </a:xfrm>
+          <a:custGeom>
+            <a:avLst/>
+            <a:gdLst/>
+            <a:ahLst/>
+            <a:cxnLst/>
+            <a:rect l="l" t="t" r="r" b="b"/>
+            <a:pathLst>
+              <a:path w="21600" h="21600">
+                <a:moveTo>
+                  <a:pt x="0" y="0"/>
+                </a:moveTo>
+                <a:lnTo>
+                  <a:pt x="21600" y="21600"/>
+                </a:lnTo>
+              </a:path>
+            </a:pathLst>
+          </a:custGeom>
+          <a:noFill/>
+          <a:ln>
+            <a:solidFill>
+              <a:srgbClr val="C96731"/>
+            </a:solidFill>
+            <a:round/>
+            <a:headEnd type="triangle" w="med" len="med"/>
+            <a:tailEnd type="triangle" w="med" len="med"/>
+          </a:ln>
+        </p:spPr>
+        <p:style>
+          <a:lnRef idx="3">
+            <a:schemeClr val="accent3"/>
+          </a:lnRef>
+          <a:fillRef idx="0">
+            <a:schemeClr val="accent3"/>
+          </a:fillRef>
+          <a:effectRef idx="2">
+            <a:schemeClr val="accent3"/>
+          </a:effectRef>
+          <a:fontRef idx="minor"/>
+        </p:style>
+        <p:txBody>
+          <a:bodyPr/>
+          <a:lstStyle/>
+          <a:p>
+            <a:endParaRPr lang="zh-TW" altLang="en-US" dirty="0"/>
+          </a:p>
+        </p:txBody>
+      </p:sp>
+      <p:sp>
+        <p:nvSpPr>
+          <p:cNvPr id="191" name="文字方塊 39"/>
+          <p:cNvSpPr/>
+          <p:nvPr/>
+        </p:nvSpPr>
+        <p:spPr>
+          <a:xfrm>
+            <a:off x="7866360" y="1811160"/>
+            <a:ext cx="3305520" cy="4753080"/>
           </a:xfrm>
           <a:prstGeom prst="rect">
             <a:avLst/>
           </a:prstGeom>
-        </p:spPr>
-      </p:pic>
+          <a:noFill/>
+          <a:ln w="0">
+            <a:noFill/>
+          </a:ln>
+        </p:spPr>
+        <p:style>
+          <a:lnRef idx="0">
+            <a:scrgbClr r="0" g="0" b="0"/>
+          </a:lnRef>
+          <a:fillRef idx="0">
+            <a:scrgbClr r="0" g="0" b="0"/>
+          </a:fillRef>
+          <a:effectRef idx="0">
+            <a:scrgbClr r="0" g="0" b="0"/>
+          </a:effectRef>
+          <a:fontRef idx="minor"/>
+        </p:style>
+        <p:txBody>
+          <a:bodyPr lIns="90000" tIns="45000" rIns="90000" bIns="45000">
+            <a:spAutoFit/>
+          </a:bodyPr>
+          <a:lstStyle/>
+          <a:p>
+            <a:pPr>
+              <a:lnSpc>
+                <a:spcPct val="100000"/>
+              </a:lnSpc>
+            </a:pPr>
+            <a:r>
+              <a:rPr lang="en-US" sz="1800" b="0" strike="noStrike" spc="-1" dirty="0">
+                <a:solidFill>
+                  <a:srgbClr val="C00000"/>
+                </a:solidFill>
+                <a:latin typeface="標楷體"/>
+                <a:ea typeface="標楷體"/>
+              </a:rPr>
+              <a:t>Producer </a:t>
+            </a:r>
+            <a:endParaRPr lang="en-US" sz="1800" b="0" strike="noStrike" spc="-1" dirty="0">
+              <a:latin typeface="Arial"/>
+            </a:endParaRPr>
+          </a:p>
+          <a:p>
+            <a:pPr>
+              <a:lnSpc>
+                <a:spcPct val="100000"/>
+              </a:lnSpc>
+            </a:pPr>
+            <a:r>
+              <a:rPr lang="en-US" sz="1800" b="0" strike="noStrike" spc="-1" dirty="0">
+                <a:solidFill>
+                  <a:srgbClr val="000000"/>
+                </a:solidFill>
+                <a:latin typeface="標楷體"/>
+                <a:ea typeface="標楷體"/>
+              </a:rPr>
+              <a:t>	</a:t>
+            </a:r>
+            <a:r>
+              <a:rPr lang="zh-TW" sz="1800" b="0" strike="noStrike" spc="-1" dirty="0">
+                <a:solidFill>
+                  <a:srgbClr val="000000"/>
+                </a:solidFill>
+                <a:latin typeface="標楷體"/>
+                <a:ea typeface="標楷體"/>
+              </a:rPr>
+              <a:t>負責將消息傳送至</a:t>
+            </a:r>
+            <a:r>
+              <a:rPr lang="en-US" sz="1800" b="0" strike="noStrike" spc="-1" dirty="0">
+                <a:solidFill>
+                  <a:srgbClr val="000000"/>
+                </a:solidFill>
+                <a:latin typeface="標楷體"/>
+                <a:ea typeface="標楷體"/>
+              </a:rPr>
+              <a:t>Kafka</a:t>
+            </a:r>
+            <a:r>
+              <a:rPr lang="zh-TW" sz="1800" b="0" strike="noStrike" spc="-1" dirty="0">
+                <a:solidFill>
+                  <a:srgbClr val="000000"/>
+                </a:solidFill>
+                <a:latin typeface="標楷體"/>
+                <a:ea typeface="標楷體"/>
+              </a:rPr>
+              <a:t>的</a:t>
+            </a:r>
+            <a:r>
+              <a:rPr lang="en-US" sz="1800" b="0" strike="noStrike" spc="-1" dirty="0">
+                <a:solidFill>
+                  <a:srgbClr val="000000"/>
+                </a:solidFill>
+                <a:latin typeface="標楷體"/>
+                <a:ea typeface="標楷體"/>
+              </a:rPr>
+              <a:t>Topic</a:t>
+            </a:r>
+            <a:r>
+              <a:rPr lang="zh-TW" sz="1800" b="0" strike="noStrike" spc="-1" dirty="0">
+                <a:solidFill>
+                  <a:srgbClr val="000000"/>
+                </a:solidFill>
+                <a:latin typeface="標楷體"/>
+                <a:ea typeface="標楷體"/>
+              </a:rPr>
+              <a:t>中。</a:t>
+            </a:r>
+            <a:endParaRPr lang="en-US" sz="1800" b="0" strike="noStrike" spc="-1" dirty="0">
+              <a:latin typeface="Arial"/>
+            </a:endParaRPr>
+          </a:p>
+          <a:p>
+            <a:pPr>
+              <a:lnSpc>
+                <a:spcPct val="100000"/>
+              </a:lnSpc>
+            </a:pPr>
+            <a:endParaRPr lang="en-US" sz="1800" b="0" strike="noStrike" spc="-1" dirty="0">
+              <a:latin typeface="Arial"/>
+            </a:endParaRPr>
+          </a:p>
+          <a:p>
+            <a:pPr>
+              <a:lnSpc>
+                <a:spcPct val="100000"/>
+              </a:lnSpc>
+            </a:pPr>
+            <a:r>
+              <a:rPr lang="en-US" sz="1800" b="0" strike="noStrike" spc="-1" dirty="0">
+                <a:solidFill>
+                  <a:srgbClr val="C00000"/>
+                </a:solidFill>
+                <a:latin typeface="標楷體"/>
+                <a:ea typeface="標楷體"/>
+              </a:rPr>
+              <a:t>Kafka cluster </a:t>
+            </a:r>
+            <a:endParaRPr lang="en-US" sz="1800" b="0" strike="noStrike" spc="-1" dirty="0">
+              <a:latin typeface="Arial"/>
+            </a:endParaRPr>
+          </a:p>
+          <a:p>
+            <a:pPr>
+              <a:lnSpc>
+                <a:spcPct val="100000"/>
+              </a:lnSpc>
+            </a:pPr>
+            <a:r>
+              <a:rPr lang="en-US" sz="1800" b="0" strike="noStrike" spc="-1" dirty="0">
+                <a:solidFill>
+                  <a:srgbClr val="000000"/>
+                </a:solidFill>
+                <a:latin typeface="標楷體"/>
+                <a:ea typeface="標楷體"/>
+              </a:rPr>
+              <a:t>	</a:t>
+            </a:r>
+            <a:r>
+              <a:rPr lang="zh-TW" sz="1800" b="0" strike="noStrike" spc="-1" dirty="0">
+                <a:solidFill>
+                  <a:srgbClr val="000000"/>
+                </a:solidFill>
+                <a:latin typeface="標楷體"/>
+                <a:ea typeface="標楷體"/>
+              </a:rPr>
+              <a:t>由</a:t>
+            </a:r>
+            <a:r>
+              <a:rPr lang="en-US" sz="1800" b="0" strike="noStrike" spc="-1" dirty="0">
+                <a:solidFill>
+                  <a:srgbClr val="000000"/>
+                </a:solidFill>
+                <a:latin typeface="標楷體"/>
+                <a:ea typeface="標楷體"/>
+              </a:rPr>
+              <a:t>1</a:t>
+            </a:r>
+            <a:r>
+              <a:rPr lang="zh-TW" sz="1800" b="0" strike="noStrike" spc="-1" dirty="0">
+                <a:solidFill>
+                  <a:srgbClr val="000000"/>
+                </a:solidFill>
+                <a:latin typeface="標楷體"/>
+                <a:ea typeface="標楷體"/>
+              </a:rPr>
+              <a:t>個或多個</a:t>
+            </a:r>
+            <a:r>
+              <a:rPr lang="en-US" sz="1800" b="0" strike="noStrike" spc="-1" dirty="0">
+                <a:solidFill>
+                  <a:srgbClr val="000000"/>
+                </a:solidFill>
+                <a:latin typeface="標楷體"/>
+                <a:ea typeface="標楷體"/>
+              </a:rPr>
+              <a:t>Broker</a:t>
+            </a:r>
+            <a:r>
+              <a:rPr lang="zh-TW" sz="1800" b="0" strike="noStrike" spc="-1" dirty="0">
+                <a:solidFill>
+                  <a:srgbClr val="000000"/>
+                </a:solidFill>
+                <a:latin typeface="標楷體"/>
+                <a:ea typeface="標楷體"/>
+              </a:rPr>
+              <a:t>組成的集群，負責提供消息處理服務。</a:t>
+            </a:r>
+            <a:endParaRPr lang="en-US" sz="1800" b="0" strike="noStrike" spc="-1" dirty="0">
+              <a:latin typeface="Arial"/>
+            </a:endParaRPr>
+          </a:p>
+          <a:p>
+            <a:pPr>
+              <a:lnSpc>
+                <a:spcPct val="100000"/>
+              </a:lnSpc>
+            </a:pPr>
+            <a:endParaRPr lang="en-US" sz="1800" b="0" strike="noStrike" spc="-1" dirty="0">
+              <a:latin typeface="Arial"/>
+            </a:endParaRPr>
+          </a:p>
+          <a:p>
+            <a:pPr>
+              <a:lnSpc>
+                <a:spcPct val="100000"/>
+              </a:lnSpc>
+            </a:pPr>
+            <a:r>
+              <a:rPr lang="en-US" sz="1800" b="0" strike="noStrike" spc="-1" dirty="0">
+                <a:solidFill>
+                  <a:srgbClr val="C00000"/>
+                </a:solidFill>
+                <a:latin typeface="標楷體"/>
+                <a:ea typeface="標楷體"/>
+              </a:rPr>
+              <a:t>Consumer</a:t>
+            </a:r>
+            <a:r>
+              <a:rPr lang="en-US" sz="1800" b="0" strike="noStrike" spc="-1" dirty="0">
+                <a:solidFill>
+                  <a:srgbClr val="000000"/>
+                </a:solidFill>
+                <a:latin typeface="標楷體"/>
+                <a:ea typeface="標楷體"/>
+              </a:rPr>
+              <a:t> </a:t>
+            </a:r>
+            <a:endParaRPr lang="en-US" sz="1800" b="0" strike="noStrike" spc="-1" dirty="0">
+              <a:latin typeface="Arial"/>
+            </a:endParaRPr>
+          </a:p>
+          <a:p>
+            <a:pPr>
+              <a:lnSpc>
+                <a:spcPct val="100000"/>
+              </a:lnSpc>
+            </a:pPr>
+            <a:r>
+              <a:rPr lang="en-US" sz="1800" b="0" strike="noStrike" spc="-1" dirty="0">
+                <a:solidFill>
+                  <a:srgbClr val="000000"/>
+                </a:solidFill>
+                <a:latin typeface="標楷體"/>
+                <a:ea typeface="標楷體"/>
+              </a:rPr>
+              <a:t>	</a:t>
+            </a:r>
+            <a:r>
+              <a:rPr lang="zh-TW" sz="1800" b="0" strike="noStrike" spc="-1" dirty="0">
+                <a:solidFill>
+                  <a:srgbClr val="000000"/>
+                </a:solidFill>
+                <a:latin typeface="標楷體"/>
+                <a:ea typeface="標楷體"/>
+              </a:rPr>
+              <a:t>負責將消息從訂閱的</a:t>
+            </a:r>
+            <a:r>
+              <a:rPr lang="en-US" sz="1800" b="0" strike="noStrike" spc="-1" dirty="0">
+                <a:solidFill>
+                  <a:srgbClr val="000000"/>
+                </a:solidFill>
+                <a:latin typeface="標楷體"/>
+                <a:ea typeface="標楷體"/>
+              </a:rPr>
+              <a:t>Topic</a:t>
+            </a:r>
+            <a:r>
+              <a:rPr lang="zh-TW" sz="1800" b="0" strike="noStrike" spc="-1" dirty="0">
+                <a:solidFill>
+                  <a:srgbClr val="000000"/>
+                </a:solidFill>
+                <a:latin typeface="標楷體"/>
+                <a:ea typeface="標楷體"/>
+              </a:rPr>
+              <a:t>中取出。</a:t>
+            </a:r>
+            <a:endParaRPr lang="en-US" sz="1800" b="0" strike="noStrike" spc="-1" dirty="0">
+              <a:latin typeface="Arial"/>
+            </a:endParaRPr>
+          </a:p>
+          <a:p>
+            <a:pPr>
+              <a:lnSpc>
+                <a:spcPct val="100000"/>
+              </a:lnSpc>
+            </a:pPr>
+            <a:endParaRPr lang="en-US" sz="1800" b="0" strike="noStrike" spc="-1" dirty="0">
+              <a:latin typeface="Arial"/>
+            </a:endParaRPr>
+          </a:p>
+          <a:p>
+            <a:pPr>
+              <a:lnSpc>
+                <a:spcPct val="100000"/>
+              </a:lnSpc>
+            </a:pPr>
+            <a:r>
+              <a:rPr lang="en-US" sz="1800" b="0" strike="noStrike" spc="-1" dirty="0">
+                <a:solidFill>
+                  <a:srgbClr val="C00000"/>
+                </a:solidFill>
+                <a:latin typeface="標楷體"/>
+                <a:ea typeface="標楷體"/>
+              </a:rPr>
+              <a:t>Zookeeper </a:t>
+            </a:r>
+            <a:endParaRPr lang="en-US" sz="1800" b="0" strike="noStrike" spc="-1" dirty="0">
+              <a:latin typeface="Arial"/>
+            </a:endParaRPr>
+          </a:p>
+          <a:p>
+            <a:pPr>
+              <a:lnSpc>
+                <a:spcPct val="100000"/>
+              </a:lnSpc>
+            </a:pPr>
+            <a:r>
+              <a:rPr lang="en-US" sz="1800" b="0" strike="noStrike" spc="-1" dirty="0">
+                <a:solidFill>
+                  <a:srgbClr val="000000"/>
+                </a:solidFill>
+                <a:latin typeface="標楷體"/>
+                <a:ea typeface="標楷體"/>
+              </a:rPr>
+              <a:t>	</a:t>
+            </a:r>
+            <a:r>
+              <a:rPr lang="zh-TW" sz="1800" b="0" strike="noStrike" spc="-1" dirty="0">
+                <a:solidFill>
+                  <a:srgbClr val="000000"/>
+                </a:solidFill>
+                <a:latin typeface="標楷體"/>
+                <a:ea typeface="標楷體"/>
+              </a:rPr>
+              <a:t>負責管理及維護</a:t>
+            </a:r>
+            <a:r>
+              <a:rPr lang="en-US" sz="1800" b="0" strike="noStrike" spc="-1" dirty="0">
+                <a:solidFill>
+                  <a:srgbClr val="000000"/>
+                </a:solidFill>
+                <a:latin typeface="標楷體"/>
+                <a:ea typeface="標楷體"/>
+              </a:rPr>
+              <a:t>Kafka</a:t>
+            </a:r>
+            <a:r>
+              <a:rPr lang="zh-TW" sz="1800" b="0" strike="noStrike" spc="-1" dirty="0">
+                <a:solidFill>
+                  <a:srgbClr val="000000"/>
+                </a:solidFill>
+                <a:latin typeface="標楷體"/>
+                <a:ea typeface="標楷體"/>
+              </a:rPr>
+              <a:t>集群，主要工作有集群數據管理、副本分配。</a:t>
+            </a:r>
+            <a:endParaRPr lang="en-US" sz="1800" b="0" strike="noStrike" spc="-1" dirty="0">
+              <a:latin typeface="Arial"/>
+            </a:endParaRPr>
+          </a:p>
+        </p:txBody>
+      </p:sp>
     </p:spTree>
+    <p:extLst>
+      <p:ext uri="{BB962C8B-B14F-4D97-AF65-F5344CB8AC3E}">
+        <p14:creationId xmlns:p14="http://schemas.microsoft.com/office/powerpoint/2010/main" val="347390588"/>
+      </p:ext>
+    </p:extLst>
   </p:cSld>
   <p:clrMapOvr>
     <a:masterClrMapping/>
@@ -16428,7 +16758,7 @@
       </p:grpSpPr>
       <p:sp>
         <p:nvSpPr>
-          <p:cNvPr id="176" name="標題 1"/>
+          <p:cNvPr id="192" name="標題 1"/>
           <p:cNvSpPr txBox="1"/>
           <p:nvPr/>
         </p:nvSpPr>
@@ -16469,7 +16799,7 @@
                 <a:latin typeface="Calibri"/>
                 <a:ea typeface="新細明體"/>
               </a:rPr>
-              <a:t>Kafka</a:t>
+              <a:t>MongoDB</a:t>
             </a:r>
             <a:endParaRPr lang="en-US" sz="2800" b="0" strike="noStrike" spc="-1">
               <a:solidFill>
@@ -16482,14 +16812,14 @@
       </p:sp>
       <p:sp>
         <p:nvSpPr>
-          <p:cNvPr id="177" name="文字方塊 4"/>
+          <p:cNvPr id="193" name="文字方塊 4"/>
           <p:cNvSpPr/>
           <p:nvPr/>
         </p:nvSpPr>
         <p:spPr>
           <a:xfrm>
-            <a:off x="3047400" y="993600"/>
-            <a:ext cx="6096960" cy="364680"/>
+            <a:off x="981000" y="1526760"/>
+            <a:ext cx="10229760" cy="639000"/>
           </a:xfrm>
           <a:prstGeom prst="rect">
             <a:avLst/>
@@ -16530,7 +16860,7 @@
                 <a:latin typeface="Calibri"/>
                 <a:ea typeface="新細明體"/>
               </a:rPr>
-              <a:t>Kafka</a:t>
+              <a:t>MongoDB</a:t>
             </a:r>
             <a:r>
               <a:rPr lang="zh-TW" sz="1800" b="0" strike="noStrike" spc="-1">
@@ -16540,7 +16870,47 @@
                 <a:latin typeface="Calibri"/>
                 <a:ea typeface="新細明體"/>
               </a:rPr>
-              <a:t>是一種開源的分散式串流處理平台和訊息佇列系統</a:t>
+              <a:t>是一種開源的、基於文件的</a:t>
+            </a:r>
+            <a:r>
+              <a:rPr lang="en-US" sz="1800" b="0" strike="noStrike" spc="-1">
+                <a:solidFill>
+                  <a:srgbClr val="000000"/>
+                </a:solidFill>
+                <a:latin typeface="Calibri"/>
+                <a:ea typeface="新細明體"/>
+              </a:rPr>
+              <a:t>NoSQL</a:t>
+            </a:r>
+            <a:r>
+              <a:rPr lang="zh-TW" sz="1800" b="0" strike="noStrike" spc="-1">
+                <a:solidFill>
+                  <a:srgbClr val="000000"/>
+                </a:solidFill>
+                <a:latin typeface="Calibri"/>
+                <a:ea typeface="新細明體"/>
+              </a:rPr>
+              <a:t>資料庫，它以高效能、靈活的資料模型和可擴展性而聞名。 </a:t>
+            </a:r>
+            <a:r>
+              <a:rPr lang="en-US" sz="1800" b="0" strike="noStrike" spc="-1">
+                <a:solidFill>
+                  <a:srgbClr val="000000"/>
+                </a:solidFill>
+                <a:latin typeface="Calibri"/>
+                <a:ea typeface="新細明體"/>
+              </a:rPr>
+              <a:t>MongoDB</a:t>
+            </a:r>
+            <a:r>
+              <a:rPr lang="zh-TW" sz="1800" b="0" strike="noStrike" spc="-1">
+                <a:solidFill>
+                  <a:srgbClr val="000000"/>
+                </a:solidFill>
+                <a:latin typeface="Calibri"/>
+                <a:ea typeface="新細明體"/>
+              </a:rPr>
+              <a:t>旨在儲存和處理大量數據，並支援複雜的查詢和分析。</a:t>
             </a:r>
             <a:endParaRPr lang="en-US" sz="1800" b="0" strike="noStrike" spc="-1">
               <a:latin typeface="Arial"/>
@@ -16548,1064 +16918,42 @@
           </a:p>
         </p:txBody>
       </p:sp>
-      <p:sp>
-        <p:nvSpPr>
-          <p:cNvPr id="178" name="橢圓 6"/>
-          <p:cNvSpPr/>
+      <p:pic>
+        <p:nvPicPr>
+          <p:cNvPr id="5" name="圖片 4">
+            <a:extLst>
+              <a:ext uri="{FF2B5EF4-FFF2-40B4-BE49-F238E27FC236}">
+                <a16:creationId xmlns:a16="http://schemas.microsoft.com/office/drawing/2014/main" id="{7C342210-9DE4-48D1-9C4C-4806CAAE94B2}"/>
+              </a:ext>
+            </a:extLst>
+          </p:cNvPr>
+          <p:cNvPicPr>
+            <a:picLocks noChangeAspect="1"/>
+          </p:cNvPicPr>
           <p:nvPr/>
-        </p:nvSpPr>
-        <p:spPr>
-          <a:xfrm>
-            <a:off x="87840" y="2004480"/>
-            <a:ext cx="1670040" cy="922680"/>
-          </a:xfrm>
-          <a:prstGeom prst="ellipse">
-            <a:avLst/>
-          </a:prstGeom>
-          <a:solidFill>
-            <a:srgbClr val="FF0000"/>
-          </a:solidFill>
-          <a:ln>
-            <a:solidFill>
-              <a:srgbClr val="6B470C"/>
-            </a:solidFill>
-            <a:round/>
-          </a:ln>
-        </p:spPr>
-        <p:style>
-          <a:lnRef idx="2">
-            <a:schemeClr val="accent1">
-              <a:shade val="15000"/>
-            </a:schemeClr>
-          </a:lnRef>
-          <a:fillRef idx="1">
-            <a:schemeClr val="accent1"/>
-          </a:fillRef>
-          <a:effectRef idx="0">
-            <a:schemeClr val="accent1"/>
-          </a:effectRef>
-          <a:fontRef idx="minor"/>
-        </p:style>
-        <p:txBody>
-          <a:bodyPr lIns="90000" tIns="45000" rIns="90000" bIns="45000" anchor="ctr">
-            <a:noAutofit/>
-          </a:bodyPr>
-          <a:lstStyle/>
-          <a:p>
-            <a:pPr algn="ctr">
-              <a:lnSpc>
-                <a:spcPct val="100000"/>
-              </a:lnSpc>
-            </a:pPr>
-            <a:r>
-              <a:rPr lang="en-US" sz="1800" b="0" strike="noStrike" spc="-1" dirty="0">
-                <a:solidFill>
-                  <a:srgbClr val="FFFFFF"/>
-                </a:solidFill>
-                <a:latin typeface="Gill Sans MT"/>
-              </a:rPr>
-              <a:t>Producer 0</a:t>
-            </a:r>
-            <a:endParaRPr lang="en-US" sz="1800" b="0" strike="noStrike" spc="-1" dirty="0">
-              <a:latin typeface="Arial"/>
-            </a:endParaRPr>
-          </a:p>
-        </p:txBody>
-      </p:sp>
-      <p:sp>
-        <p:nvSpPr>
-          <p:cNvPr id="179" name="橢圓 7"/>
-          <p:cNvSpPr/>
-          <p:nvPr/>
-        </p:nvSpPr>
-        <p:spPr>
-          <a:xfrm>
-            <a:off x="87840" y="4645440"/>
-            <a:ext cx="1670040" cy="922680"/>
-          </a:xfrm>
-          <a:prstGeom prst="ellipse">
-            <a:avLst/>
-          </a:prstGeom>
-          <a:solidFill>
-            <a:srgbClr val="00B0F0"/>
-          </a:solidFill>
-          <a:ln>
-            <a:solidFill>
-              <a:srgbClr val="6B470C"/>
-            </a:solidFill>
-            <a:round/>
-          </a:ln>
-        </p:spPr>
-        <p:style>
-          <a:lnRef idx="2">
-            <a:schemeClr val="accent1">
-              <a:shade val="15000"/>
-            </a:schemeClr>
-          </a:lnRef>
-          <a:fillRef idx="1">
-            <a:schemeClr val="accent1"/>
-          </a:fillRef>
-          <a:effectRef idx="0">
-            <a:schemeClr val="accent1"/>
-          </a:effectRef>
-          <a:fontRef idx="minor"/>
-        </p:style>
-        <p:txBody>
-          <a:bodyPr lIns="90000" tIns="45000" rIns="90000" bIns="45000" anchor="ctr">
-            <a:noAutofit/>
-          </a:bodyPr>
-          <a:lstStyle/>
-          <a:p>
-            <a:pPr algn="ctr">
-              <a:lnSpc>
-                <a:spcPct val="100000"/>
-              </a:lnSpc>
-            </a:pPr>
-            <a:r>
-              <a:rPr lang="en-US" sz="1800" b="0" strike="noStrike" spc="-1" dirty="0">
-                <a:solidFill>
-                  <a:srgbClr val="FFFFFF"/>
-                </a:solidFill>
-                <a:latin typeface="Gill Sans MT"/>
-              </a:rPr>
-              <a:t>Producer 1</a:t>
-            </a:r>
-            <a:endParaRPr lang="en-US" sz="1800" b="0" strike="noStrike" spc="-1" dirty="0">
-              <a:latin typeface="Arial"/>
-            </a:endParaRPr>
-          </a:p>
-        </p:txBody>
-      </p:sp>
-      <p:sp>
-        <p:nvSpPr>
-          <p:cNvPr id="180" name="矩形 10"/>
-          <p:cNvSpPr/>
-          <p:nvPr/>
-        </p:nvSpPr>
-        <p:spPr>
-          <a:xfrm>
-            <a:off x="2673000" y="3344400"/>
-            <a:ext cx="1977840" cy="917640"/>
+        </p:nvPicPr>
+        <p:blipFill rotWithShape="1">
+          <a:blip r:embed="rId2">
+            <a:extLst>
+              <a:ext uri="{28A0092B-C50C-407E-A947-70E740481C1C}">
+                <a14:useLocalDpi xmlns:a14="http://schemas.microsoft.com/office/drawing/2010/main" val="0"/>
+              </a:ext>
+            </a:extLst>
+          </a:blip>
+          <a:srcRect b="8220"/>
+          <a:stretch/>
+        </p:blipFill>
+        <p:spPr>
+          <a:xfrm>
+            <a:off x="1908868" y="2259387"/>
+            <a:ext cx="8374263" cy="4323315"/>
           </a:xfrm>
           <a:prstGeom prst="rect">
             <a:avLst/>
           </a:prstGeom>
-          <a:solidFill>
-            <a:schemeClr val="tx2">
-              <a:lumMod val="60000"/>
-              <a:lumOff val="40000"/>
-            </a:schemeClr>
-          </a:solidFill>
-          <a:ln>
-            <a:solidFill>
-              <a:srgbClr val="6B470C"/>
-            </a:solidFill>
-            <a:round/>
-          </a:ln>
-        </p:spPr>
-        <p:style>
-          <a:lnRef idx="2">
-            <a:schemeClr val="accent1">
-              <a:shade val="15000"/>
-            </a:schemeClr>
-          </a:lnRef>
-          <a:fillRef idx="1">
-            <a:schemeClr val="accent1"/>
-          </a:fillRef>
-          <a:effectRef idx="0">
-            <a:schemeClr val="accent1"/>
-          </a:effectRef>
-          <a:fontRef idx="minor"/>
-        </p:style>
-        <p:txBody>
-          <a:bodyPr lIns="90000" tIns="45000" rIns="90000" bIns="45000" anchor="ctr">
-            <a:noAutofit/>
-          </a:bodyPr>
-          <a:lstStyle/>
-          <a:p>
-            <a:pPr algn="ctr">
-              <a:lnSpc>
-                <a:spcPct val="100000"/>
-              </a:lnSpc>
-            </a:pPr>
-            <a:r>
-              <a:rPr lang="en-US" sz="1800" b="0" strike="noStrike" spc="-1" dirty="0">
-                <a:solidFill>
-                  <a:srgbClr val="FFFFFF"/>
-                </a:solidFill>
-                <a:latin typeface="標楷體"/>
-                <a:ea typeface="標楷體"/>
-              </a:rPr>
-              <a:t>Kafka cluster</a:t>
-            </a:r>
-            <a:endParaRPr lang="en-US" sz="1800" b="0" strike="noStrike" spc="-1" dirty="0">
-              <a:latin typeface="Arial"/>
-            </a:endParaRPr>
-          </a:p>
-        </p:txBody>
-      </p:sp>
-      <p:sp>
-        <p:nvSpPr>
-          <p:cNvPr id="181" name="橢圓 13"/>
-          <p:cNvSpPr/>
-          <p:nvPr/>
-        </p:nvSpPr>
-        <p:spPr>
-          <a:xfrm>
-            <a:off x="5178600" y="2016360"/>
-            <a:ext cx="1834200" cy="922680"/>
-          </a:xfrm>
-          <a:prstGeom prst="ellipse">
-            <a:avLst/>
-          </a:prstGeom>
-          <a:solidFill>
-            <a:srgbClr val="00B050"/>
-          </a:solidFill>
-          <a:ln>
-            <a:solidFill>
-              <a:srgbClr val="6B470C"/>
-            </a:solidFill>
-            <a:round/>
-          </a:ln>
-        </p:spPr>
-        <p:style>
-          <a:lnRef idx="2">
-            <a:schemeClr val="accent1">
-              <a:shade val="15000"/>
-            </a:schemeClr>
-          </a:lnRef>
-          <a:fillRef idx="1">
-            <a:schemeClr val="accent1"/>
-          </a:fillRef>
-          <a:effectRef idx="0">
-            <a:schemeClr val="accent1"/>
-          </a:effectRef>
-          <a:fontRef idx="minor"/>
-        </p:style>
-        <p:txBody>
-          <a:bodyPr lIns="90000" tIns="45000" rIns="90000" bIns="45000" anchor="ctr">
-            <a:noAutofit/>
-          </a:bodyPr>
-          <a:lstStyle/>
-          <a:p>
-            <a:pPr algn="ctr">
-              <a:lnSpc>
-                <a:spcPct val="100000"/>
-              </a:lnSpc>
-            </a:pPr>
-            <a:r>
-              <a:rPr lang="en-US" sz="1800" b="0" strike="noStrike" spc="-1" dirty="0">
-                <a:solidFill>
-                  <a:srgbClr val="FFFFFF"/>
-                </a:solidFill>
-                <a:latin typeface="Gill Sans MT"/>
-              </a:rPr>
-              <a:t>Consumer 0</a:t>
-            </a:r>
-            <a:endParaRPr lang="en-US" sz="1800" b="0" strike="noStrike" spc="-1" dirty="0">
-              <a:latin typeface="Arial"/>
-            </a:endParaRPr>
-          </a:p>
-        </p:txBody>
-      </p:sp>
-      <p:sp>
-        <p:nvSpPr>
-          <p:cNvPr id="182" name="橢圓 14"/>
-          <p:cNvSpPr/>
-          <p:nvPr/>
-        </p:nvSpPr>
-        <p:spPr>
-          <a:xfrm>
-            <a:off x="5178600" y="4648320"/>
-            <a:ext cx="1834200" cy="922680"/>
-          </a:xfrm>
-          <a:prstGeom prst="ellipse">
-            <a:avLst/>
-          </a:prstGeom>
-          <a:solidFill>
-            <a:schemeClr val="accent3">
-              <a:lumMod val="60000"/>
-              <a:lumOff val="40000"/>
-            </a:schemeClr>
-          </a:solidFill>
-          <a:ln>
-            <a:solidFill>
-              <a:srgbClr val="6B470C"/>
-            </a:solidFill>
-            <a:round/>
-          </a:ln>
-        </p:spPr>
-        <p:style>
-          <a:lnRef idx="2">
-            <a:schemeClr val="accent1">
-              <a:shade val="15000"/>
-            </a:schemeClr>
-          </a:lnRef>
-          <a:fillRef idx="1">
-            <a:schemeClr val="accent1"/>
-          </a:fillRef>
-          <a:effectRef idx="0">
-            <a:schemeClr val="accent1"/>
-          </a:effectRef>
-          <a:fontRef idx="minor"/>
-        </p:style>
-        <p:txBody>
-          <a:bodyPr lIns="90000" tIns="45000" rIns="90000" bIns="45000" anchor="ctr">
-            <a:noAutofit/>
-          </a:bodyPr>
-          <a:lstStyle/>
-          <a:p>
-            <a:pPr algn="ctr">
-              <a:lnSpc>
-                <a:spcPct val="100000"/>
-              </a:lnSpc>
-            </a:pPr>
-            <a:r>
-              <a:rPr lang="en-US" sz="1800" b="0" strike="noStrike" spc="-1" dirty="0">
-                <a:solidFill>
-                  <a:srgbClr val="FFFFFF"/>
-                </a:solidFill>
-                <a:latin typeface="Gill Sans MT"/>
-              </a:rPr>
-              <a:t>Consumer 1</a:t>
-            </a:r>
-            <a:endParaRPr lang="en-US" sz="1800" b="0" strike="noStrike" spc="-1" dirty="0">
-              <a:latin typeface="Arial"/>
-            </a:endParaRPr>
-          </a:p>
-        </p:txBody>
-      </p:sp>
-      <p:sp>
-        <p:nvSpPr>
-          <p:cNvPr id="183" name="直線單箭頭接點 17"/>
-          <p:cNvSpPr/>
-          <p:nvPr/>
-        </p:nvSpPr>
-        <p:spPr>
-          <a:xfrm>
-            <a:off x="1513800" y="2792520"/>
-            <a:ext cx="1158840" cy="766440"/>
-          </a:xfrm>
-          <a:custGeom>
-            <a:avLst/>
-            <a:gdLst/>
-            <a:ahLst/>
-            <a:cxnLst/>
-            <a:rect l="l" t="t" r="r" b="b"/>
-            <a:pathLst>
-              <a:path w="21600" h="21600">
-                <a:moveTo>
-                  <a:pt x="0" y="0"/>
-                </a:moveTo>
-                <a:lnTo>
-                  <a:pt x="21600" y="21600"/>
-                </a:lnTo>
-              </a:path>
-            </a:pathLst>
-          </a:custGeom>
-          <a:noFill/>
-          <a:ln>
-            <a:solidFill>
-              <a:srgbClr val="000000"/>
-            </a:solidFill>
-            <a:round/>
-            <a:tailEnd type="triangle" w="med" len="med"/>
-          </a:ln>
-        </p:spPr>
-        <p:style>
-          <a:lnRef idx="3">
-            <a:schemeClr val="dk1"/>
-          </a:lnRef>
-          <a:fillRef idx="0">
-            <a:schemeClr val="dk1"/>
-          </a:fillRef>
-          <a:effectRef idx="2">
-            <a:schemeClr val="dk1"/>
-          </a:effectRef>
-          <a:fontRef idx="minor"/>
-        </p:style>
-      </p:sp>
-      <p:sp>
-        <p:nvSpPr>
-          <p:cNvPr id="184" name="直線單箭頭接點 19"/>
-          <p:cNvSpPr/>
-          <p:nvPr/>
-        </p:nvSpPr>
-        <p:spPr>
-          <a:xfrm flipV="1">
-            <a:off x="1513800" y="4012560"/>
-            <a:ext cx="1158840" cy="766440"/>
-          </a:xfrm>
-          <a:custGeom>
-            <a:avLst/>
-            <a:gdLst/>
-            <a:ahLst/>
-            <a:cxnLst/>
-            <a:rect l="l" t="t" r="r" b="b"/>
-            <a:pathLst>
-              <a:path w="21600" h="21600">
-                <a:moveTo>
-                  <a:pt x="0" y="0"/>
-                </a:moveTo>
-                <a:lnTo>
-                  <a:pt x="21600" y="21600"/>
-                </a:lnTo>
-              </a:path>
-            </a:pathLst>
-          </a:custGeom>
-          <a:noFill/>
-          <a:ln>
-            <a:solidFill>
-              <a:srgbClr val="000000"/>
-            </a:solidFill>
-            <a:round/>
-            <a:tailEnd type="triangle" w="med" len="med"/>
-          </a:ln>
-        </p:spPr>
-        <p:style>
-          <a:lnRef idx="3">
-            <a:schemeClr val="dk1"/>
-          </a:lnRef>
-          <a:fillRef idx="0">
-            <a:schemeClr val="dk1"/>
-          </a:fillRef>
-          <a:effectRef idx="2">
-            <a:schemeClr val="dk1"/>
-          </a:effectRef>
-          <a:fontRef idx="minor"/>
-        </p:style>
-      </p:sp>
-      <p:sp>
-        <p:nvSpPr>
-          <p:cNvPr id="185" name="直線單箭頭接點 22"/>
-          <p:cNvSpPr/>
-          <p:nvPr/>
-        </p:nvSpPr>
-        <p:spPr>
-          <a:xfrm flipV="1">
-            <a:off x="4651200" y="2804040"/>
-            <a:ext cx="795960" cy="754560"/>
-          </a:xfrm>
-          <a:custGeom>
-            <a:avLst/>
-            <a:gdLst/>
-            <a:ahLst/>
-            <a:cxnLst/>
-            <a:rect l="l" t="t" r="r" b="b"/>
-            <a:pathLst>
-              <a:path w="21600" h="21600">
-                <a:moveTo>
-                  <a:pt x="0" y="0"/>
-                </a:moveTo>
-                <a:lnTo>
-                  <a:pt x="21600" y="21600"/>
-                </a:lnTo>
-              </a:path>
-            </a:pathLst>
-          </a:custGeom>
-          <a:noFill/>
-          <a:ln>
-            <a:solidFill>
-              <a:srgbClr val="A0988C"/>
-            </a:solidFill>
-            <a:round/>
-            <a:tailEnd type="triangle" w="med" len="med"/>
-          </a:ln>
-        </p:spPr>
-        <p:style>
-          <a:lnRef idx="3">
-            <a:schemeClr val="accent6"/>
-          </a:lnRef>
-          <a:fillRef idx="0">
-            <a:schemeClr val="accent6"/>
-          </a:fillRef>
-          <a:effectRef idx="2">
-            <a:schemeClr val="accent6"/>
-          </a:effectRef>
-          <a:fontRef idx="minor"/>
-        </p:style>
-      </p:sp>
-      <p:sp>
-        <p:nvSpPr>
-          <p:cNvPr id="186" name="直線單箭頭接點 25"/>
-          <p:cNvSpPr/>
-          <p:nvPr/>
-        </p:nvSpPr>
-        <p:spPr>
-          <a:xfrm>
-            <a:off x="4651200" y="4028400"/>
-            <a:ext cx="795960" cy="754560"/>
-          </a:xfrm>
-          <a:custGeom>
-            <a:avLst/>
-            <a:gdLst/>
-            <a:ahLst/>
-            <a:cxnLst/>
-            <a:rect l="l" t="t" r="r" b="b"/>
-            <a:pathLst>
-              <a:path w="21600" h="21600">
-                <a:moveTo>
-                  <a:pt x="0" y="0"/>
-                </a:moveTo>
-                <a:lnTo>
-                  <a:pt x="21600" y="21600"/>
-                </a:lnTo>
-              </a:path>
-            </a:pathLst>
-          </a:custGeom>
-          <a:noFill/>
-          <a:ln>
-            <a:solidFill>
-              <a:srgbClr val="A0988C"/>
-            </a:solidFill>
-            <a:round/>
-            <a:tailEnd type="triangle" w="med" len="med"/>
-          </a:ln>
-        </p:spPr>
-        <p:style>
-          <a:lnRef idx="3">
-            <a:schemeClr val="accent6"/>
-          </a:lnRef>
-          <a:fillRef idx="0">
-            <a:schemeClr val="accent6"/>
-          </a:fillRef>
-          <a:effectRef idx="2">
-            <a:schemeClr val="accent6"/>
-          </a:effectRef>
-          <a:fontRef idx="minor"/>
-        </p:style>
-      </p:sp>
-      <p:sp>
-        <p:nvSpPr>
-          <p:cNvPr id="187" name="矩形: 圓角 29"/>
-          <p:cNvSpPr/>
-          <p:nvPr/>
-        </p:nvSpPr>
-        <p:spPr>
-          <a:xfrm>
-            <a:off x="2733863" y="5970600"/>
-            <a:ext cx="1834200" cy="766440"/>
-          </a:xfrm>
-          <a:prstGeom prst="roundRect">
-            <a:avLst>
-              <a:gd name="adj" fmla="val 16667"/>
-            </a:avLst>
-          </a:prstGeom>
-          <a:solidFill>
-            <a:schemeClr val="accent1">
-              <a:lumMod val="60000"/>
-              <a:lumOff val="40000"/>
-            </a:schemeClr>
-          </a:solidFill>
-          <a:ln>
-            <a:solidFill>
-              <a:srgbClr val="6B470C"/>
-            </a:solidFill>
-            <a:round/>
-          </a:ln>
-        </p:spPr>
-        <p:style>
-          <a:lnRef idx="2">
-            <a:schemeClr val="accent1">
-              <a:shade val="15000"/>
-            </a:schemeClr>
-          </a:lnRef>
-          <a:fillRef idx="1">
-            <a:schemeClr val="accent1"/>
-          </a:fillRef>
-          <a:effectRef idx="0">
-            <a:schemeClr val="accent1"/>
-          </a:effectRef>
-          <a:fontRef idx="minor"/>
-        </p:style>
-        <p:txBody>
-          <a:bodyPr lIns="90000" tIns="45000" rIns="90000" bIns="45000" anchor="ctr">
-            <a:noAutofit/>
-          </a:bodyPr>
-          <a:lstStyle/>
-          <a:p>
-            <a:pPr algn="ctr">
-              <a:lnSpc>
-                <a:spcPct val="100000"/>
-              </a:lnSpc>
-            </a:pPr>
-            <a:r>
-              <a:rPr lang="en-US" sz="1800" b="0" strike="noStrike" spc="-1">
-                <a:solidFill>
-                  <a:srgbClr val="FFFFFF"/>
-                </a:solidFill>
-                <a:latin typeface="Gill Sans MT"/>
-              </a:rPr>
-              <a:t>Zookeeper0</a:t>
-            </a:r>
-            <a:endParaRPr lang="en-US" sz="1800" b="0" strike="noStrike" spc="-1">
-              <a:latin typeface="Arial"/>
-            </a:endParaRPr>
-          </a:p>
-        </p:txBody>
-      </p:sp>
-      <p:sp>
-        <p:nvSpPr>
-          <p:cNvPr id="189" name="直線單箭頭接點 33"/>
-          <p:cNvSpPr/>
-          <p:nvPr/>
-        </p:nvSpPr>
-        <p:spPr>
-          <a:xfrm flipH="1">
-            <a:off x="3650963" y="4262400"/>
-            <a:ext cx="0" cy="1707480"/>
-          </a:xfrm>
-          <a:custGeom>
-            <a:avLst/>
-            <a:gdLst/>
-            <a:ahLst/>
-            <a:cxnLst/>
-            <a:rect l="l" t="t" r="r" b="b"/>
-            <a:pathLst>
-              <a:path w="21600" h="21600">
-                <a:moveTo>
-                  <a:pt x="0" y="0"/>
-                </a:moveTo>
-                <a:lnTo>
-                  <a:pt x="21600" y="21600"/>
-                </a:lnTo>
-              </a:path>
-            </a:pathLst>
-          </a:custGeom>
-          <a:noFill/>
-          <a:ln>
-            <a:solidFill>
-              <a:srgbClr val="C96731"/>
-            </a:solidFill>
-            <a:round/>
-            <a:headEnd type="triangle" w="med" len="med"/>
-            <a:tailEnd type="triangle" w="med" len="med"/>
-          </a:ln>
-        </p:spPr>
-        <p:style>
-          <a:lnRef idx="3">
-            <a:schemeClr val="accent3"/>
-          </a:lnRef>
-          <a:fillRef idx="0">
-            <a:schemeClr val="accent3"/>
-          </a:fillRef>
-          <a:effectRef idx="2">
-            <a:schemeClr val="accent3"/>
-          </a:effectRef>
-          <a:fontRef idx="minor"/>
-        </p:style>
-        <p:txBody>
-          <a:bodyPr/>
-          <a:lstStyle/>
-          <a:p>
-            <a:endParaRPr lang="zh-TW" altLang="en-US" dirty="0"/>
-          </a:p>
-        </p:txBody>
-      </p:sp>
-      <p:sp>
-        <p:nvSpPr>
-          <p:cNvPr id="191" name="文字方塊 39"/>
-          <p:cNvSpPr/>
-          <p:nvPr/>
-        </p:nvSpPr>
-        <p:spPr>
-          <a:xfrm>
-            <a:off x="7866360" y="1811160"/>
-            <a:ext cx="3305520" cy="4753080"/>
-          </a:xfrm>
-          <a:prstGeom prst="rect">
-            <a:avLst/>
-          </a:prstGeom>
-          <a:noFill/>
-          <a:ln w="0">
-            <a:noFill/>
-          </a:ln>
-        </p:spPr>
-        <p:style>
-          <a:lnRef idx="0">
-            <a:scrgbClr r="0" g="0" b="0"/>
-          </a:lnRef>
-          <a:fillRef idx="0">
-            <a:scrgbClr r="0" g="0" b="0"/>
-          </a:fillRef>
-          <a:effectRef idx="0">
-            <a:scrgbClr r="0" g="0" b="0"/>
-          </a:effectRef>
-          <a:fontRef idx="minor"/>
-        </p:style>
-        <p:txBody>
-          <a:bodyPr lIns="90000" tIns="45000" rIns="90000" bIns="45000">
-            <a:spAutoFit/>
-          </a:bodyPr>
-          <a:lstStyle/>
-          <a:p>
-            <a:pPr>
-              <a:lnSpc>
-                <a:spcPct val="100000"/>
-              </a:lnSpc>
-            </a:pPr>
-            <a:r>
-              <a:rPr lang="en-US" sz="1800" b="0" strike="noStrike" spc="-1" dirty="0">
-                <a:solidFill>
-                  <a:srgbClr val="C00000"/>
-                </a:solidFill>
-                <a:latin typeface="標楷體"/>
-                <a:ea typeface="標楷體"/>
-              </a:rPr>
-              <a:t>Producer </a:t>
-            </a:r>
-            <a:endParaRPr lang="en-US" sz="1800" b="0" strike="noStrike" spc="-1" dirty="0">
-              <a:latin typeface="Arial"/>
-            </a:endParaRPr>
-          </a:p>
-          <a:p>
-            <a:pPr>
-              <a:lnSpc>
-                <a:spcPct val="100000"/>
-              </a:lnSpc>
-            </a:pPr>
-            <a:r>
-              <a:rPr lang="en-US" sz="1800" b="0" strike="noStrike" spc="-1" dirty="0">
-                <a:solidFill>
-                  <a:srgbClr val="000000"/>
-                </a:solidFill>
-                <a:latin typeface="標楷體"/>
-                <a:ea typeface="標楷體"/>
-              </a:rPr>
-              <a:t>	</a:t>
-            </a:r>
-            <a:r>
-              <a:rPr lang="zh-TW" sz="1800" b="0" strike="noStrike" spc="-1" dirty="0">
-                <a:solidFill>
-                  <a:srgbClr val="000000"/>
-                </a:solidFill>
-                <a:latin typeface="標楷體"/>
-                <a:ea typeface="標楷體"/>
-              </a:rPr>
-              <a:t>負責將消息傳送至</a:t>
-            </a:r>
-            <a:r>
-              <a:rPr lang="en-US" sz="1800" b="0" strike="noStrike" spc="-1" dirty="0">
-                <a:solidFill>
-                  <a:srgbClr val="000000"/>
-                </a:solidFill>
-                <a:latin typeface="標楷體"/>
-                <a:ea typeface="標楷體"/>
-              </a:rPr>
-              <a:t>Kafka</a:t>
-            </a:r>
-            <a:r>
-              <a:rPr lang="zh-TW" sz="1800" b="0" strike="noStrike" spc="-1" dirty="0">
-                <a:solidFill>
-                  <a:srgbClr val="000000"/>
-                </a:solidFill>
-                <a:latin typeface="標楷體"/>
-                <a:ea typeface="標楷體"/>
-              </a:rPr>
-              <a:t>的</a:t>
-            </a:r>
-            <a:r>
-              <a:rPr lang="en-US" sz="1800" b="0" strike="noStrike" spc="-1" dirty="0">
-                <a:solidFill>
-                  <a:srgbClr val="000000"/>
-                </a:solidFill>
-                <a:latin typeface="標楷體"/>
-                <a:ea typeface="標楷體"/>
-              </a:rPr>
-              <a:t>Topic</a:t>
-            </a:r>
-            <a:r>
-              <a:rPr lang="zh-TW" sz="1800" b="0" strike="noStrike" spc="-1" dirty="0">
-                <a:solidFill>
-                  <a:srgbClr val="000000"/>
-                </a:solidFill>
-                <a:latin typeface="標楷體"/>
-                <a:ea typeface="標楷體"/>
-              </a:rPr>
-              <a:t>中。</a:t>
-            </a:r>
-            <a:endParaRPr lang="en-US" sz="1800" b="0" strike="noStrike" spc="-1" dirty="0">
-              <a:latin typeface="Arial"/>
-            </a:endParaRPr>
-          </a:p>
-          <a:p>
-            <a:pPr>
-              <a:lnSpc>
-                <a:spcPct val="100000"/>
-              </a:lnSpc>
-            </a:pPr>
-            <a:endParaRPr lang="en-US" sz="1800" b="0" strike="noStrike" spc="-1" dirty="0">
-              <a:latin typeface="Arial"/>
-            </a:endParaRPr>
-          </a:p>
-          <a:p>
-            <a:pPr>
-              <a:lnSpc>
-                <a:spcPct val="100000"/>
-              </a:lnSpc>
-            </a:pPr>
-            <a:r>
-              <a:rPr lang="en-US" sz="1800" b="0" strike="noStrike" spc="-1" dirty="0">
-                <a:solidFill>
-                  <a:srgbClr val="C00000"/>
-                </a:solidFill>
-                <a:latin typeface="標楷體"/>
-                <a:ea typeface="標楷體"/>
-              </a:rPr>
-              <a:t>Kafka cluster </a:t>
-            </a:r>
-            <a:endParaRPr lang="en-US" sz="1800" b="0" strike="noStrike" spc="-1" dirty="0">
-              <a:latin typeface="Arial"/>
-            </a:endParaRPr>
-          </a:p>
-          <a:p>
-            <a:pPr>
-              <a:lnSpc>
-                <a:spcPct val="100000"/>
-              </a:lnSpc>
-            </a:pPr>
-            <a:r>
-              <a:rPr lang="en-US" sz="1800" b="0" strike="noStrike" spc="-1" dirty="0">
-                <a:solidFill>
-                  <a:srgbClr val="000000"/>
-                </a:solidFill>
-                <a:latin typeface="標楷體"/>
-                <a:ea typeface="標楷體"/>
-              </a:rPr>
-              <a:t>	</a:t>
-            </a:r>
-            <a:r>
-              <a:rPr lang="zh-TW" sz="1800" b="0" strike="noStrike" spc="-1" dirty="0">
-                <a:solidFill>
-                  <a:srgbClr val="000000"/>
-                </a:solidFill>
-                <a:latin typeface="標楷體"/>
-                <a:ea typeface="標楷體"/>
-              </a:rPr>
-              <a:t>由</a:t>
-            </a:r>
-            <a:r>
-              <a:rPr lang="en-US" sz="1800" b="0" strike="noStrike" spc="-1" dirty="0">
-                <a:solidFill>
-                  <a:srgbClr val="000000"/>
-                </a:solidFill>
-                <a:latin typeface="標楷體"/>
-                <a:ea typeface="標楷體"/>
-              </a:rPr>
-              <a:t>1</a:t>
-            </a:r>
-            <a:r>
-              <a:rPr lang="zh-TW" sz="1800" b="0" strike="noStrike" spc="-1" dirty="0">
-                <a:solidFill>
-                  <a:srgbClr val="000000"/>
-                </a:solidFill>
-                <a:latin typeface="標楷體"/>
-                <a:ea typeface="標楷體"/>
-              </a:rPr>
-              <a:t>個或多個</a:t>
-            </a:r>
-            <a:r>
-              <a:rPr lang="en-US" sz="1800" b="0" strike="noStrike" spc="-1" dirty="0">
-                <a:solidFill>
-                  <a:srgbClr val="000000"/>
-                </a:solidFill>
-                <a:latin typeface="標楷體"/>
-                <a:ea typeface="標楷體"/>
-              </a:rPr>
-              <a:t>Broker</a:t>
-            </a:r>
-            <a:r>
-              <a:rPr lang="zh-TW" sz="1800" b="0" strike="noStrike" spc="-1" dirty="0">
-                <a:solidFill>
-                  <a:srgbClr val="000000"/>
-                </a:solidFill>
-                <a:latin typeface="標楷體"/>
-                <a:ea typeface="標楷體"/>
-              </a:rPr>
-              <a:t>組成的集群，負責提供消息處理服務。</a:t>
-            </a:r>
-            <a:endParaRPr lang="en-US" sz="1800" b="0" strike="noStrike" spc="-1" dirty="0">
-              <a:latin typeface="Arial"/>
-            </a:endParaRPr>
-          </a:p>
-          <a:p>
-            <a:pPr>
-              <a:lnSpc>
-                <a:spcPct val="100000"/>
-              </a:lnSpc>
-            </a:pPr>
-            <a:endParaRPr lang="en-US" sz="1800" b="0" strike="noStrike" spc="-1" dirty="0">
-              <a:latin typeface="Arial"/>
-            </a:endParaRPr>
-          </a:p>
-          <a:p>
-            <a:pPr>
-              <a:lnSpc>
-                <a:spcPct val="100000"/>
-              </a:lnSpc>
-            </a:pPr>
-            <a:r>
-              <a:rPr lang="en-US" sz="1800" b="0" strike="noStrike" spc="-1" dirty="0">
-                <a:solidFill>
-                  <a:srgbClr val="C00000"/>
-                </a:solidFill>
-                <a:latin typeface="標楷體"/>
-                <a:ea typeface="標楷體"/>
-              </a:rPr>
-              <a:t>Consumer</a:t>
-            </a:r>
-            <a:r>
-              <a:rPr lang="en-US" sz="1800" b="0" strike="noStrike" spc="-1" dirty="0">
-                <a:solidFill>
-                  <a:srgbClr val="000000"/>
-                </a:solidFill>
-                <a:latin typeface="標楷體"/>
-                <a:ea typeface="標楷體"/>
-              </a:rPr>
-              <a:t> </a:t>
-            </a:r>
-            <a:endParaRPr lang="en-US" sz="1800" b="0" strike="noStrike" spc="-1" dirty="0">
-              <a:latin typeface="Arial"/>
-            </a:endParaRPr>
-          </a:p>
-          <a:p>
-            <a:pPr>
-              <a:lnSpc>
-                <a:spcPct val="100000"/>
-              </a:lnSpc>
-            </a:pPr>
-            <a:r>
-              <a:rPr lang="en-US" sz="1800" b="0" strike="noStrike" spc="-1" dirty="0">
-                <a:solidFill>
-                  <a:srgbClr val="000000"/>
-                </a:solidFill>
-                <a:latin typeface="標楷體"/>
-                <a:ea typeface="標楷體"/>
-              </a:rPr>
-              <a:t>	</a:t>
-            </a:r>
-            <a:r>
-              <a:rPr lang="zh-TW" sz="1800" b="0" strike="noStrike" spc="-1" dirty="0">
-                <a:solidFill>
-                  <a:srgbClr val="000000"/>
-                </a:solidFill>
-                <a:latin typeface="標楷體"/>
-                <a:ea typeface="標楷體"/>
-              </a:rPr>
-              <a:t>負責將消息從訂閱的</a:t>
-            </a:r>
-            <a:r>
-              <a:rPr lang="en-US" sz="1800" b="0" strike="noStrike" spc="-1" dirty="0">
-                <a:solidFill>
-                  <a:srgbClr val="000000"/>
-                </a:solidFill>
-                <a:latin typeface="標楷體"/>
-                <a:ea typeface="標楷體"/>
-              </a:rPr>
-              <a:t>Topic</a:t>
-            </a:r>
-            <a:r>
-              <a:rPr lang="zh-TW" sz="1800" b="0" strike="noStrike" spc="-1" dirty="0">
-                <a:solidFill>
-                  <a:srgbClr val="000000"/>
-                </a:solidFill>
-                <a:latin typeface="標楷體"/>
-                <a:ea typeface="標楷體"/>
-              </a:rPr>
-              <a:t>中取出。</a:t>
-            </a:r>
-            <a:endParaRPr lang="en-US" sz="1800" b="0" strike="noStrike" spc="-1" dirty="0">
-              <a:latin typeface="Arial"/>
-            </a:endParaRPr>
-          </a:p>
-          <a:p>
-            <a:pPr>
-              <a:lnSpc>
-                <a:spcPct val="100000"/>
-              </a:lnSpc>
-            </a:pPr>
-            <a:endParaRPr lang="en-US" sz="1800" b="0" strike="noStrike" spc="-1" dirty="0">
-              <a:latin typeface="Arial"/>
-            </a:endParaRPr>
-          </a:p>
-          <a:p>
-            <a:pPr>
-              <a:lnSpc>
-                <a:spcPct val="100000"/>
-              </a:lnSpc>
-            </a:pPr>
-            <a:r>
-              <a:rPr lang="en-US" sz="1800" b="0" strike="noStrike" spc="-1" dirty="0">
-                <a:solidFill>
-                  <a:srgbClr val="C00000"/>
-                </a:solidFill>
-                <a:latin typeface="標楷體"/>
-                <a:ea typeface="標楷體"/>
-              </a:rPr>
-              <a:t>Zookeeper </a:t>
-            </a:r>
-            <a:endParaRPr lang="en-US" sz="1800" b="0" strike="noStrike" spc="-1" dirty="0">
-              <a:latin typeface="Arial"/>
-            </a:endParaRPr>
-          </a:p>
-          <a:p>
-            <a:pPr>
-              <a:lnSpc>
-                <a:spcPct val="100000"/>
-              </a:lnSpc>
-            </a:pPr>
-            <a:r>
-              <a:rPr lang="en-US" sz="1800" b="0" strike="noStrike" spc="-1" dirty="0">
-                <a:solidFill>
-                  <a:srgbClr val="000000"/>
-                </a:solidFill>
-                <a:latin typeface="標楷體"/>
-                <a:ea typeface="標楷體"/>
-              </a:rPr>
-              <a:t>	</a:t>
-            </a:r>
-            <a:r>
-              <a:rPr lang="zh-TW" sz="1800" b="0" strike="noStrike" spc="-1" dirty="0">
-                <a:solidFill>
-                  <a:srgbClr val="000000"/>
-                </a:solidFill>
-                <a:latin typeface="標楷體"/>
-                <a:ea typeface="標楷體"/>
-              </a:rPr>
-              <a:t>負責管理及維護</a:t>
-            </a:r>
-            <a:r>
-              <a:rPr lang="en-US" sz="1800" b="0" strike="noStrike" spc="-1" dirty="0">
-                <a:solidFill>
-                  <a:srgbClr val="000000"/>
-                </a:solidFill>
-                <a:latin typeface="標楷體"/>
-                <a:ea typeface="標楷體"/>
-              </a:rPr>
-              <a:t>Kafka</a:t>
-            </a:r>
-            <a:r>
-              <a:rPr lang="zh-TW" sz="1800" b="0" strike="noStrike" spc="-1" dirty="0">
-                <a:solidFill>
-                  <a:srgbClr val="000000"/>
-                </a:solidFill>
-                <a:latin typeface="標楷體"/>
-                <a:ea typeface="標楷體"/>
-              </a:rPr>
-              <a:t>集群，主要工作有集群數據管理、副本分配。</a:t>
-            </a:r>
-            <a:endParaRPr lang="en-US" sz="1800" b="0" strike="noStrike" spc="-1" dirty="0">
-              <a:latin typeface="Arial"/>
-            </a:endParaRPr>
-          </a:p>
-        </p:txBody>
-      </p:sp>
+        </p:spPr>
+      </p:pic>
     </p:spTree>
-    <p:extLst>
-      <p:ext uri="{BB962C8B-B14F-4D97-AF65-F5344CB8AC3E}">
-        <p14:creationId xmlns:p14="http://schemas.microsoft.com/office/powerpoint/2010/main" val="347390588"/>
-      </p:ext>
-    </p:extLst>
   </p:cSld>
   <p:clrMapOvr>
     <a:masterClrMapping/>
@@ -17635,13 +16983,334 @@
       </p:grpSpPr>
       <p:sp>
         <p:nvSpPr>
-          <p:cNvPr id="192" name="標題 1"/>
+          <p:cNvPr id="195" name="內容版面配置區 2_1"/>
           <p:cNvSpPr txBox="1"/>
           <p:nvPr/>
         </p:nvSpPr>
         <p:spPr>
           <a:xfrm>
-            <a:off x="2231280" y="120600"/>
+            <a:off x="1069920" y="1251469"/>
+            <a:ext cx="10058040" cy="4050360"/>
+          </a:xfrm>
+          <a:prstGeom prst="rect">
+            <a:avLst/>
+          </a:prstGeom>
+          <a:noFill/>
+          <a:ln w="0">
+            <a:noFill/>
+          </a:ln>
+        </p:spPr>
+        <p:txBody>
+          <a:bodyPr>
+            <a:noAutofit/>
+          </a:bodyPr>
+          <a:lstStyle/>
+          <a:p>
+            <a:pPr marL="182880" indent="-182520">
+              <a:lnSpc>
+                <a:spcPct val="90000"/>
+              </a:lnSpc>
+              <a:spcBef>
+                <a:spcPts val="1199"/>
+              </a:spcBef>
+              <a:buClr>
+                <a:srgbClr val="689D9B"/>
+              </a:buClr>
+              <a:buSzPct val="85000"/>
+              <a:buFont typeface="Wingdings" charset="2"/>
+              <a:buChar char=""/>
+            </a:pPr>
+            <a:r>
+              <a:rPr lang="zh-TW" altLang="en-US" sz="2000" b="0" strike="noStrike" spc="-1" dirty="0">
+                <a:solidFill>
+                  <a:srgbClr val="000000"/>
+                </a:solidFill>
+                <a:latin typeface="Arial"/>
+              </a:rPr>
+              <a:t>全名為長短期記憶，會使用記憶來更新訊息，並控制訊息流動，使模型能夠更優化捕捉長期依賴關係。</a:t>
+            </a:r>
+            <a:endParaRPr lang="en-US" altLang="zh-TW" sz="2000" b="0" strike="noStrike" spc="-1" dirty="0">
+              <a:solidFill>
+                <a:srgbClr val="000000"/>
+              </a:solidFill>
+              <a:latin typeface="Arial"/>
+            </a:endParaRPr>
+          </a:p>
+          <a:p>
+            <a:pPr marL="182880" indent="-182520">
+              <a:lnSpc>
+                <a:spcPct val="90000"/>
+              </a:lnSpc>
+              <a:spcBef>
+                <a:spcPts val="1199"/>
+              </a:spcBef>
+              <a:buClr>
+                <a:srgbClr val="689D9B"/>
+              </a:buClr>
+              <a:buSzPct val="85000"/>
+              <a:buFont typeface="Wingdings" charset="2"/>
+              <a:buChar char=""/>
+            </a:pPr>
+            <a:endParaRPr lang="en-US" altLang="zh-TW" sz="2000" spc="-1" dirty="0">
+              <a:solidFill>
+                <a:srgbClr val="000000"/>
+              </a:solidFill>
+              <a:latin typeface="Arial"/>
+            </a:endParaRPr>
+          </a:p>
+          <a:p>
+            <a:pPr marL="182880" indent="-182520">
+              <a:lnSpc>
+                <a:spcPct val="90000"/>
+              </a:lnSpc>
+              <a:spcBef>
+                <a:spcPts val="1199"/>
+              </a:spcBef>
+              <a:buClr>
+                <a:srgbClr val="689D9B"/>
+              </a:buClr>
+              <a:buSzPct val="85000"/>
+              <a:buFont typeface="Wingdings" charset="2"/>
+              <a:buChar char=""/>
+            </a:pPr>
+            <a:r>
+              <a:rPr lang="zh-TW" sz="2000" b="0" strike="noStrike" spc="-1" dirty="0">
+                <a:solidFill>
+                  <a:srgbClr val="000000"/>
+                </a:solidFill>
+                <a:latin typeface="Arial"/>
+              </a:rPr>
+              <a:t>準確性的變化趨勢：訓練初期，模型的準確性提升速度較快，尤其是在前</a:t>
+            </a:r>
+            <a:r>
+              <a:rPr lang="en-US" sz="2000" b="0" strike="noStrike" spc="-1" dirty="0">
+                <a:solidFill>
+                  <a:srgbClr val="000000"/>
+                </a:solidFill>
+                <a:latin typeface="Arial"/>
+              </a:rPr>
+              <a:t>20</a:t>
+            </a:r>
+            <a:r>
+              <a:rPr lang="zh-TW" sz="2000" b="0" strike="noStrike" spc="-1" dirty="0">
+                <a:solidFill>
+                  <a:srgbClr val="000000"/>
+                </a:solidFill>
+                <a:latin typeface="Arial"/>
+              </a:rPr>
+              <a:t>個</a:t>
+            </a:r>
+            <a:r>
+              <a:rPr lang="en-US" sz="2000" b="0" strike="noStrike" spc="-1" dirty="0">
+                <a:solidFill>
+                  <a:srgbClr val="000000"/>
+                </a:solidFill>
+                <a:latin typeface="Arial"/>
+              </a:rPr>
+              <a:t>epoch</a:t>
+            </a:r>
+            <a:r>
+              <a:rPr lang="zh-TW" sz="2000" b="0" strike="noStrike" spc="-1" dirty="0">
+                <a:solidFill>
+                  <a:srgbClr val="000000"/>
+                </a:solidFill>
+                <a:latin typeface="Arial"/>
+              </a:rPr>
+              <a:t>之內，模型的準確性急劇提升。隨著訓練輪數的增加，模型的準確性提升速度逐漸變慢，並最終趨於平緩。</a:t>
+            </a:r>
+            <a:endParaRPr lang="en-US" sz="2000" b="0" strike="noStrike" spc="-1" dirty="0">
+              <a:solidFill>
+                <a:srgbClr val="000000"/>
+              </a:solidFill>
+              <a:latin typeface="Arial"/>
+            </a:endParaRPr>
+          </a:p>
+          <a:p>
+            <a:pPr>
+              <a:lnSpc>
+                <a:spcPct val="90000"/>
+              </a:lnSpc>
+              <a:spcBef>
+                <a:spcPts val="1199"/>
+              </a:spcBef>
+            </a:pPr>
+            <a:endParaRPr lang="en-US" sz="2000" b="0" strike="noStrike" spc="-1" dirty="0">
+              <a:solidFill>
+                <a:srgbClr val="000000"/>
+              </a:solidFill>
+              <a:latin typeface="Arial"/>
+            </a:endParaRPr>
+          </a:p>
+          <a:p>
+            <a:pPr marL="182880" indent="-182520">
+              <a:lnSpc>
+                <a:spcPct val="90000"/>
+              </a:lnSpc>
+              <a:spcBef>
+                <a:spcPts val="1199"/>
+              </a:spcBef>
+              <a:buClr>
+                <a:srgbClr val="689D9B"/>
+              </a:buClr>
+              <a:buSzPct val="85000"/>
+              <a:buFont typeface="Wingdings" charset="2"/>
+              <a:buChar char=""/>
+            </a:pPr>
+            <a:r>
+              <a:rPr lang="zh-TW" sz="2000" b="0" strike="noStrike" spc="-1" dirty="0">
+                <a:solidFill>
+                  <a:srgbClr val="000000"/>
+                </a:solidFill>
+                <a:latin typeface="Arial"/>
+              </a:rPr>
+              <a:t>訓練集和驗證集的準確性對比：訓練集的準確性始終低於驗證集的準確性，這種現象在前</a:t>
+            </a:r>
+            <a:r>
+              <a:rPr lang="en-US" sz="2000" b="0" strike="noStrike" spc="-1" dirty="0">
+                <a:solidFill>
+                  <a:srgbClr val="000000"/>
+                </a:solidFill>
+                <a:latin typeface="Arial"/>
+              </a:rPr>
+              <a:t>20</a:t>
+            </a:r>
+            <a:r>
+              <a:rPr lang="zh-TW" sz="2000" b="0" strike="noStrike" spc="-1" dirty="0">
+                <a:solidFill>
+                  <a:srgbClr val="000000"/>
+                </a:solidFill>
+                <a:latin typeface="Arial"/>
+              </a:rPr>
+              <a:t>個</a:t>
+            </a:r>
+            <a:r>
+              <a:rPr lang="en-US" sz="2000" b="0" strike="noStrike" spc="-1" dirty="0">
+                <a:solidFill>
+                  <a:srgbClr val="000000"/>
+                </a:solidFill>
+                <a:latin typeface="Arial"/>
+              </a:rPr>
+              <a:t>epoch</a:t>
+            </a:r>
+            <a:r>
+              <a:rPr lang="zh-TW" sz="2000" b="0" strike="noStrike" spc="-1" dirty="0">
+                <a:solidFill>
+                  <a:srgbClr val="000000"/>
+                </a:solidFill>
+                <a:latin typeface="Arial"/>
+              </a:rPr>
+              <a:t>尤其明顯。這可能表示模型在訓練初期容易過擬合訓練數據，從而在驗證集上表現更好。隨著訓練輪數的增加，兩條曲線逐漸趨於一致，這意味著模型逐漸達到了穩定狀態。</a:t>
+            </a:r>
+            <a:endParaRPr lang="en-US" sz="2000" b="0" strike="noStrike" spc="-1" dirty="0">
+              <a:solidFill>
+                <a:srgbClr val="000000"/>
+              </a:solidFill>
+              <a:latin typeface="Arial"/>
+            </a:endParaRPr>
+          </a:p>
+          <a:p>
+            <a:pPr>
+              <a:lnSpc>
+                <a:spcPct val="90000"/>
+              </a:lnSpc>
+              <a:spcBef>
+                <a:spcPts val="1199"/>
+              </a:spcBef>
+            </a:pPr>
+            <a:endParaRPr lang="en-US" sz="2000" b="0" strike="noStrike" spc="-1" dirty="0">
+              <a:solidFill>
+                <a:srgbClr val="000000"/>
+              </a:solidFill>
+              <a:latin typeface="Arial"/>
+            </a:endParaRPr>
+          </a:p>
+          <a:p>
+            <a:pPr marL="182880" indent="-182520">
+              <a:lnSpc>
+                <a:spcPct val="90000"/>
+              </a:lnSpc>
+              <a:spcBef>
+                <a:spcPts val="1199"/>
+              </a:spcBef>
+              <a:buClr>
+                <a:srgbClr val="689D9B"/>
+              </a:buClr>
+              <a:buSzPct val="85000"/>
+              <a:buFont typeface="Wingdings" charset="2"/>
+              <a:buChar char=""/>
+            </a:pPr>
+            <a:r>
+              <a:rPr lang="zh-TW" sz="2000" b="0" strike="noStrike" spc="-1" dirty="0">
+                <a:solidFill>
+                  <a:srgbClr val="000000"/>
+                </a:solidFill>
+                <a:latin typeface="Arial"/>
+              </a:rPr>
+              <a:t>模型的收斂性：模型的準確性曲線逐漸趨於平緩，這表示模型在經過一定數量的訓練後，學習到了數據中的模式，並且逐漸達到了其最大準確性。</a:t>
+            </a:r>
+            <a:endParaRPr lang="en-US" sz="2000" b="0" strike="noStrike" spc="-1" dirty="0">
+              <a:solidFill>
+                <a:srgbClr val="000000"/>
+              </a:solidFill>
+              <a:latin typeface="Arial"/>
+            </a:endParaRPr>
+          </a:p>
+        </p:txBody>
+      </p:sp>
+      <p:sp>
+        <p:nvSpPr>
+          <p:cNvPr id="196" name="投影片編號版面配置區 3_1"/>
+          <p:cNvSpPr txBox="1"/>
+          <p:nvPr/>
+        </p:nvSpPr>
+        <p:spPr>
+          <a:xfrm>
+            <a:off x="11311200" y="6272640"/>
+            <a:ext cx="639720" cy="364680"/>
+          </a:xfrm>
+          <a:prstGeom prst="rect">
+            <a:avLst/>
+          </a:prstGeom>
+          <a:noFill/>
+          <a:ln w="0">
+            <a:noFill/>
+          </a:ln>
+        </p:spPr>
+        <p:txBody>
+          <a:bodyPr anchor="ctr">
+            <a:noAutofit/>
+          </a:bodyPr>
+          <a:lstStyle/>
+          <a:p>
+            <a:pPr algn="ctr">
+              <a:lnSpc>
+                <a:spcPct val="100000"/>
+              </a:lnSpc>
+            </a:pPr>
+            <a:fld id="{A8DB26CF-55A9-415B-AA54-51FBE59C980F}" type="slidenum">
+              <a:rPr lang="en-US" sz="1400" b="0" strike="noStrike" spc="-1">
+                <a:solidFill>
+                  <a:srgbClr val="FFFFFF"/>
+                </a:solidFill>
+                <a:latin typeface="Arial Black"/>
+              </a:rPr>
+              <a:t>9</a:t>
+            </a:fld>
+            <a:endParaRPr lang="en-US" sz="1400" b="0" strike="noStrike" spc="-1">
+              <a:latin typeface="Times New Roman"/>
+            </a:endParaRPr>
+          </a:p>
+        </p:txBody>
+      </p:sp>
+      <p:sp>
+        <p:nvSpPr>
+          <p:cNvPr id="197" name="標題 1_2"/>
+          <p:cNvSpPr txBox="1"/>
+          <p:nvPr/>
+        </p:nvSpPr>
+        <p:spPr>
+          <a:xfrm>
+            <a:off x="2231280" y="120960"/>
             <a:ext cx="7729200" cy="767160"/>
           </a:xfrm>
           <a:prstGeom prst="rect">
@@ -17669,175 +17338,39 @@
               </a:lnSpc>
             </a:pPr>
             <a:r>
-              <a:rPr lang="en-US" sz="2800" b="0" strike="noStrike" spc="199">
+              <a:rPr lang="en-US" sz="2800" b="0" strike="noStrike" spc="199" dirty="0">
                 <a:solidFill>
                   <a:srgbClr val="000000"/>
                 </a:solidFill>
                 <a:latin typeface="Calibri"/>
                 <a:ea typeface="新細明體"/>
               </a:rPr>
-              <a:t>MongoDB</a:t>
-            </a:r>
-            <a:endParaRPr lang="en-US" sz="2800" b="0" strike="noStrike" spc="-1">
+              <a:t>LSTM </a:t>
+            </a:r>
+            <a:r>
+              <a:rPr lang="zh-TW" sz="2800" b="0" strike="noStrike" spc="199" dirty="0">
+                <a:solidFill>
+                  <a:srgbClr val="000000"/>
+                </a:solidFill>
+                <a:latin typeface="Calibri"/>
+                <a:ea typeface="新細明體"/>
+              </a:rPr>
+              <a:t>介紹</a:t>
+            </a:r>
+            <a:endParaRPr lang="en-US" sz="2800" b="0" strike="noStrike" spc="-1" dirty="0">
               <a:solidFill>
                 <a:srgbClr val="000000"/>
               </a:solidFill>
-              <a:latin typeface="Gill Sans MT"/>
+              <a:latin typeface="Arial"/>
             </a:endParaRPr>
           </a:p>
         </p:txBody>
       </p:sp>
-      <p:sp>
-        <p:nvSpPr>
-          <p:cNvPr id="193" name="文字方塊 4"/>
-          <p:cNvSpPr/>
-          <p:nvPr/>
-        </p:nvSpPr>
-        <p:spPr>
-          <a:xfrm>
-            <a:off x="981000" y="1526760"/>
-            <a:ext cx="10229760" cy="639000"/>
-          </a:xfrm>
-          <a:prstGeom prst="rect">
-            <a:avLst/>
-          </a:prstGeom>
-          <a:noFill/>
-          <a:ln w="0">
-            <a:noFill/>
-          </a:ln>
-        </p:spPr>
-        <p:style>
-          <a:lnRef idx="0">
-            <a:scrgbClr r="0" g="0" b="0"/>
-          </a:lnRef>
-          <a:fillRef idx="0">
-            <a:scrgbClr r="0" g="0" b="0"/>
-          </a:fillRef>
-          <a:effectRef idx="0">
-            <a:scrgbClr r="0" g="0" b="0"/>
-          </a:effectRef>
-          <a:fontRef idx="minor"/>
-        </p:style>
-        <p:txBody>
-          <a:bodyPr lIns="90000" tIns="45000" rIns="90000" bIns="45000">
-            <a:spAutoFit/>
-          </a:bodyPr>
-          <a:lstStyle/>
-          <a:p>
-            <a:pPr>
-              <a:lnSpc>
-                <a:spcPct val="100000"/>
-              </a:lnSpc>
-            </a:pPr>
-            <a:r>
-              <a:rPr lang="en-US" sz="1800" b="0" strike="noStrike" spc="-1">
-                <a:solidFill>
-                  <a:srgbClr val="000000"/>
-                </a:solidFill>
-                <a:latin typeface="Calibri"/>
-                <a:ea typeface="新細明體"/>
-              </a:rPr>
-              <a:t>MongoDB</a:t>
-            </a:r>
-            <a:r>
-              <a:rPr lang="zh-TW" sz="1800" b="0" strike="noStrike" spc="-1">
-                <a:solidFill>
-                  <a:srgbClr val="000000"/>
-                </a:solidFill>
-                <a:latin typeface="Calibri"/>
-                <a:ea typeface="新細明體"/>
-              </a:rPr>
-              <a:t>是一種開源的、基於文件的</a:t>
-            </a:r>
-            <a:r>
-              <a:rPr lang="en-US" sz="1800" b="0" strike="noStrike" spc="-1">
-                <a:solidFill>
-                  <a:srgbClr val="000000"/>
-                </a:solidFill>
-                <a:latin typeface="Calibri"/>
-                <a:ea typeface="新細明體"/>
-              </a:rPr>
-              <a:t>NoSQL</a:t>
-            </a:r>
-            <a:r>
-              <a:rPr lang="zh-TW" sz="1800" b="0" strike="noStrike" spc="-1">
-                <a:solidFill>
-                  <a:srgbClr val="000000"/>
-                </a:solidFill>
-                <a:latin typeface="Calibri"/>
-                <a:ea typeface="新細明體"/>
-              </a:rPr>
-              <a:t>資料庫，它以高效能、靈活的資料模型和可擴展性而聞名。 </a:t>
-            </a:r>
-            <a:r>
-              <a:rPr lang="en-US" sz="1800" b="0" strike="noStrike" spc="-1">
-                <a:solidFill>
-                  <a:srgbClr val="000000"/>
-                </a:solidFill>
-                <a:latin typeface="Calibri"/>
-                <a:ea typeface="新細明體"/>
-              </a:rPr>
-              <a:t>MongoDB</a:t>
-            </a:r>
-            <a:r>
-              <a:rPr lang="zh-TW" sz="1800" b="0" strike="noStrike" spc="-1">
-                <a:solidFill>
-                  <a:srgbClr val="000000"/>
-                </a:solidFill>
-                <a:latin typeface="Calibri"/>
-                <a:ea typeface="新細明體"/>
-              </a:rPr>
-              <a:t>旨在儲存和處理大量數據，並支援複雜的查詢和分析。</a:t>
-            </a:r>
-            <a:endParaRPr lang="en-US" sz="1800" b="0" strike="noStrike" spc="-1">
-              <a:latin typeface="Arial"/>
-            </a:endParaRPr>
-          </a:p>
-        </p:txBody>
-      </p:sp>
-      <p:pic>
-        <p:nvPicPr>
-          <p:cNvPr id="5" name="圖片 4">
-            <a:extLst>
-              <a:ext uri="{FF2B5EF4-FFF2-40B4-BE49-F238E27FC236}">
-                <a16:creationId xmlns:a16="http://schemas.microsoft.com/office/drawing/2014/main" id="{7C342210-9DE4-48D1-9C4C-4806CAAE94B2}"/>
-              </a:ext>
-            </a:extLst>
-          </p:cNvPr>
-          <p:cNvPicPr>
-            <a:picLocks noChangeAspect="1"/>
-          </p:cNvPicPr>
-          <p:nvPr/>
-        </p:nvPicPr>
-        <p:blipFill rotWithShape="1">
-          <a:blip r:embed="rId2">
-            <a:extLst>
-              <a:ext uri="{28A0092B-C50C-407E-A947-70E740481C1C}">
-                <a14:useLocalDpi xmlns:a14="http://schemas.microsoft.com/office/drawing/2010/main" val="0"/>
-              </a:ext>
-            </a:extLst>
-          </a:blip>
-          <a:srcRect b="8220"/>
-          <a:stretch/>
-        </p:blipFill>
-        <p:spPr>
-          <a:xfrm>
-            <a:off x="1908868" y="2259387"/>
-            <a:ext cx="8374263" cy="4323315"/>
-          </a:xfrm>
-          <a:prstGeom prst="rect">
-            <a:avLst/>
-          </a:prstGeom>
-        </p:spPr>
-      </p:pic>
     </p:spTree>
   </p:cSld>
   <p:clrMapOvr>
     <a:masterClrMapping/>
   </p:clrMapOvr>
-  <p:transition spd="slow">
-    <p:wipe/>
-  </p:transition>
 </p:sld>
 </file>
 
